--- a/SDD 관련 자료/작업 결과물/대화 모형도/강의평가질문수정.pptx
+++ b/SDD 관련 자료/작업 결과물/대화 모형도/강의평가질문수정.pptx
@@ -241,7 +241,7 @@
           <a:p>
             <a:fld id="{FEB97611-7D34-4565-8BE2-EC668B9DC89E}" type="datetimeFigureOut">
               <a:rPr lang="ko-KR" altLang="en-US" smtClean="0"/>
-              <a:t>2016-05-23</a:t>
+              <a:t>2016-05-24</a:t>
             </a:fld>
             <a:endParaRPr lang="ko-KR" altLang="en-US"/>
           </a:p>
@@ -409,7 +409,7 @@
           <a:p>
             <a:fld id="{FEB97611-7D34-4565-8BE2-EC668B9DC89E}" type="datetimeFigureOut">
               <a:rPr lang="ko-KR" altLang="en-US" smtClean="0"/>
-              <a:t>2016-05-23</a:t>
+              <a:t>2016-05-24</a:t>
             </a:fld>
             <a:endParaRPr lang="ko-KR" altLang="en-US"/>
           </a:p>
@@ -587,7 +587,7 @@
           <a:p>
             <a:fld id="{FEB97611-7D34-4565-8BE2-EC668B9DC89E}" type="datetimeFigureOut">
               <a:rPr lang="ko-KR" altLang="en-US" smtClean="0"/>
-              <a:t>2016-05-23</a:t>
+              <a:t>2016-05-24</a:t>
             </a:fld>
             <a:endParaRPr lang="ko-KR" altLang="en-US"/>
           </a:p>
@@ -755,7 +755,7 @@
           <a:p>
             <a:fld id="{FEB97611-7D34-4565-8BE2-EC668B9DC89E}" type="datetimeFigureOut">
               <a:rPr lang="ko-KR" altLang="en-US" smtClean="0"/>
-              <a:t>2016-05-23</a:t>
+              <a:t>2016-05-24</a:t>
             </a:fld>
             <a:endParaRPr lang="ko-KR" altLang="en-US"/>
           </a:p>
@@ -1000,7 +1000,7 @@
           <a:p>
             <a:fld id="{FEB97611-7D34-4565-8BE2-EC668B9DC89E}" type="datetimeFigureOut">
               <a:rPr lang="ko-KR" altLang="en-US" smtClean="0"/>
-              <a:t>2016-05-23</a:t>
+              <a:t>2016-05-24</a:t>
             </a:fld>
             <a:endParaRPr lang="ko-KR" altLang="en-US"/>
           </a:p>
@@ -1229,7 +1229,7 @@
           <a:p>
             <a:fld id="{FEB97611-7D34-4565-8BE2-EC668B9DC89E}" type="datetimeFigureOut">
               <a:rPr lang="ko-KR" altLang="en-US" smtClean="0"/>
-              <a:t>2016-05-23</a:t>
+              <a:t>2016-05-24</a:t>
             </a:fld>
             <a:endParaRPr lang="ko-KR" altLang="en-US"/>
           </a:p>
@@ -1593,7 +1593,7 @@
           <a:p>
             <a:fld id="{FEB97611-7D34-4565-8BE2-EC668B9DC89E}" type="datetimeFigureOut">
               <a:rPr lang="ko-KR" altLang="en-US" smtClean="0"/>
-              <a:t>2016-05-23</a:t>
+              <a:t>2016-05-24</a:t>
             </a:fld>
             <a:endParaRPr lang="ko-KR" altLang="en-US"/>
           </a:p>
@@ -1710,7 +1710,7 @@
           <a:p>
             <a:fld id="{FEB97611-7D34-4565-8BE2-EC668B9DC89E}" type="datetimeFigureOut">
               <a:rPr lang="ko-KR" altLang="en-US" smtClean="0"/>
-              <a:t>2016-05-23</a:t>
+              <a:t>2016-05-24</a:t>
             </a:fld>
             <a:endParaRPr lang="ko-KR" altLang="en-US"/>
           </a:p>
@@ -1805,7 +1805,7 @@
           <a:p>
             <a:fld id="{FEB97611-7D34-4565-8BE2-EC668B9DC89E}" type="datetimeFigureOut">
               <a:rPr lang="ko-KR" altLang="en-US" smtClean="0"/>
-              <a:t>2016-05-23</a:t>
+              <a:t>2016-05-24</a:t>
             </a:fld>
             <a:endParaRPr lang="ko-KR" altLang="en-US"/>
           </a:p>
@@ -2080,7 +2080,7 @@
           <a:p>
             <a:fld id="{FEB97611-7D34-4565-8BE2-EC668B9DC89E}" type="datetimeFigureOut">
               <a:rPr lang="ko-KR" altLang="en-US" smtClean="0"/>
-              <a:t>2016-05-23</a:t>
+              <a:t>2016-05-24</a:t>
             </a:fld>
             <a:endParaRPr lang="ko-KR" altLang="en-US"/>
           </a:p>
@@ -2332,7 +2332,7 @@
           <a:p>
             <a:fld id="{FEB97611-7D34-4565-8BE2-EC668B9DC89E}" type="datetimeFigureOut">
               <a:rPr lang="ko-KR" altLang="en-US" smtClean="0"/>
-              <a:t>2016-05-23</a:t>
+              <a:t>2016-05-24</a:t>
             </a:fld>
             <a:endParaRPr lang="ko-KR" altLang="en-US"/>
           </a:p>
@@ -2543,7 +2543,7 @@
           <a:p>
             <a:fld id="{FEB97611-7D34-4565-8BE2-EC668B9DC89E}" type="datetimeFigureOut">
               <a:rPr lang="ko-KR" altLang="en-US" smtClean="0"/>
-              <a:t>2016-05-23</a:t>
+              <a:t>2016-05-24</a:t>
             </a:fld>
             <a:endParaRPr lang="ko-KR" altLang="en-US"/>
           </a:p>
@@ -2956,7 +2956,7 @@
         </p:nvSpPr>
         <p:spPr>
           <a:xfrm>
-            <a:off x="508030" y="4766626"/>
+            <a:off x="3342326" y="7139782"/>
             <a:ext cx="1556992" cy="726131"/>
           </a:xfrm>
           <a:prstGeom prst="rect">
@@ -3013,7 +3013,7 @@
         </p:nvCxnSpPr>
         <p:spPr>
           <a:xfrm flipH="1">
-            <a:off x="1286526" y="1654805"/>
+            <a:off x="4120822" y="4027961"/>
             <a:ext cx="4033762" cy="3111821"/>
           </a:xfrm>
           <a:prstGeom prst="straightConnector1">
@@ -3047,7 +3047,7 @@
         </p:nvSpPr>
         <p:spPr>
           <a:xfrm>
-            <a:off x="2866060" y="4766626"/>
+            <a:off x="5700356" y="7139782"/>
             <a:ext cx="1556992" cy="726131"/>
           </a:xfrm>
           <a:prstGeom prst="rect">
@@ -3110,7 +3110,7 @@
         </p:nvSpPr>
         <p:spPr>
           <a:xfrm>
-            <a:off x="9268694" y="4737860"/>
+            <a:off x="12102990" y="7111016"/>
             <a:ext cx="1556992" cy="726131"/>
           </a:xfrm>
           <a:prstGeom prst="rect">
@@ -3167,7 +3167,7 @@
         </p:nvCxnSpPr>
         <p:spPr>
           <a:xfrm flipH="1">
-            <a:off x="3644556" y="1654805"/>
+            <a:off x="6478852" y="4027961"/>
             <a:ext cx="1675732" cy="3111821"/>
           </a:xfrm>
           <a:prstGeom prst="straightConnector1">
@@ -3201,7 +3201,7 @@
         </p:nvCxnSpPr>
         <p:spPr>
           <a:xfrm>
-            <a:off x="5320288" y="1648076"/>
+            <a:off x="8154584" y="4021232"/>
             <a:ext cx="4768870" cy="3092106"/>
           </a:xfrm>
           <a:prstGeom prst="straightConnector1">
@@ -3235,7 +3235,7 @@
         </p:nvGrpSpPr>
         <p:grpSpPr>
           <a:xfrm rot="4486510">
-            <a:off x="4032984" y="3857767"/>
+            <a:off x="6867280" y="6230923"/>
             <a:ext cx="465295" cy="429840"/>
             <a:chOff x="5764817" y="2081712"/>
             <a:chExt cx="465295" cy="429840"/>
@@ -3331,7 +3331,7 @@
         </p:nvSpPr>
         <p:spPr>
           <a:xfrm rot="3402376">
-            <a:off x="6353322" y="3286010"/>
+            <a:off x="9187618" y="5659166"/>
             <a:ext cx="1553630" cy="430887"/>
           </a:xfrm>
           <a:prstGeom prst="rect">
@@ -3369,7 +3369,7 @@
         </p:nvGrpSpPr>
         <p:grpSpPr>
           <a:xfrm rot="16454924">
-            <a:off x="3162429" y="2665385"/>
+            <a:off x="5996725" y="5038541"/>
             <a:ext cx="465295" cy="429840"/>
             <a:chOff x="5764817" y="2081712"/>
             <a:chExt cx="465295" cy="429840"/>
@@ -3465,7 +3465,7 @@
         </p:nvSpPr>
         <p:spPr>
           <a:xfrm rot="19358055">
-            <a:off x="2206591" y="2537447"/>
+            <a:off x="5040887" y="4910603"/>
             <a:ext cx="1885453" cy="261610"/>
           </a:xfrm>
           <a:prstGeom prst="rect">
@@ -3495,7 +3495,7 @@
         </p:nvGrpSpPr>
         <p:grpSpPr>
           <a:xfrm rot="15545817">
-            <a:off x="4210309" y="2569406"/>
+            <a:off x="7044605" y="4942562"/>
             <a:ext cx="465295" cy="429840"/>
             <a:chOff x="5764817" y="2081712"/>
             <a:chExt cx="465295" cy="429840"/>
@@ -3595,7 +3595,7 @@
         </p:nvSpPr>
         <p:spPr>
           <a:xfrm rot="18158315">
-            <a:off x="3749464" y="2572607"/>
+            <a:off x="6583760" y="4945763"/>
             <a:ext cx="798617" cy="430887"/>
           </a:xfrm>
           <a:prstGeom prst="rect">
@@ -3632,7 +3632,7 @@
         </p:nvGrpSpPr>
         <p:grpSpPr>
           <a:xfrm rot="4604140">
-            <a:off x="4779457" y="2488021"/>
+            <a:off x="7613753" y="4861177"/>
             <a:ext cx="465295" cy="429840"/>
             <a:chOff x="5764817" y="2081712"/>
             <a:chExt cx="465295" cy="429840"/>
@@ -3728,7 +3728,7 @@
         </p:nvGrpSpPr>
         <p:grpSpPr>
           <a:xfrm rot="15675866">
-            <a:off x="3508201" y="3885929"/>
+            <a:off x="6342497" y="6259085"/>
             <a:ext cx="465295" cy="429840"/>
             <a:chOff x="5764817" y="2081712"/>
             <a:chExt cx="465295" cy="429840"/>
@@ -3824,7 +3824,7 @@
         </p:nvSpPr>
         <p:spPr>
           <a:xfrm rot="18022228">
-            <a:off x="2677997" y="3714243"/>
+            <a:off x="5512293" y="6087399"/>
             <a:ext cx="1553630" cy="430887"/>
           </a:xfrm>
           <a:prstGeom prst="rect">
@@ -3863,7 +3863,7 @@
         </p:nvSpPr>
         <p:spPr>
           <a:xfrm rot="17514103">
-            <a:off x="4120949" y="3961738"/>
+            <a:off x="6955245" y="6334894"/>
             <a:ext cx="1080745" cy="430887"/>
           </a:xfrm>
           <a:prstGeom prst="rect">
@@ -3900,7 +3900,7 @@
         </p:nvSpPr>
         <p:spPr>
           <a:xfrm rot="17423541">
-            <a:off x="4702098" y="2654734"/>
+            <a:off x="7536394" y="5027890"/>
             <a:ext cx="1271502" cy="430887"/>
           </a:xfrm>
           <a:prstGeom prst="rect">
@@ -3941,7 +3941,7 @@
         </p:nvCxnSpPr>
         <p:spPr>
           <a:xfrm>
-            <a:off x="5320288" y="1654805"/>
+            <a:off x="8154584" y="4027961"/>
             <a:ext cx="1917386" cy="3054024"/>
           </a:xfrm>
           <a:prstGeom prst="straightConnector1">
@@ -3975,7 +3975,7 @@
         </p:nvGrpSpPr>
         <p:grpSpPr>
           <a:xfrm rot="1521552">
-            <a:off x="6548535" y="3373916"/>
+            <a:off x="9382831" y="5747072"/>
             <a:ext cx="465295" cy="429840"/>
             <a:chOff x="5764817" y="2081712"/>
             <a:chExt cx="465295" cy="429840"/>
@@ -4071,7 +4071,7 @@
         </p:nvGrpSpPr>
         <p:grpSpPr>
           <a:xfrm rot="11888278">
-            <a:off x="6158822" y="3613976"/>
+            <a:off x="8993118" y="5987132"/>
             <a:ext cx="465295" cy="429840"/>
             <a:chOff x="5764817" y="2081712"/>
             <a:chExt cx="465295" cy="429840"/>
@@ -4167,7 +4167,7 @@
         </p:nvSpPr>
         <p:spPr>
           <a:xfrm rot="3760686">
-            <a:off x="5178258" y="3820217"/>
+            <a:off x="8012554" y="6193373"/>
             <a:ext cx="1885453" cy="261610"/>
           </a:xfrm>
           <a:prstGeom prst="rect">
@@ -4197,7 +4197,7 @@
         </p:nvSpPr>
         <p:spPr>
           <a:xfrm rot="2043342">
-            <a:off x="7104440" y="2615704"/>
+            <a:off x="9938736" y="4988860"/>
             <a:ext cx="2076209" cy="261610"/>
           </a:xfrm>
           <a:prstGeom prst="rect">
@@ -4227,7 +4227,7 @@
         </p:nvGrpSpPr>
         <p:grpSpPr>
           <a:xfrm rot="21425190">
-            <a:off x="7539639" y="2747367"/>
+            <a:off x="10373935" y="5120523"/>
             <a:ext cx="465295" cy="429840"/>
             <a:chOff x="5764817" y="2081712"/>
             <a:chExt cx="465295" cy="429840"/>
@@ -4315,61 +4315,6 @@
           </p:style>
         </p:cxnSp>
       </p:grpSp>
-      <p:sp>
-        <p:nvSpPr>
-          <p:cNvPr id="46" name="직사각형 45"/>
-          <p:cNvSpPr/>
-          <p:nvPr/>
-        </p:nvSpPr>
-        <p:spPr>
-          <a:xfrm>
-            <a:off x="4541792" y="906216"/>
-            <a:ext cx="1556992" cy="726131"/>
-          </a:xfrm>
-          <a:prstGeom prst="rect">
-            <a:avLst/>
-          </a:prstGeom>
-          <a:noFill/>
-          <a:ln w="31750">
-            <a:solidFill>
-              <a:schemeClr val="accent1">
-                <a:shade val="50000"/>
-              </a:schemeClr>
-            </a:solidFill>
-          </a:ln>
-        </p:spPr>
-        <p:style>
-          <a:lnRef idx="2">
-            <a:schemeClr val="accent1">
-              <a:shade val="50000"/>
-            </a:schemeClr>
-          </a:lnRef>
-          <a:fillRef idx="1">
-            <a:schemeClr val="accent1"/>
-          </a:fillRef>
-          <a:effectRef idx="0">
-            <a:schemeClr val="accent1"/>
-          </a:effectRef>
-          <a:fontRef idx="minor">
-            <a:schemeClr val="lt1"/>
-          </a:fontRef>
-        </p:style>
-        <p:txBody>
-          <a:bodyPr rtlCol="0" anchor="ctr"/>
-          <a:lstStyle/>
-          <a:p>
-            <a:pPr algn="ctr"/>
-            <a:r>
-              <a:rPr lang="ko-KR" altLang="en-US" sz="1100" dirty="0">
-                <a:solidFill>
-                  <a:sysClr val="windowText" lastClr="000000"/>
-                </a:solidFill>
-              </a:rPr>
-              <a:t>강의평가 질문 정보 수정</a:t>
-            </a:r>
-          </a:p>
-        </p:txBody>
-      </p:sp>
       <p:grpSp>
         <p:nvGrpSpPr>
           <p:cNvPr id="47" name="그룹 46"/>
@@ -4378,7 +4323,7 @@
         </p:nvGrpSpPr>
         <p:grpSpPr>
           <a:xfrm>
-            <a:off x="6517613" y="4751973"/>
+            <a:off x="9351909" y="7125129"/>
             <a:ext cx="1561933" cy="676405"/>
             <a:chOff x="8118153" y="2442575"/>
             <a:chExt cx="1561933" cy="676405"/>
@@ -4618,6 +4563,1007 @@
           </p:txBody>
         </p:sp>
       </p:grpSp>
+      <p:sp>
+        <p:nvSpPr>
+          <p:cNvPr id="110" name="직사각형 109"/>
+          <p:cNvSpPr/>
+          <p:nvPr/>
+        </p:nvSpPr>
+        <p:spPr>
+          <a:xfrm>
+            <a:off x="4556173" y="897418"/>
+            <a:ext cx="1556992" cy="726131"/>
+          </a:xfrm>
+          <a:prstGeom prst="rect">
+            <a:avLst/>
+          </a:prstGeom>
+          <a:noFill/>
+          <a:ln w="31750">
+            <a:solidFill>
+              <a:schemeClr val="accent1">
+                <a:shade val="50000"/>
+              </a:schemeClr>
+            </a:solidFill>
+          </a:ln>
+        </p:spPr>
+        <p:style>
+          <a:lnRef idx="2">
+            <a:schemeClr val="accent1">
+              <a:shade val="50000"/>
+            </a:schemeClr>
+          </a:lnRef>
+          <a:fillRef idx="1">
+            <a:schemeClr val="accent1"/>
+          </a:fillRef>
+          <a:effectRef idx="0">
+            <a:schemeClr val="accent1"/>
+          </a:effectRef>
+          <a:fontRef idx="minor">
+            <a:schemeClr val="lt1"/>
+          </a:fontRef>
+        </p:style>
+        <p:txBody>
+          <a:bodyPr rtlCol="0" anchor="ctr"/>
+          <a:lstStyle/>
+          <a:p>
+            <a:pPr algn="ctr"/>
+            <a:r>
+              <a:rPr lang="ko-KR" altLang="en-US" sz="1100" dirty="0">
+                <a:solidFill>
+                  <a:sysClr val="windowText" lastClr="000000"/>
+                </a:solidFill>
+              </a:rPr>
+              <a:t>강의평가 질문 수정</a:t>
+            </a:r>
+          </a:p>
+        </p:txBody>
+      </p:sp>
+      <p:sp>
+        <p:nvSpPr>
+          <p:cNvPr id="111" name="직사각형 110"/>
+          <p:cNvSpPr/>
+          <p:nvPr/>
+        </p:nvSpPr>
+        <p:spPr>
+          <a:xfrm>
+            <a:off x="1924002" y="3245626"/>
+            <a:ext cx="1556992" cy="726131"/>
+          </a:xfrm>
+          <a:prstGeom prst="rect">
+            <a:avLst/>
+          </a:prstGeom>
+          <a:noFill/>
+          <a:ln w="31750">
+            <a:solidFill>
+              <a:schemeClr val="accent1">
+                <a:shade val="50000"/>
+              </a:schemeClr>
+            </a:solidFill>
+          </a:ln>
+        </p:spPr>
+        <p:style>
+          <a:lnRef idx="2">
+            <a:schemeClr val="accent1">
+              <a:shade val="50000"/>
+            </a:schemeClr>
+          </a:lnRef>
+          <a:fillRef idx="1">
+            <a:schemeClr val="accent1"/>
+          </a:fillRef>
+          <a:effectRef idx="0">
+            <a:schemeClr val="accent1"/>
+          </a:effectRef>
+          <a:fontRef idx="minor">
+            <a:schemeClr val="lt1"/>
+          </a:fontRef>
+        </p:style>
+        <p:txBody>
+          <a:bodyPr rtlCol="0" anchor="ctr"/>
+          <a:lstStyle/>
+          <a:p>
+            <a:pPr algn="ctr"/>
+            <a:r>
+              <a:rPr lang="ko-KR" altLang="en-US" sz="1100" dirty="0">
+                <a:solidFill>
+                  <a:schemeClr val="tx1"/>
+                </a:solidFill>
+              </a:rPr>
+              <a:t>권한 체크</a:t>
+            </a:r>
+          </a:p>
+        </p:txBody>
+      </p:sp>
+      <p:cxnSp>
+        <p:nvCxnSpPr>
+          <p:cNvPr id="112" name="직선 화살표 연결선 111"/>
+          <p:cNvCxnSpPr>
+            <a:stCxn id="110" idx="2"/>
+            <a:endCxn id="111" idx="0"/>
+          </p:cNvCxnSpPr>
+          <p:nvPr/>
+        </p:nvCxnSpPr>
+        <p:spPr>
+          <a:xfrm flipH="1">
+            <a:off x="2702498" y="1623549"/>
+            <a:ext cx="2632171" cy="1622077"/>
+          </a:xfrm>
+          <a:prstGeom prst="straightConnector1">
+            <a:avLst/>
+          </a:prstGeom>
+          <a:ln w="38100">
+            <a:headEnd w="lg" len="lg"/>
+            <a:tailEnd type="triangle"/>
+          </a:ln>
+        </p:spPr>
+        <p:style>
+          <a:lnRef idx="1">
+            <a:schemeClr val="accent1"/>
+          </a:lnRef>
+          <a:fillRef idx="0">
+            <a:schemeClr val="accent1"/>
+          </a:fillRef>
+          <a:effectRef idx="0">
+            <a:schemeClr val="accent1"/>
+          </a:effectRef>
+          <a:fontRef idx="minor">
+            <a:schemeClr val="tx1"/>
+          </a:fontRef>
+        </p:style>
+      </p:cxnSp>
+      <p:sp>
+        <p:nvSpPr>
+          <p:cNvPr id="113" name="직사각형 112"/>
+          <p:cNvSpPr/>
+          <p:nvPr/>
+        </p:nvSpPr>
+        <p:spPr>
+          <a:xfrm>
+            <a:off x="4734478" y="3270714"/>
+            <a:ext cx="1556992" cy="726131"/>
+          </a:xfrm>
+          <a:prstGeom prst="rect">
+            <a:avLst/>
+          </a:prstGeom>
+          <a:noFill/>
+          <a:ln w="31750">
+            <a:solidFill>
+              <a:schemeClr val="accent1">
+                <a:shade val="50000"/>
+              </a:schemeClr>
+            </a:solidFill>
+          </a:ln>
+        </p:spPr>
+        <p:style>
+          <a:lnRef idx="2">
+            <a:schemeClr val="accent1">
+              <a:shade val="50000"/>
+            </a:schemeClr>
+          </a:lnRef>
+          <a:fillRef idx="1">
+            <a:schemeClr val="accent1"/>
+          </a:fillRef>
+          <a:effectRef idx="0">
+            <a:schemeClr val="accent1"/>
+          </a:effectRef>
+          <a:fontRef idx="minor">
+            <a:schemeClr val="lt1"/>
+          </a:fontRef>
+        </p:style>
+        <p:txBody>
+          <a:bodyPr rtlCol="0" anchor="ctr"/>
+          <a:lstStyle/>
+          <a:p>
+            <a:pPr algn="ctr"/>
+            <a:r>
+              <a:rPr lang="ko-KR" altLang="en-US" sz="1100" dirty="0">
+                <a:solidFill>
+                  <a:schemeClr val="tx1"/>
+                </a:solidFill>
+              </a:rPr>
+              <a:t>화면 출력</a:t>
+            </a:r>
+          </a:p>
+        </p:txBody>
+      </p:sp>
+      <p:grpSp>
+        <p:nvGrpSpPr>
+          <p:cNvPr id="114" name="그룹 113"/>
+          <p:cNvGrpSpPr/>
+          <p:nvPr/>
+        </p:nvGrpSpPr>
+        <p:grpSpPr>
+          <a:xfrm rot="5672329">
+            <a:off x="3313090" y="2189593"/>
+            <a:ext cx="465295" cy="429840"/>
+            <a:chOff x="5764817" y="2081712"/>
+            <a:chExt cx="465295" cy="429840"/>
+          </a:xfrm>
+        </p:grpSpPr>
+        <p:sp>
+          <p:nvSpPr>
+            <p:cNvPr id="115" name="타원 114"/>
+            <p:cNvSpPr/>
+            <p:nvPr/>
+          </p:nvSpPr>
+          <p:spPr>
+            <a:xfrm>
+              <a:off x="5764817" y="2081712"/>
+              <a:ext cx="254984" cy="254984"/>
+            </a:xfrm>
+            <a:prstGeom prst="ellipse">
+              <a:avLst/>
+            </a:prstGeom>
+            <a:noFill/>
+            <a:ln w="38100">
+              <a:solidFill>
+                <a:schemeClr val="accent1"/>
+              </a:solidFill>
+            </a:ln>
+          </p:spPr>
+          <p:style>
+            <a:lnRef idx="2">
+              <a:schemeClr val="accent1">
+                <a:shade val="50000"/>
+              </a:schemeClr>
+            </a:lnRef>
+            <a:fillRef idx="1">
+              <a:schemeClr val="accent1"/>
+            </a:fillRef>
+            <a:effectRef idx="0">
+              <a:schemeClr val="accent1"/>
+            </a:effectRef>
+            <a:fontRef idx="minor">
+              <a:schemeClr val="lt1"/>
+            </a:fontRef>
+          </p:style>
+          <p:txBody>
+            <a:bodyPr rtlCol="0" anchor="ctr"/>
+            <a:lstStyle/>
+            <a:p>
+              <a:pPr algn="ctr"/>
+              <a:endParaRPr lang="ko-KR" altLang="en-US"/>
+            </a:p>
+          </p:txBody>
+        </p:sp>
+        <p:cxnSp>
+          <p:nvCxnSpPr>
+            <p:cNvPr id="116" name="직선 연결선 115"/>
+            <p:cNvCxnSpPr>
+              <a:endCxn id="115" idx="5"/>
+            </p:cNvCxnSpPr>
+            <p:nvPr/>
+          </p:nvCxnSpPr>
+          <p:spPr>
+            <a:xfrm flipH="1" flipV="1">
+              <a:off x="5982459" y="2299354"/>
+              <a:ext cx="247653" cy="212198"/>
+            </a:xfrm>
+            <a:prstGeom prst="line">
+              <a:avLst/>
+            </a:prstGeom>
+            <a:ln w="38100">
+              <a:headEnd type="stealth" w="lg" len="lg"/>
+            </a:ln>
+          </p:spPr>
+          <p:style>
+            <a:lnRef idx="1">
+              <a:schemeClr val="accent1"/>
+            </a:lnRef>
+            <a:fillRef idx="0">
+              <a:schemeClr val="accent1"/>
+            </a:fillRef>
+            <a:effectRef idx="0">
+              <a:schemeClr val="accent1"/>
+            </a:effectRef>
+            <a:fontRef idx="minor">
+              <a:schemeClr val="tx1"/>
+            </a:fontRef>
+          </p:style>
+        </p:cxnSp>
+      </p:grpSp>
+      <p:sp>
+        <p:nvSpPr>
+          <p:cNvPr id="117" name="TextBox 116"/>
+          <p:cNvSpPr txBox="1"/>
+          <p:nvPr/>
+        </p:nvSpPr>
+        <p:spPr>
+          <a:xfrm rot="19188507">
+            <a:off x="2837224" y="2093704"/>
+            <a:ext cx="798617" cy="261610"/>
+          </a:xfrm>
+          <a:prstGeom prst="rect">
+            <a:avLst/>
+          </a:prstGeom>
+          <a:noFill/>
+        </p:spPr>
+        <p:txBody>
+          <a:bodyPr wrap="none" rtlCol="0">
+            <a:spAutoFit/>
+          </a:bodyPr>
+          <a:lstStyle/>
+          <a:p>
+            <a:pPr algn="ctr"/>
+            <a:r>
+              <a:rPr lang="ko-KR" altLang="en-US" sz="1100" dirty="0"/>
+              <a:t>권한 정보</a:t>
+            </a:r>
+            <a:endParaRPr lang="ko-KR" altLang="en-US" sz="1600" dirty="0"/>
+          </a:p>
+        </p:txBody>
+      </p:sp>
+      <p:grpSp>
+        <p:nvGrpSpPr>
+          <p:cNvPr id="118" name="그룹 117"/>
+          <p:cNvGrpSpPr/>
+          <p:nvPr/>
+        </p:nvGrpSpPr>
+        <p:grpSpPr>
+          <a:xfrm rot="2052325">
+            <a:off x="5383774" y="2256778"/>
+            <a:ext cx="465295" cy="429840"/>
+            <a:chOff x="5764817" y="2081712"/>
+            <a:chExt cx="465295" cy="429840"/>
+          </a:xfrm>
+        </p:grpSpPr>
+        <p:sp>
+          <p:nvSpPr>
+            <p:cNvPr id="122" name="타원 121"/>
+            <p:cNvSpPr/>
+            <p:nvPr/>
+          </p:nvSpPr>
+          <p:spPr>
+            <a:xfrm>
+              <a:off x="5764817" y="2081712"/>
+              <a:ext cx="254984" cy="254984"/>
+            </a:xfrm>
+            <a:prstGeom prst="ellipse">
+              <a:avLst/>
+            </a:prstGeom>
+            <a:noFill/>
+            <a:ln w="38100">
+              <a:solidFill>
+                <a:schemeClr val="accent1"/>
+              </a:solidFill>
+            </a:ln>
+          </p:spPr>
+          <p:style>
+            <a:lnRef idx="2">
+              <a:schemeClr val="accent1">
+                <a:shade val="50000"/>
+              </a:schemeClr>
+            </a:lnRef>
+            <a:fillRef idx="1">
+              <a:schemeClr val="accent1"/>
+            </a:fillRef>
+            <a:effectRef idx="0">
+              <a:schemeClr val="accent1"/>
+            </a:effectRef>
+            <a:fontRef idx="minor">
+              <a:schemeClr val="lt1"/>
+            </a:fontRef>
+          </p:style>
+          <p:txBody>
+            <a:bodyPr rtlCol="0" anchor="ctr"/>
+            <a:lstStyle/>
+            <a:p>
+              <a:pPr algn="ctr"/>
+              <a:endParaRPr lang="ko-KR" altLang="en-US"/>
+            </a:p>
+          </p:txBody>
+        </p:sp>
+        <p:cxnSp>
+          <p:nvCxnSpPr>
+            <p:cNvPr id="123" name="직선 연결선 122"/>
+            <p:cNvCxnSpPr>
+              <a:endCxn id="122" idx="5"/>
+            </p:cNvCxnSpPr>
+            <p:nvPr/>
+          </p:nvCxnSpPr>
+          <p:spPr>
+            <a:xfrm flipH="1" flipV="1">
+              <a:off x="5982459" y="2299354"/>
+              <a:ext cx="247653" cy="212198"/>
+            </a:xfrm>
+            <a:prstGeom prst="line">
+              <a:avLst/>
+            </a:prstGeom>
+            <a:ln w="38100">
+              <a:headEnd type="stealth" w="lg" len="lg"/>
+            </a:ln>
+          </p:spPr>
+          <p:style>
+            <a:lnRef idx="1">
+              <a:schemeClr val="accent1"/>
+            </a:lnRef>
+            <a:fillRef idx="0">
+              <a:schemeClr val="accent1"/>
+            </a:fillRef>
+            <a:effectRef idx="0">
+              <a:schemeClr val="accent1"/>
+            </a:effectRef>
+            <a:fontRef idx="minor">
+              <a:schemeClr val="tx1"/>
+            </a:fontRef>
+          </p:style>
+        </p:cxnSp>
+      </p:grpSp>
+      <p:sp>
+        <p:nvSpPr>
+          <p:cNvPr id="129" name="TextBox 128"/>
+          <p:cNvSpPr txBox="1"/>
+          <p:nvPr/>
+        </p:nvSpPr>
+        <p:spPr>
+          <a:xfrm rot="4709987">
+            <a:off x="5594719" y="2355645"/>
+            <a:ext cx="657552" cy="261610"/>
+          </a:xfrm>
+          <a:prstGeom prst="rect">
+            <a:avLst/>
+          </a:prstGeom>
+          <a:noFill/>
+        </p:spPr>
+        <p:txBody>
+          <a:bodyPr wrap="none" rtlCol="0">
+            <a:spAutoFit/>
+          </a:bodyPr>
+          <a:lstStyle/>
+          <a:p>
+            <a:pPr algn="ctr"/>
+            <a:r>
+              <a:rPr lang="ko-KR" altLang="en-US" sz="1100" dirty="0"/>
+              <a:t>화면 명</a:t>
+            </a:r>
+            <a:endParaRPr lang="ko-KR" altLang="en-US" sz="1600" dirty="0"/>
+          </a:p>
+        </p:txBody>
+      </p:sp>
+      <p:sp>
+        <p:nvSpPr>
+          <p:cNvPr id="130" name="TextBox 129"/>
+          <p:cNvSpPr txBox="1"/>
+          <p:nvPr/>
+        </p:nvSpPr>
+        <p:spPr>
+          <a:xfrm rot="4709987">
+            <a:off x="4461554" y="2508533"/>
+            <a:ext cx="798617" cy="430887"/>
+          </a:xfrm>
+          <a:prstGeom prst="rect">
+            <a:avLst/>
+          </a:prstGeom>
+          <a:noFill/>
+        </p:spPr>
+        <p:txBody>
+          <a:bodyPr wrap="none" rtlCol="0">
+            <a:spAutoFit/>
+          </a:bodyPr>
+          <a:lstStyle/>
+          <a:p>
+            <a:pPr algn="ctr"/>
+            <a:r>
+              <a:rPr lang="ko-KR" altLang="en-US" sz="1100" dirty="0"/>
+              <a:t>권한 확인</a:t>
+            </a:r>
+            <a:endParaRPr lang="en-US" altLang="ko-KR" sz="1100" dirty="0"/>
+          </a:p>
+          <a:p>
+            <a:pPr algn="ctr"/>
+            <a:r>
+              <a:rPr lang="ko-KR" altLang="en-US" sz="1100" dirty="0"/>
+              <a:t>정보</a:t>
+            </a:r>
+            <a:endParaRPr lang="ko-KR" altLang="en-US" sz="1600" dirty="0"/>
+          </a:p>
+        </p:txBody>
+      </p:sp>
+      <p:cxnSp>
+        <p:nvCxnSpPr>
+          <p:cNvPr id="131" name="직선 화살표 연결선 130"/>
+          <p:cNvCxnSpPr>
+            <a:stCxn id="110" idx="2"/>
+            <a:endCxn id="113" idx="0"/>
+          </p:cNvCxnSpPr>
+          <p:nvPr/>
+        </p:nvCxnSpPr>
+        <p:spPr>
+          <a:xfrm>
+            <a:off x="5334669" y="1623549"/>
+            <a:ext cx="178305" cy="1647165"/>
+          </a:xfrm>
+          <a:prstGeom prst="straightConnector1">
+            <a:avLst/>
+          </a:prstGeom>
+          <a:ln w="38100">
+            <a:headEnd w="lg" len="lg"/>
+            <a:tailEnd type="triangle"/>
+          </a:ln>
+        </p:spPr>
+        <p:style>
+          <a:lnRef idx="1">
+            <a:schemeClr val="accent1"/>
+          </a:lnRef>
+          <a:fillRef idx="0">
+            <a:schemeClr val="accent1"/>
+          </a:fillRef>
+          <a:effectRef idx="0">
+            <a:schemeClr val="accent1"/>
+          </a:effectRef>
+          <a:fontRef idx="minor">
+            <a:schemeClr val="tx1"/>
+          </a:fontRef>
+        </p:style>
+      </p:cxnSp>
+      <p:grpSp>
+        <p:nvGrpSpPr>
+          <p:cNvPr id="132" name="그룹 131"/>
+          <p:cNvGrpSpPr/>
+          <p:nvPr/>
+        </p:nvGrpSpPr>
+        <p:grpSpPr>
+          <a:xfrm rot="2228231">
+            <a:off x="4921415" y="2433889"/>
+            <a:ext cx="465295" cy="429840"/>
+            <a:chOff x="5764817" y="2081712"/>
+            <a:chExt cx="465295" cy="429840"/>
+          </a:xfrm>
+        </p:grpSpPr>
+        <p:sp>
+          <p:nvSpPr>
+            <p:cNvPr id="133" name="타원 132"/>
+            <p:cNvSpPr/>
+            <p:nvPr/>
+          </p:nvSpPr>
+          <p:spPr>
+            <a:xfrm>
+              <a:off x="5764817" y="2081712"/>
+              <a:ext cx="254984" cy="254984"/>
+            </a:xfrm>
+            <a:prstGeom prst="ellipse">
+              <a:avLst/>
+            </a:prstGeom>
+            <a:solidFill>
+              <a:schemeClr val="accent1"/>
+            </a:solidFill>
+            <a:ln w="38100">
+              <a:solidFill>
+                <a:schemeClr val="accent1"/>
+              </a:solidFill>
+            </a:ln>
+          </p:spPr>
+          <p:style>
+            <a:lnRef idx="2">
+              <a:schemeClr val="accent1">
+                <a:shade val="50000"/>
+              </a:schemeClr>
+            </a:lnRef>
+            <a:fillRef idx="1">
+              <a:schemeClr val="accent1"/>
+            </a:fillRef>
+            <a:effectRef idx="0">
+              <a:schemeClr val="accent1"/>
+            </a:effectRef>
+            <a:fontRef idx="minor">
+              <a:schemeClr val="lt1"/>
+            </a:fontRef>
+          </p:style>
+          <p:txBody>
+            <a:bodyPr rtlCol="0" anchor="ctr"/>
+            <a:lstStyle/>
+            <a:p>
+              <a:pPr algn="ctr"/>
+              <a:endParaRPr lang="ko-KR" altLang="en-US"/>
+            </a:p>
+          </p:txBody>
+        </p:sp>
+        <p:cxnSp>
+          <p:nvCxnSpPr>
+            <p:cNvPr id="134" name="직선 연결선 133"/>
+            <p:cNvCxnSpPr>
+              <a:endCxn id="133" idx="5"/>
+            </p:cNvCxnSpPr>
+            <p:nvPr/>
+          </p:nvCxnSpPr>
+          <p:spPr>
+            <a:xfrm flipH="1" flipV="1">
+              <a:off x="5982459" y="2299354"/>
+              <a:ext cx="247653" cy="212198"/>
+            </a:xfrm>
+            <a:prstGeom prst="line">
+              <a:avLst/>
+            </a:prstGeom>
+            <a:ln w="38100">
+              <a:headEnd type="stealth" w="lg" len="lg"/>
+            </a:ln>
+          </p:spPr>
+          <p:style>
+            <a:lnRef idx="1">
+              <a:schemeClr val="accent1"/>
+            </a:lnRef>
+            <a:fillRef idx="0">
+              <a:schemeClr val="accent1"/>
+            </a:fillRef>
+            <a:effectRef idx="0">
+              <a:schemeClr val="accent1"/>
+            </a:effectRef>
+            <a:fontRef idx="minor">
+              <a:schemeClr val="tx1"/>
+            </a:fontRef>
+          </p:style>
+        </p:cxnSp>
+      </p:grpSp>
+      <p:sp>
+        <p:nvSpPr>
+          <p:cNvPr id="135" name="직사각형 134"/>
+          <p:cNvSpPr/>
+          <p:nvPr/>
+        </p:nvSpPr>
+        <p:spPr>
+          <a:xfrm>
+            <a:off x="7322653" y="3276011"/>
+            <a:ext cx="1556992" cy="726131"/>
+          </a:xfrm>
+          <a:prstGeom prst="rect">
+            <a:avLst/>
+          </a:prstGeom>
+          <a:noFill/>
+          <a:ln w="31750">
+            <a:solidFill>
+              <a:schemeClr val="accent1">
+                <a:shade val="50000"/>
+              </a:schemeClr>
+            </a:solidFill>
+          </a:ln>
+        </p:spPr>
+        <p:style>
+          <a:lnRef idx="2">
+            <a:schemeClr val="accent1">
+              <a:shade val="50000"/>
+            </a:schemeClr>
+          </a:lnRef>
+          <a:fillRef idx="1">
+            <a:schemeClr val="accent1"/>
+          </a:fillRef>
+          <a:effectRef idx="0">
+            <a:schemeClr val="accent1"/>
+          </a:effectRef>
+          <a:fontRef idx="minor">
+            <a:schemeClr val="lt1"/>
+          </a:fontRef>
+        </p:style>
+        <p:txBody>
+          <a:bodyPr rtlCol="0" anchor="ctr"/>
+          <a:lstStyle/>
+          <a:p>
+            <a:pPr algn="ctr"/>
+            <a:r>
+              <a:rPr lang="ko-KR" altLang="en-US" sz="1100" dirty="0">
+                <a:solidFill>
+                  <a:schemeClr val="tx1"/>
+                </a:solidFill>
+              </a:rPr>
+              <a:t>강의 평가 질문 수정</a:t>
+            </a:r>
+            <a:endParaRPr lang="en-US" altLang="ko-KR" sz="1100" dirty="0">
+              <a:solidFill>
+                <a:schemeClr val="tx1"/>
+              </a:solidFill>
+            </a:endParaRPr>
+          </a:p>
+        </p:txBody>
+      </p:sp>
+      <p:cxnSp>
+        <p:nvCxnSpPr>
+          <p:cNvPr id="136" name="직선 화살표 연결선 135"/>
+          <p:cNvCxnSpPr>
+            <a:stCxn id="110" idx="2"/>
+            <a:endCxn id="135" idx="0"/>
+          </p:cNvCxnSpPr>
+          <p:nvPr/>
+        </p:nvCxnSpPr>
+        <p:spPr>
+          <a:xfrm>
+            <a:off x="5334669" y="1623549"/>
+            <a:ext cx="2766480" cy="1652462"/>
+          </a:xfrm>
+          <a:prstGeom prst="straightConnector1">
+            <a:avLst/>
+          </a:prstGeom>
+          <a:ln w="38100">
+            <a:headEnd w="lg" len="lg"/>
+            <a:tailEnd type="triangle"/>
+          </a:ln>
+        </p:spPr>
+        <p:style>
+          <a:lnRef idx="1">
+            <a:schemeClr val="accent1"/>
+          </a:lnRef>
+          <a:fillRef idx="0">
+            <a:schemeClr val="accent1"/>
+          </a:fillRef>
+          <a:effectRef idx="0">
+            <a:schemeClr val="accent1"/>
+          </a:effectRef>
+          <a:fontRef idx="minor">
+            <a:schemeClr val="tx1"/>
+          </a:fontRef>
+        </p:style>
+      </p:cxnSp>
+      <p:grpSp>
+        <p:nvGrpSpPr>
+          <p:cNvPr id="137" name="그룹 136"/>
+          <p:cNvGrpSpPr/>
+          <p:nvPr/>
+        </p:nvGrpSpPr>
+        <p:grpSpPr>
+          <a:xfrm rot="16791279">
+            <a:off x="3663564" y="2555460"/>
+            <a:ext cx="465295" cy="429840"/>
+            <a:chOff x="5764817" y="2081712"/>
+            <a:chExt cx="465295" cy="429840"/>
+          </a:xfrm>
+        </p:grpSpPr>
+        <p:sp>
+          <p:nvSpPr>
+            <p:cNvPr id="138" name="타원 137"/>
+            <p:cNvSpPr/>
+            <p:nvPr/>
+          </p:nvSpPr>
+          <p:spPr>
+            <a:xfrm>
+              <a:off x="5764817" y="2081712"/>
+              <a:ext cx="254984" cy="254984"/>
+            </a:xfrm>
+            <a:prstGeom prst="ellipse">
+              <a:avLst/>
+            </a:prstGeom>
+            <a:solidFill>
+              <a:schemeClr val="accent1"/>
+            </a:solidFill>
+            <a:ln w="38100">
+              <a:solidFill>
+                <a:schemeClr val="accent1"/>
+              </a:solidFill>
+            </a:ln>
+          </p:spPr>
+          <p:style>
+            <a:lnRef idx="2">
+              <a:schemeClr val="accent1">
+                <a:shade val="50000"/>
+              </a:schemeClr>
+            </a:lnRef>
+            <a:fillRef idx="1">
+              <a:schemeClr val="accent1"/>
+            </a:fillRef>
+            <a:effectRef idx="0">
+              <a:schemeClr val="accent1"/>
+            </a:effectRef>
+            <a:fontRef idx="minor">
+              <a:schemeClr val="lt1"/>
+            </a:fontRef>
+          </p:style>
+          <p:txBody>
+            <a:bodyPr rtlCol="0" anchor="ctr"/>
+            <a:lstStyle/>
+            <a:p>
+              <a:pPr algn="ctr"/>
+              <a:endParaRPr lang="ko-KR" altLang="en-US"/>
+            </a:p>
+          </p:txBody>
+        </p:sp>
+        <p:cxnSp>
+          <p:nvCxnSpPr>
+            <p:cNvPr id="139" name="직선 연결선 138"/>
+            <p:cNvCxnSpPr>
+              <a:endCxn id="138" idx="5"/>
+            </p:cNvCxnSpPr>
+            <p:nvPr/>
+          </p:nvCxnSpPr>
+          <p:spPr>
+            <a:xfrm flipH="1" flipV="1">
+              <a:off x="5982459" y="2299354"/>
+              <a:ext cx="247653" cy="212198"/>
+            </a:xfrm>
+            <a:prstGeom prst="line">
+              <a:avLst/>
+            </a:prstGeom>
+            <a:ln w="38100">
+              <a:headEnd type="stealth" w="lg" len="lg"/>
+            </a:ln>
+          </p:spPr>
+          <p:style>
+            <a:lnRef idx="1">
+              <a:schemeClr val="accent1"/>
+            </a:lnRef>
+            <a:fillRef idx="0">
+              <a:schemeClr val="accent1"/>
+            </a:fillRef>
+            <a:effectRef idx="0">
+              <a:schemeClr val="accent1"/>
+            </a:effectRef>
+            <a:fontRef idx="minor">
+              <a:schemeClr val="tx1"/>
+            </a:fontRef>
+          </p:style>
+        </p:cxnSp>
+      </p:grpSp>
+      <p:sp>
+        <p:nvSpPr>
+          <p:cNvPr id="140" name="TextBox 139"/>
+          <p:cNvSpPr txBox="1"/>
+          <p:nvPr/>
+        </p:nvSpPr>
+        <p:spPr>
+          <a:xfrm rot="18901443">
+            <a:off x="3741641" y="2837273"/>
+            <a:ext cx="798617" cy="430887"/>
+          </a:xfrm>
+          <a:prstGeom prst="rect">
+            <a:avLst/>
+          </a:prstGeom>
+          <a:noFill/>
+        </p:spPr>
+        <p:txBody>
+          <a:bodyPr wrap="none" rtlCol="0">
+            <a:spAutoFit/>
+          </a:bodyPr>
+          <a:lstStyle/>
+          <a:p>
+            <a:pPr algn="ctr"/>
+            <a:r>
+              <a:rPr lang="ko-KR" altLang="en-US" sz="1100" dirty="0"/>
+              <a:t>권한 확인</a:t>
+            </a:r>
+            <a:endParaRPr lang="en-US" altLang="ko-KR" sz="1100" dirty="0"/>
+          </a:p>
+          <a:p>
+            <a:pPr algn="ctr"/>
+            <a:r>
+              <a:rPr lang="ko-KR" altLang="en-US" sz="1100" dirty="0"/>
+              <a:t>정보</a:t>
+            </a:r>
+            <a:endParaRPr lang="ko-KR" altLang="en-US" sz="1600" dirty="0"/>
+          </a:p>
+        </p:txBody>
+      </p:sp>
+      <p:grpSp>
+        <p:nvGrpSpPr>
+          <p:cNvPr id="141" name="그룹 140"/>
+          <p:cNvGrpSpPr/>
+          <p:nvPr/>
+        </p:nvGrpSpPr>
+        <p:grpSpPr>
+          <a:xfrm rot="21416685">
+            <a:off x="6592829" y="2035568"/>
+            <a:ext cx="465295" cy="429840"/>
+            <a:chOff x="5764817" y="2081712"/>
+            <a:chExt cx="465295" cy="429840"/>
+          </a:xfrm>
+        </p:grpSpPr>
+        <p:sp>
+          <p:nvSpPr>
+            <p:cNvPr id="142" name="타원 141"/>
+            <p:cNvSpPr/>
+            <p:nvPr/>
+          </p:nvSpPr>
+          <p:spPr>
+            <a:xfrm>
+              <a:off x="5764817" y="2081712"/>
+              <a:ext cx="254984" cy="254984"/>
+            </a:xfrm>
+            <a:prstGeom prst="ellipse">
+              <a:avLst/>
+            </a:prstGeom>
+            <a:solidFill>
+              <a:schemeClr val="accent1"/>
+            </a:solidFill>
+            <a:ln w="38100">
+              <a:solidFill>
+                <a:schemeClr val="accent1"/>
+              </a:solidFill>
+            </a:ln>
+          </p:spPr>
+          <p:style>
+            <a:lnRef idx="2">
+              <a:schemeClr val="accent1">
+                <a:shade val="50000"/>
+              </a:schemeClr>
+            </a:lnRef>
+            <a:fillRef idx="1">
+              <a:schemeClr val="accent1"/>
+            </a:fillRef>
+            <a:effectRef idx="0">
+              <a:schemeClr val="accent1"/>
+            </a:effectRef>
+            <a:fontRef idx="minor">
+              <a:schemeClr val="lt1"/>
+            </a:fontRef>
+          </p:style>
+          <p:txBody>
+            <a:bodyPr rtlCol="0" anchor="ctr"/>
+            <a:lstStyle/>
+            <a:p>
+              <a:pPr algn="ctr"/>
+              <a:endParaRPr lang="ko-KR" altLang="en-US"/>
+            </a:p>
+          </p:txBody>
+        </p:sp>
+        <p:cxnSp>
+          <p:nvCxnSpPr>
+            <p:cNvPr id="143" name="직선 연결선 142"/>
+            <p:cNvCxnSpPr>
+              <a:endCxn id="142" idx="5"/>
+            </p:cNvCxnSpPr>
+            <p:nvPr/>
+          </p:nvCxnSpPr>
+          <p:spPr>
+            <a:xfrm flipH="1" flipV="1">
+              <a:off x="5982459" y="2299354"/>
+              <a:ext cx="247653" cy="212198"/>
+            </a:xfrm>
+            <a:prstGeom prst="line">
+              <a:avLst/>
+            </a:prstGeom>
+            <a:ln w="38100">
+              <a:headEnd type="stealth" w="lg" len="lg"/>
+            </a:ln>
+          </p:spPr>
+          <p:style>
+            <a:lnRef idx="1">
+              <a:schemeClr val="accent1"/>
+            </a:lnRef>
+            <a:fillRef idx="0">
+              <a:schemeClr val="accent1"/>
+            </a:fillRef>
+            <a:effectRef idx="0">
+              <a:schemeClr val="accent1"/>
+            </a:effectRef>
+            <a:fontRef idx="minor">
+              <a:schemeClr val="tx1"/>
+            </a:fontRef>
+          </p:style>
+        </p:cxnSp>
+      </p:grpSp>
+      <p:sp>
+        <p:nvSpPr>
+          <p:cNvPr id="144" name="TextBox 143"/>
+          <p:cNvSpPr txBox="1"/>
+          <p:nvPr/>
+        </p:nvSpPr>
+        <p:spPr>
+          <a:xfrm rot="2373847">
+            <a:off x="6669940" y="1828530"/>
+            <a:ext cx="798617" cy="430887"/>
+          </a:xfrm>
+          <a:prstGeom prst="rect">
+            <a:avLst/>
+          </a:prstGeom>
+          <a:noFill/>
+        </p:spPr>
+        <p:txBody>
+          <a:bodyPr wrap="none" rtlCol="0">
+            <a:spAutoFit/>
+          </a:bodyPr>
+          <a:lstStyle/>
+          <a:p>
+            <a:pPr algn="ctr"/>
+            <a:r>
+              <a:rPr lang="ko-KR" altLang="en-US" sz="1100" dirty="0"/>
+              <a:t>권한 확인</a:t>
+            </a:r>
+            <a:endParaRPr lang="en-US" altLang="ko-KR" sz="1100" dirty="0"/>
+          </a:p>
+          <a:p>
+            <a:pPr algn="ctr"/>
+            <a:r>
+              <a:rPr lang="ko-KR" altLang="en-US" sz="1100" dirty="0"/>
+              <a:t>정보</a:t>
+            </a:r>
+            <a:endParaRPr lang="ko-KR" altLang="en-US" sz="1600" dirty="0"/>
+          </a:p>
+        </p:txBody>
+      </p:sp>
     </p:spTree>
     <p:extLst>
       <p:ext uri="{BB962C8B-B14F-4D97-AF65-F5344CB8AC3E}">

--- a/SDD 관련 자료/작업 결과물/대화 모형도/강의평가질문수정.pptx
+++ b/SDD 관련 자료/작업 결과물/대화 모형도/강의평가질문수정.pptx
@@ -2950,13 +2950,13 @@
       </p:grpSpPr>
       <p:sp>
         <p:nvSpPr>
-          <p:cNvPr id="6" name="직사각형 5"/>
+          <p:cNvPr id="110" name="직사각형 109"/>
           <p:cNvSpPr/>
           <p:nvPr/>
         </p:nvSpPr>
         <p:spPr>
           <a:xfrm>
-            <a:off x="3342326" y="7139782"/>
+            <a:off x="4556173" y="897418"/>
             <a:ext cx="1556992" cy="726131"/>
           </a:xfrm>
           <a:prstGeom prst="rect">
@@ -2998,1623 +2998,29 @@
                   <a:sysClr val="windowText" lastClr="000000"/>
                 </a:solidFill>
               </a:rPr>
-              <a:t>수정할 강의평가 질문정보 입력</a:t>
-            </a:r>
-          </a:p>
-        </p:txBody>
-      </p:sp>
-      <p:cxnSp>
-        <p:nvCxnSpPr>
-          <p:cNvPr id="7" name="직선 화살표 연결선 6"/>
-          <p:cNvCxnSpPr>
-            <a:endCxn id="6" idx="0"/>
-          </p:cNvCxnSpPr>
-          <p:nvPr/>
-        </p:nvCxnSpPr>
-        <p:spPr>
-          <a:xfrm flipH="1">
-            <a:off x="4120822" y="4027961"/>
-            <a:ext cx="4033762" cy="3111821"/>
-          </a:xfrm>
-          <a:prstGeom prst="straightConnector1">
-            <a:avLst/>
-          </a:prstGeom>
-          <a:ln w="38100">
-            <a:headEnd w="lg" len="lg"/>
-            <a:tailEnd type="triangle"/>
-          </a:ln>
-        </p:spPr>
-        <p:style>
-          <a:lnRef idx="1">
-            <a:schemeClr val="accent1"/>
-          </a:lnRef>
-          <a:fillRef idx="0">
-            <a:schemeClr val="accent1"/>
-          </a:fillRef>
-          <a:effectRef idx="0">
-            <a:schemeClr val="accent1"/>
-          </a:effectRef>
-          <a:fontRef idx="minor">
-            <a:schemeClr val="tx1"/>
-          </a:fontRef>
-        </p:style>
-      </p:cxnSp>
-      <p:sp>
-        <p:nvSpPr>
-          <p:cNvPr id="9" name="직사각형 8"/>
-          <p:cNvSpPr/>
-          <p:nvPr/>
-        </p:nvSpPr>
-        <p:spPr>
-          <a:xfrm>
-            <a:off x="5700356" y="7139782"/>
-            <a:ext cx="1556992" cy="726131"/>
-          </a:xfrm>
-          <a:prstGeom prst="rect">
-            <a:avLst/>
-          </a:prstGeom>
-          <a:noFill/>
-          <a:ln w="31750">
-            <a:solidFill>
-              <a:schemeClr val="accent1">
-                <a:shade val="50000"/>
-              </a:schemeClr>
-            </a:solidFill>
-          </a:ln>
-        </p:spPr>
-        <p:style>
-          <a:lnRef idx="2">
-            <a:schemeClr val="accent1">
-              <a:shade val="50000"/>
-            </a:schemeClr>
-          </a:lnRef>
-          <a:fillRef idx="1">
-            <a:schemeClr val="accent1"/>
-          </a:fillRef>
-          <a:effectRef idx="0">
-            <a:schemeClr val="accent1"/>
-          </a:effectRef>
-          <a:fontRef idx="minor">
-            <a:schemeClr val="lt1"/>
-          </a:fontRef>
-        </p:style>
-        <p:txBody>
-          <a:bodyPr rtlCol="0" anchor="ctr"/>
-          <a:lstStyle/>
+              <a:t>강의평가 질문 </a:t>
+            </a:r>
+            <a:endParaRPr lang="en-US" altLang="ko-KR" sz="1100" dirty="0">
+              <a:solidFill>
+                <a:sysClr val="windowText" lastClr="000000"/>
+              </a:solidFill>
+            </a:endParaRPr>
+          </a:p>
           <a:p>
             <a:pPr algn="ctr"/>
-            <a:r>
-              <a:rPr lang="ko-KR" altLang="en-US" sz="1100">
-                <a:solidFill>
-                  <a:sysClr val="windowText" lastClr="000000"/>
-                </a:solidFill>
-              </a:rPr>
-              <a:t>강의평가 </a:t>
-            </a:r>
             <a:r>
               <a:rPr lang="ko-KR" altLang="en-US" sz="1100" dirty="0">
                 <a:solidFill>
                   <a:sysClr val="windowText" lastClr="000000"/>
                 </a:solidFill>
               </a:rPr>
-              <a:t>질문 수정 정보 확인</a:t>
-            </a:r>
-          </a:p>
-        </p:txBody>
-      </p:sp>
-      <p:sp>
-        <p:nvSpPr>
-          <p:cNvPr id="10" name="직사각형 9"/>
-          <p:cNvSpPr/>
-          <p:nvPr/>
-        </p:nvSpPr>
-        <p:spPr>
-          <a:xfrm>
-            <a:off x="12102990" y="7111016"/>
-            <a:ext cx="1556992" cy="726131"/>
-          </a:xfrm>
-          <a:prstGeom prst="rect">
-            <a:avLst/>
-          </a:prstGeom>
-          <a:noFill/>
-          <a:ln w="31750">
-            <a:solidFill>
-              <a:schemeClr val="accent1">
-                <a:shade val="50000"/>
-              </a:schemeClr>
-            </a:solidFill>
-          </a:ln>
-        </p:spPr>
-        <p:style>
-          <a:lnRef idx="2">
-            <a:schemeClr val="accent1">
-              <a:shade val="50000"/>
-            </a:schemeClr>
-          </a:lnRef>
-          <a:fillRef idx="1">
-            <a:schemeClr val="accent1"/>
-          </a:fillRef>
-          <a:effectRef idx="0">
-            <a:schemeClr val="accent1"/>
-          </a:effectRef>
-          <a:fontRef idx="minor">
-            <a:schemeClr val="lt1"/>
-          </a:fontRef>
-        </p:style>
-        <p:txBody>
-          <a:bodyPr rtlCol="0" anchor="ctr"/>
-          <a:lstStyle/>
-          <a:p>
-            <a:pPr algn="ctr"/>
-            <a:r>
-              <a:rPr lang="ko-KR" altLang="en-US" sz="1100" dirty="0">
-                <a:solidFill>
-                  <a:sysClr val="windowText" lastClr="000000"/>
-                </a:solidFill>
-              </a:rPr>
-              <a:t>강의평가 질문 수정 정보 출력</a:t>
-            </a:r>
-          </a:p>
-        </p:txBody>
-      </p:sp>
-      <p:cxnSp>
-        <p:nvCxnSpPr>
-          <p:cNvPr id="11" name="직선 화살표 연결선 10"/>
-          <p:cNvCxnSpPr>
-            <a:endCxn id="9" idx="0"/>
-          </p:cNvCxnSpPr>
-          <p:nvPr/>
-        </p:nvCxnSpPr>
-        <p:spPr>
-          <a:xfrm flipH="1">
-            <a:off x="6478852" y="4027961"/>
-            <a:ext cx="1675732" cy="3111821"/>
-          </a:xfrm>
-          <a:prstGeom prst="straightConnector1">
-            <a:avLst/>
-          </a:prstGeom>
-          <a:ln w="38100">
-            <a:headEnd w="lg" len="lg"/>
-            <a:tailEnd type="triangle"/>
-          </a:ln>
-        </p:spPr>
-        <p:style>
-          <a:lnRef idx="1">
-            <a:schemeClr val="accent1"/>
-          </a:lnRef>
-          <a:fillRef idx="0">
-            <a:schemeClr val="accent1"/>
-          </a:fillRef>
-          <a:effectRef idx="0">
-            <a:schemeClr val="accent1"/>
-          </a:effectRef>
-          <a:fontRef idx="minor">
-            <a:schemeClr val="tx1"/>
-          </a:fontRef>
-        </p:style>
-      </p:cxnSp>
-      <p:cxnSp>
-        <p:nvCxnSpPr>
-          <p:cNvPr id="12" name="직선 화살표 연결선 11"/>
-          <p:cNvCxnSpPr/>
-          <p:nvPr/>
-        </p:nvCxnSpPr>
-        <p:spPr>
-          <a:xfrm>
-            <a:off x="8154584" y="4021232"/>
-            <a:ext cx="4768870" cy="3092106"/>
-          </a:xfrm>
-          <a:prstGeom prst="straightConnector1">
-            <a:avLst/>
-          </a:prstGeom>
-          <a:ln w="38100">
-            <a:headEnd w="lg" len="lg"/>
-            <a:tailEnd type="triangle"/>
-          </a:ln>
-        </p:spPr>
-        <p:style>
-          <a:lnRef idx="1">
-            <a:schemeClr val="accent1"/>
-          </a:lnRef>
-          <a:fillRef idx="0">
-            <a:schemeClr val="accent1"/>
-          </a:fillRef>
-          <a:effectRef idx="0">
-            <a:schemeClr val="accent1"/>
-          </a:effectRef>
-          <a:fontRef idx="minor">
-            <a:schemeClr val="tx1"/>
-          </a:fontRef>
-        </p:style>
-      </p:cxnSp>
-      <p:grpSp>
-        <p:nvGrpSpPr>
-          <p:cNvPr id="13" name="그룹 12"/>
-          <p:cNvGrpSpPr/>
-          <p:nvPr/>
-        </p:nvGrpSpPr>
-        <p:grpSpPr>
-          <a:xfrm rot="4486510">
-            <a:off x="6867280" y="6230923"/>
-            <a:ext cx="465295" cy="429840"/>
-            <a:chOff x="5764817" y="2081712"/>
-            <a:chExt cx="465295" cy="429840"/>
-          </a:xfrm>
-        </p:grpSpPr>
-        <p:sp>
-          <p:nvSpPr>
-            <p:cNvPr id="14" name="타원 13"/>
-            <p:cNvSpPr/>
-            <p:nvPr/>
-          </p:nvSpPr>
-          <p:spPr>
-            <a:xfrm>
-              <a:off x="5764817" y="2081712"/>
-              <a:ext cx="254984" cy="254984"/>
-            </a:xfrm>
-            <a:prstGeom prst="ellipse">
-              <a:avLst/>
-            </a:prstGeom>
-            <a:noFill/>
-            <a:ln w="38100">
+              <a:t>수정 화면</a:t>
+            </a:r>
+            <a:endParaRPr lang="en-US" altLang="ko-KR" sz="1100" dirty="0">
               <a:solidFill>
-                <a:schemeClr val="accent1"/>
+                <a:sysClr val="windowText" lastClr="000000"/>
               </a:solidFill>
-            </a:ln>
-          </p:spPr>
-          <p:style>
-            <a:lnRef idx="2">
-              <a:schemeClr val="accent1">
-                <a:shade val="50000"/>
-              </a:schemeClr>
-            </a:lnRef>
-            <a:fillRef idx="1">
-              <a:schemeClr val="accent1"/>
-            </a:fillRef>
-            <a:effectRef idx="0">
-              <a:schemeClr val="accent1"/>
-            </a:effectRef>
-            <a:fontRef idx="minor">
-              <a:schemeClr val="lt1"/>
-            </a:fontRef>
-          </p:style>
-          <p:txBody>
-            <a:bodyPr rtlCol="0" anchor="ctr"/>
-            <a:lstStyle/>
-            <a:p>
-              <a:pPr algn="ctr"/>
-              <a:endParaRPr lang="ko-KR" altLang="en-US"/>
-            </a:p>
-          </p:txBody>
-        </p:sp>
-        <p:cxnSp>
-          <p:nvCxnSpPr>
-            <p:cNvPr id="15" name="직선 연결선 14"/>
-            <p:cNvCxnSpPr>
-              <a:endCxn id="14" idx="5"/>
-            </p:cNvCxnSpPr>
-            <p:nvPr/>
-          </p:nvCxnSpPr>
-          <p:spPr>
-            <a:xfrm flipH="1" flipV="1">
-              <a:off x="5982459" y="2299354"/>
-              <a:ext cx="247653" cy="212198"/>
-            </a:xfrm>
-            <a:prstGeom prst="line">
-              <a:avLst/>
-            </a:prstGeom>
-            <a:ln w="38100">
-              <a:headEnd type="stealth" w="lg" len="lg"/>
-            </a:ln>
-          </p:spPr>
-          <p:style>
-            <a:lnRef idx="1">
-              <a:schemeClr val="accent1"/>
-            </a:lnRef>
-            <a:fillRef idx="0">
-              <a:schemeClr val="accent1"/>
-            </a:fillRef>
-            <a:effectRef idx="0">
-              <a:schemeClr val="accent1"/>
-            </a:effectRef>
-            <a:fontRef idx="minor">
-              <a:schemeClr val="tx1"/>
-            </a:fontRef>
-          </p:style>
-        </p:cxnSp>
-      </p:grpSp>
-      <p:sp>
-        <p:nvSpPr>
-          <p:cNvPr id="16" name="TextBox 15"/>
-          <p:cNvSpPr txBox="1"/>
-          <p:nvPr/>
-        </p:nvSpPr>
-        <p:spPr>
-          <a:xfrm rot="3402376">
-            <a:off x="9187618" y="5659166"/>
-            <a:ext cx="1553630" cy="430887"/>
-          </a:xfrm>
-          <a:prstGeom prst="rect">
-            <a:avLst/>
-          </a:prstGeom>
-          <a:noFill/>
-        </p:spPr>
-        <p:txBody>
-          <a:bodyPr wrap="none" rtlCol="0">
-            <a:spAutoFit/>
-          </a:bodyPr>
-          <a:lstStyle/>
-          <a:p>
-            <a:r>
-              <a:rPr lang="ko-KR" altLang="en-US" sz="1100" dirty="0"/>
-              <a:t>수정된 강의평가 질문</a:t>
-            </a:r>
-            <a:endParaRPr lang="en-US" altLang="ko-KR" sz="1100" dirty="0"/>
-          </a:p>
-          <a:p>
-            <a:pPr algn="ctr"/>
-            <a:r>
-              <a:rPr lang="ko-KR" altLang="en-US" sz="1100" dirty="0"/>
-              <a:t>리스트 정보</a:t>
-            </a:r>
-            <a:endParaRPr lang="ko-KR" altLang="en-US" sz="1600" dirty="0"/>
-          </a:p>
-        </p:txBody>
-      </p:sp>
-      <p:grpSp>
-        <p:nvGrpSpPr>
-          <p:cNvPr id="17" name="그룹 16"/>
-          <p:cNvGrpSpPr/>
-          <p:nvPr/>
-        </p:nvGrpSpPr>
-        <p:grpSpPr>
-          <a:xfrm rot="16454924">
-            <a:off x="5996725" y="5038541"/>
-            <a:ext cx="465295" cy="429840"/>
-            <a:chOff x="5764817" y="2081712"/>
-            <a:chExt cx="465295" cy="429840"/>
-          </a:xfrm>
-        </p:grpSpPr>
-        <p:sp>
-          <p:nvSpPr>
-            <p:cNvPr id="18" name="타원 17"/>
-            <p:cNvSpPr/>
-            <p:nvPr/>
-          </p:nvSpPr>
-          <p:spPr>
-            <a:xfrm>
-              <a:off x="5764817" y="2081712"/>
-              <a:ext cx="254984" cy="254984"/>
-            </a:xfrm>
-            <a:prstGeom prst="ellipse">
-              <a:avLst/>
-            </a:prstGeom>
-            <a:noFill/>
-            <a:ln w="38100">
-              <a:solidFill>
-                <a:schemeClr val="accent1"/>
-              </a:solidFill>
-            </a:ln>
-          </p:spPr>
-          <p:style>
-            <a:lnRef idx="2">
-              <a:schemeClr val="accent1">
-                <a:shade val="50000"/>
-              </a:schemeClr>
-            </a:lnRef>
-            <a:fillRef idx="1">
-              <a:schemeClr val="accent1"/>
-            </a:fillRef>
-            <a:effectRef idx="0">
-              <a:schemeClr val="accent1"/>
-            </a:effectRef>
-            <a:fontRef idx="minor">
-              <a:schemeClr val="lt1"/>
-            </a:fontRef>
-          </p:style>
-          <p:txBody>
-            <a:bodyPr rtlCol="0" anchor="ctr"/>
-            <a:lstStyle/>
-            <a:p>
-              <a:pPr algn="ctr"/>
-              <a:endParaRPr lang="ko-KR" altLang="en-US"/>
-            </a:p>
-          </p:txBody>
-        </p:sp>
-        <p:cxnSp>
-          <p:nvCxnSpPr>
-            <p:cNvPr id="19" name="직선 연결선 18"/>
-            <p:cNvCxnSpPr>
-              <a:endCxn id="18" idx="5"/>
-            </p:cNvCxnSpPr>
-            <p:nvPr/>
-          </p:nvCxnSpPr>
-          <p:spPr>
-            <a:xfrm flipH="1" flipV="1">
-              <a:off x="5982459" y="2299354"/>
-              <a:ext cx="247653" cy="212198"/>
-            </a:xfrm>
-            <a:prstGeom prst="line">
-              <a:avLst/>
-            </a:prstGeom>
-            <a:ln w="38100">
-              <a:headEnd type="stealth" w="lg" len="lg"/>
-            </a:ln>
-          </p:spPr>
-          <p:style>
-            <a:lnRef idx="1">
-              <a:schemeClr val="accent1"/>
-            </a:lnRef>
-            <a:fillRef idx="0">
-              <a:schemeClr val="accent1"/>
-            </a:fillRef>
-            <a:effectRef idx="0">
-              <a:schemeClr val="accent1"/>
-            </a:effectRef>
-            <a:fontRef idx="minor">
-              <a:schemeClr val="tx1"/>
-            </a:fontRef>
-          </p:style>
-        </p:cxnSp>
-      </p:grpSp>
-      <p:sp>
-        <p:nvSpPr>
-          <p:cNvPr id="20" name="TextBox 19"/>
-          <p:cNvSpPr txBox="1"/>
-          <p:nvPr/>
-        </p:nvSpPr>
-        <p:spPr>
-          <a:xfrm rot="19358055">
-            <a:off x="5040887" y="4910603"/>
-            <a:ext cx="1885453" cy="261610"/>
-          </a:xfrm>
-          <a:prstGeom prst="rect">
-            <a:avLst/>
-          </a:prstGeom>
-          <a:noFill/>
-        </p:spPr>
-        <p:txBody>
-          <a:bodyPr wrap="none" rtlCol="0">
-            <a:spAutoFit/>
-          </a:bodyPr>
-          <a:lstStyle/>
-          <a:p>
-            <a:r>
-              <a:rPr lang="ko-KR" altLang="en-US" sz="1100" dirty="0"/>
-              <a:t>수정할 강의평가 질문 정보</a:t>
-            </a:r>
-            <a:endParaRPr lang="ko-KR" altLang="en-US" sz="1600" dirty="0"/>
-          </a:p>
-        </p:txBody>
-      </p:sp>
-      <p:grpSp>
-        <p:nvGrpSpPr>
-          <p:cNvPr id="21" name="그룹 20"/>
-          <p:cNvGrpSpPr/>
-          <p:nvPr/>
-        </p:nvGrpSpPr>
-        <p:grpSpPr>
-          <a:xfrm rot="15545817">
-            <a:off x="7044605" y="4942562"/>
-            <a:ext cx="465295" cy="429840"/>
-            <a:chOff x="5764817" y="2081712"/>
-            <a:chExt cx="465295" cy="429840"/>
-          </a:xfrm>
-          <a:solidFill>
-            <a:schemeClr val="accent1"/>
-          </a:solidFill>
-        </p:grpSpPr>
-        <p:sp>
-          <p:nvSpPr>
-            <p:cNvPr id="22" name="타원 21"/>
-            <p:cNvSpPr/>
-            <p:nvPr/>
-          </p:nvSpPr>
-          <p:spPr>
-            <a:xfrm>
-              <a:off x="5764817" y="2081712"/>
-              <a:ext cx="254984" cy="254984"/>
-            </a:xfrm>
-            <a:prstGeom prst="ellipse">
-              <a:avLst/>
-            </a:prstGeom>
-            <a:grpFill/>
-            <a:ln w="38100">
-              <a:solidFill>
-                <a:schemeClr val="accent1"/>
-              </a:solidFill>
-            </a:ln>
-          </p:spPr>
-          <p:style>
-            <a:lnRef idx="2">
-              <a:schemeClr val="accent1">
-                <a:shade val="50000"/>
-              </a:schemeClr>
-            </a:lnRef>
-            <a:fillRef idx="1">
-              <a:schemeClr val="accent1"/>
-            </a:fillRef>
-            <a:effectRef idx="0">
-              <a:schemeClr val="accent1"/>
-            </a:effectRef>
-            <a:fontRef idx="minor">
-              <a:schemeClr val="lt1"/>
-            </a:fontRef>
-          </p:style>
-          <p:txBody>
-            <a:bodyPr rtlCol="0" anchor="ctr"/>
-            <a:lstStyle/>
-            <a:p>
-              <a:pPr algn="ctr"/>
-              <a:endParaRPr lang="ko-KR" altLang="en-US"/>
-            </a:p>
-          </p:txBody>
-        </p:sp>
-        <p:cxnSp>
-          <p:nvCxnSpPr>
-            <p:cNvPr id="23" name="직선 연결선 22"/>
-            <p:cNvCxnSpPr>
-              <a:endCxn id="22" idx="5"/>
-            </p:cNvCxnSpPr>
-            <p:nvPr/>
-          </p:nvCxnSpPr>
-          <p:spPr>
-            <a:xfrm flipH="1" flipV="1">
-              <a:off x="5982459" y="2299354"/>
-              <a:ext cx="247653" cy="212198"/>
-            </a:xfrm>
-            <a:prstGeom prst="line">
-              <a:avLst/>
-            </a:prstGeom>
-            <a:grpFill/>
-            <a:ln w="38100">
-              <a:headEnd type="stealth" w="lg" len="lg"/>
-            </a:ln>
-          </p:spPr>
-          <p:style>
-            <a:lnRef idx="1">
-              <a:schemeClr val="accent1"/>
-            </a:lnRef>
-            <a:fillRef idx="0">
-              <a:schemeClr val="accent1"/>
-            </a:fillRef>
-            <a:effectRef idx="0">
-              <a:schemeClr val="accent1"/>
-            </a:effectRef>
-            <a:fontRef idx="minor">
-              <a:schemeClr val="tx1"/>
-            </a:fontRef>
-          </p:style>
-        </p:cxnSp>
-      </p:grpSp>
-      <p:sp>
-        <p:nvSpPr>
-          <p:cNvPr id="57" name="TextBox 56"/>
-          <p:cNvSpPr txBox="1"/>
-          <p:nvPr/>
-        </p:nvSpPr>
-        <p:spPr>
-          <a:xfrm rot="18158315">
-            <a:off x="6583760" y="4945763"/>
-            <a:ext cx="798617" cy="430887"/>
-          </a:xfrm>
-          <a:prstGeom prst="rect">
-            <a:avLst/>
-          </a:prstGeom>
-          <a:noFill/>
-        </p:spPr>
-        <p:txBody>
-          <a:bodyPr wrap="none" rtlCol="0">
-            <a:spAutoFit/>
-          </a:bodyPr>
-          <a:lstStyle/>
-          <a:p>
-            <a:r>
-              <a:rPr lang="ko-KR" altLang="en-US" sz="1100" dirty="0"/>
-              <a:t>수정성공 </a:t>
-            </a:r>
-            <a:endParaRPr lang="en-US" altLang="ko-KR" sz="1100" dirty="0"/>
-          </a:p>
-          <a:p>
-            <a:r>
-              <a:rPr lang="ko-KR" altLang="en-US" sz="1100" dirty="0"/>
-              <a:t>여부</a:t>
-            </a:r>
-            <a:endParaRPr lang="ko-KR" altLang="en-US" sz="1600" dirty="0"/>
-          </a:p>
-        </p:txBody>
-      </p:sp>
-      <p:grpSp>
-        <p:nvGrpSpPr>
-          <p:cNvPr id="87" name="그룹 86"/>
-          <p:cNvGrpSpPr/>
-          <p:nvPr/>
-        </p:nvGrpSpPr>
-        <p:grpSpPr>
-          <a:xfrm rot="4604140">
-            <a:off x="7613753" y="4861177"/>
-            <a:ext cx="465295" cy="429840"/>
-            <a:chOff x="5764817" y="2081712"/>
-            <a:chExt cx="465295" cy="429840"/>
-          </a:xfrm>
-        </p:grpSpPr>
-        <p:sp>
-          <p:nvSpPr>
-            <p:cNvPr id="88" name="타원 87"/>
-            <p:cNvSpPr/>
-            <p:nvPr/>
-          </p:nvSpPr>
-          <p:spPr>
-            <a:xfrm>
-              <a:off x="5764817" y="2081712"/>
-              <a:ext cx="254984" cy="254984"/>
-            </a:xfrm>
-            <a:prstGeom prst="ellipse">
-              <a:avLst/>
-            </a:prstGeom>
-            <a:noFill/>
-            <a:ln w="38100">
-              <a:solidFill>
-                <a:schemeClr val="accent1"/>
-              </a:solidFill>
-            </a:ln>
-          </p:spPr>
-          <p:style>
-            <a:lnRef idx="2">
-              <a:schemeClr val="accent1">
-                <a:shade val="50000"/>
-              </a:schemeClr>
-            </a:lnRef>
-            <a:fillRef idx="1">
-              <a:schemeClr val="accent1"/>
-            </a:fillRef>
-            <a:effectRef idx="0">
-              <a:schemeClr val="accent1"/>
-            </a:effectRef>
-            <a:fontRef idx="minor">
-              <a:schemeClr val="lt1"/>
-            </a:fontRef>
-          </p:style>
-          <p:txBody>
-            <a:bodyPr rtlCol="0" anchor="ctr"/>
-            <a:lstStyle/>
-            <a:p>
-              <a:pPr algn="ctr"/>
-              <a:endParaRPr lang="ko-KR" altLang="en-US"/>
-            </a:p>
-          </p:txBody>
-        </p:sp>
-        <p:cxnSp>
-          <p:nvCxnSpPr>
-            <p:cNvPr id="89" name="직선 연결선 88"/>
-            <p:cNvCxnSpPr>
-              <a:endCxn id="88" idx="5"/>
-            </p:cNvCxnSpPr>
-            <p:nvPr/>
-          </p:nvCxnSpPr>
-          <p:spPr>
-            <a:xfrm flipH="1" flipV="1">
-              <a:off x="5982459" y="2299354"/>
-              <a:ext cx="247653" cy="212198"/>
-            </a:xfrm>
-            <a:prstGeom prst="line">
-              <a:avLst/>
-            </a:prstGeom>
-            <a:ln w="38100">
-              <a:headEnd type="stealth" w="lg" len="lg"/>
-            </a:ln>
-          </p:spPr>
-          <p:style>
-            <a:lnRef idx="1">
-              <a:schemeClr val="accent1"/>
-            </a:lnRef>
-            <a:fillRef idx="0">
-              <a:schemeClr val="accent1"/>
-            </a:fillRef>
-            <a:effectRef idx="0">
-              <a:schemeClr val="accent1"/>
-            </a:effectRef>
-            <a:fontRef idx="minor">
-              <a:schemeClr val="tx1"/>
-            </a:fontRef>
-          </p:style>
-        </p:cxnSp>
-      </p:grpSp>
-      <p:grpSp>
-        <p:nvGrpSpPr>
-          <p:cNvPr id="90" name="그룹 89"/>
-          <p:cNvGrpSpPr/>
-          <p:nvPr/>
-        </p:nvGrpSpPr>
-        <p:grpSpPr>
-          <a:xfrm rot="15675866">
-            <a:off x="6342497" y="6259085"/>
-            <a:ext cx="465295" cy="429840"/>
-            <a:chOff x="5764817" y="2081712"/>
-            <a:chExt cx="465295" cy="429840"/>
-          </a:xfrm>
-        </p:grpSpPr>
-        <p:sp>
-          <p:nvSpPr>
-            <p:cNvPr id="91" name="타원 90"/>
-            <p:cNvSpPr/>
-            <p:nvPr/>
-          </p:nvSpPr>
-          <p:spPr>
-            <a:xfrm>
-              <a:off x="5764817" y="2081712"/>
-              <a:ext cx="254984" cy="254984"/>
-            </a:xfrm>
-            <a:prstGeom prst="ellipse">
-              <a:avLst/>
-            </a:prstGeom>
-            <a:noFill/>
-            <a:ln w="38100">
-              <a:solidFill>
-                <a:schemeClr val="accent1"/>
-              </a:solidFill>
-            </a:ln>
-          </p:spPr>
-          <p:style>
-            <a:lnRef idx="2">
-              <a:schemeClr val="accent1">
-                <a:shade val="50000"/>
-              </a:schemeClr>
-            </a:lnRef>
-            <a:fillRef idx="1">
-              <a:schemeClr val="accent1"/>
-            </a:fillRef>
-            <a:effectRef idx="0">
-              <a:schemeClr val="accent1"/>
-            </a:effectRef>
-            <a:fontRef idx="minor">
-              <a:schemeClr val="lt1"/>
-            </a:fontRef>
-          </p:style>
-          <p:txBody>
-            <a:bodyPr rtlCol="0" anchor="ctr"/>
-            <a:lstStyle/>
-            <a:p>
-              <a:pPr algn="ctr"/>
-              <a:endParaRPr lang="ko-KR" altLang="en-US"/>
-            </a:p>
-          </p:txBody>
-        </p:sp>
-        <p:cxnSp>
-          <p:nvCxnSpPr>
-            <p:cNvPr id="92" name="직선 연결선 91"/>
-            <p:cNvCxnSpPr>
-              <a:endCxn id="91" idx="5"/>
-            </p:cNvCxnSpPr>
-            <p:nvPr/>
-          </p:nvCxnSpPr>
-          <p:spPr>
-            <a:xfrm flipH="1" flipV="1">
-              <a:off x="5982459" y="2299354"/>
-              <a:ext cx="247653" cy="212198"/>
-            </a:xfrm>
-            <a:prstGeom prst="line">
-              <a:avLst/>
-            </a:prstGeom>
-            <a:ln w="38100">
-              <a:headEnd type="stealth" w="lg" len="lg"/>
-            </a:ln>
-          </p:spPr>
-          <p:style>
-            <a:lnRef idx="1">
-              <a:schemeClr val="accent1"/>
-            </a:lnRef>
-            <a:fillRef idx="0">
-              <a:schemeClr val="accent1"/>
-            </a:fillRef>
-            <a:effectRef idx="0">
-              <a:schemeClr val="accent1"/>
-            </a:effectRef>
-            <a:fontRef idx="minor">
-              <a:schemeClr val="tx1"/>
-            </a:fontRef>
-          </p:style>
-        </p:cxnSp>
-      </p:grpSp>
-      <p:sp>
-        <p:nvSpPr>
-          <p:cNvPr id="93" name="TextBox 92"/>
-          <p:cNvSpPr txBox="1"/>
-          <p:nvPr/>
-        </p:nvSpPr>
-        <p:spPr>
-          <a:xfrm rot="18022228">
-            <a:off x="5512293" y="6087399"/>
-            <a:ext cx="1553630" cy="430887"/>
-          </a:xfrm>
-          <a:prstGeom prst="rect">
-            <a:avLst/>
-          </a:prstGeom>
-          <a:noFill/>
-        </p:spPr>
-        <p:txBody>
-          <a:bodyPr wrap="none" rtlCol="0">
-            <a:spAutoFit/>
-          </a:bodyPr>
-          <a:lstStyle/>
-          <a:p>
-            <a:pPr algn="ctr"/>
-            <a:r>
-              <a:rPr lang="ko-KR" altLang="en-US" sz="1100" dirty="0"/>
-              <a:t>수정된 강의평가 질문</a:t>
-            </a:r>
-            <a:endParaRPr lang="en-US" altLang="ko-KR" sz="1100" dirty="0"/>
-          </a:p>
-          <a:p>
-            <a:pPr algn="ctr"/>
-            <a:r>
-              <a:rPr lang="ko-KR" altLang="en-US" sz="1100" dirty="0"/>
-              <a:t>리스트 정보</a:t>
-            </a:r>
-            <a:endParaRPr lang="ko-KR" altLang="en-US" sz="1600" dirty="0"/>
-          </a:p>
-        </p:txBody>
-      </p:sp>
-      <p:sp>
-        <p:nvSpPr>
-          <p:cNvPr id="94" name="TextBox 93"/>
-          <p:cNvSpPr txBox="1"/>
-          <p:nvPr/>
-        </p:nvSpPr>
-        <p:spPr>
-          <a:xfrm rot="17514103">
-            <a:off x="6955245" y="6334894"/>
-            <a:ext cx="1080745" cy="430887"/>
-          </a:xfrm>
-          <a:prstGeom prst="rect">
-            <a:avLst/>
-          </a:prstGeom>
-          <a:noFill/>
-        </p:spPr>
-        <p:txBody>
-          <a:bodyPr wrap="none" rtlCol="0">
-            <a:spAutoFit/>
-          </a:bodyPr>
-          <a:lstStyle/>
-          <a:p>
-            <a:r>
-              <a:rPr lang="ko-KR" altLang="en-US" sz="1100" dirty="0"/>
-              <a:t>강의평가 질문</a:t>
-            </a:r>
-            <a:endParaRPr lang="en-US" altLang="ko-KR" sz="1100" dirty="0"/>
-          </a:p>
-          <a:p>
-            <a:r>
-              <a:rPr lang="ko-KR" altLang="en-US" sz="1100" dirty="0"/>
-              <a:t> 리스트 정보</a:t>
-            </a:r>
-            <a:endParaRPr lang="ko-KR" altLang="en-US" sz="1600" dirty="0"/>
-          </a:p>
-        </p:txBody>
-      </p:sp>
-      <p:sp>
-        <p:nvSpPr>
-          <p:cNvPr id="95" name="TextBox 94"/>
-          <p:cNvSpPr txBox="1"/>
-          <p:nvPr/>
-        </p:nvSpPr>
-        <p:spPr>
-          <a:xfrm rot="17423541">
-            <a:off x="7536394" y="5027890"/>
-            <a:ext cx="1271502" cy="430887"/>
-          </a:xfrm>
-          <a:prstGeom prst="rect">
-            <a:avLst/>
-          </a:prstGeom>
-          <a:noFill/>
-        </p:spPr>
-        <p:txBody>
-          <a:bodyPr wrap="none" rtlCol="0">
-            <a:spAutoFit/>
-          </a:bodyPr>
-          <a:lstStyle/>
-          <a:p>
-            <a:r>
-              <a:rPr lang="ko-KR" altLang="en-US" sz="1100" dirty="0"/>
-              <a:t>수정할 강의평가 </a:t>
-            </a:r>
-            <a:endParaRPr lang="en-US" altLang="ko-KR" sz="1100" dirty="0"/>
-          </a:p>
-          <a:p>
-            <a:r>
-              <a:rPr lang="en-US" altLang="ko-KR" sz="1100" dirty="0"/>
-              <a:t>    </a:t>
-            </a:r>
-            <a:r>
-              <a:rPr lang="ko-KR" altLang="en-US" sz="1100" dirty="0"/>
-              <a:t>질문정보</a:t>
-            </a:r>
-            <a:endParaRPr lang="ko-KR" altLang="en-US" sz="1600" dirty="0"/>
-          </a:p>
-        </p:txBody>
-      </p:sp>
-      <p:cxnSp>
-        <p:nvCxnSpPr>
-          <p:cNvPr id="96" name="직선 화살표 연결선 95"/>
-          <p:cNvCxnSpPr/>
-          <p:nvPr/>
-        </p:nvCxnSpPr>
-        <p:spPr>
-          <a:xfrm>
-            <a:off x="8154584" y="4027961"/>
-            <a:ext cx="1917386" cy="3054024"/>
-          </a:xfrm>
-          <a:prstGeom prst="straightConnector1">
-            <a:avLst/>
-          </a:prstGeom>
-          <a:ln w="38100">
-            <a:headEnd w="lg" len="lg"/>
-            <a:tailEnd type="triangle"/>
-          </a:ln>
-        </p:spPr>
-        <p:style>
-          <a:lnRef idx="1">
-            <a:schemeClr val="accent1"/>
-          </a:lnRef>
-          <a:fillRef idx="0">
-            <a:schemeClr val="accent1"/>
-          </a:fillRef>
-          <a:effectRef idx="0">
-            <a:schemeClr val="accent1"/>
-          </a:effectRef>
-          <a:fontRef idx="minor">
-            <a:schemeClr val="tx1"/>
-          </a:fontRef>
-        </p:style>
-      </p:cxnSp>
-      <p:grpSp>
-        <p:nvGrpSpPr>
-          <p:cNvPr id="100" name="그룹 99"/>
-          <p:cNvGrpSpPr/>
-          <p:nvPr/>
-        </p:nvGrpSpPr>
-        <p:grpSpPr>
-          <a:xfrm rot="1521552">
-            <a:off x="9382831" y="5747072"/>
-            <a:ext cx="465295" cy="429840"/>
-            <a:chOff x="5764817" y="2081712"/>
-            <a:chExt cx="465295" cy="429840"/>
-          </a:xfrm>
-        </p:grpSpPr>
-        <p:sp>
-          <p:nvSpPr>
-            <p:cNvPr id="101" name="타원 100"/>
-            <p:cNvSpPr/>
-            <p:nvPr/>
-          </p:nvSpPr>
-          <p:spPr>
-            <a:xfrm>
-              <a:off x="5764817" y="2081712"/>
-              <a:ext cx="254984" cy="254984"/>
-            </a:xfrm>
-            <a:prstGeom prst="ellipse">
-              <a:avLst/>
-            </a:prstGeom>
-            <a:noFill/>
-            <a:ln w="38100">
-              <a:solidFill>
-                <a:schemeClr val="accent1"/>
-              </a:solidFill>
-            </a:ln>
-          </p:spPr>
-          <p:style>
-            <a:lnRef idx="2">
-              <a:schemeClr val="accent1">
-                <a:shade val="50000"/>
-              </a:schemeClr>
-            </a:lnRef>
-            <a:fillRef idx="1">
-              <a:schemeClr val="accent1"/>
-            </a:fillRef>
-            <a:effectRef idx="0">
-              <a:schemeClr val="accent1"/>
-            </a:effectRef>
-            <a:fontRef idx="minor">
-              <a:schemeClr val="lt1"/>
-            </a:fontRef>
-          </p:style>
-          <p:txBody>
-            <a:bodyPr rtlCol="0" anchor="ctr"/>
-            <a:lstStyle/>
-            <a:p>
-              <a:pPr algn="ctr"/>
-              <a:endParaRPr lang="ko-KR" altLang="en-US"/>
-            </a:p>
-          </p:txBody>
-        </p:sp>
-        <p:cxnSp>
-          <p:nvCxnSpPr>
-            <p:cNvPr id="102" name="직선 연결선 101"/>
-            <p:cNvCxnSpPr>
-              <a:endCxn id="101" idx="5"/>
-            </p:cNvCxnSpPr>
-            <p:nvPr/>
-          </p:nvCxnSpPr>
-          <p:spPr>
-            <a:xfrm flipH="1" flipV="1">
-              <a:off x="5982459" y="2299354"/>
-              <a:ext cx="247653" cy="212198"/>
-            </a:xfrm>
-            <a:prstGeom prst="line">
-              <a:avLst/>
-            </a:prstGeom>
-            <a:ln w="38100">
-              <a:headEnd type="stealth" w="lg" len="lg"/>
-            </a:ln>
-          </p:spPr>
-          <p:style>
-            <a:lnRef idx="1">
-              <a:schemeClr val="accent1"/>
-            </a:lnRef>
-            <a:fillRef idx="0">
-              <a:schemeClr val="accent1"/>
-            </a:fillRef>
-            <a:effectRef idx="0">
-              <a:schemeClr val="accent1"/>
-            </a:effectRef>
-            <a:fontRef idx="minor">
-              <a:schemeClr val="tx1"/>
-            </a:fontRef>
-          </p:style>
-        </p:cxnSp>
-      </p:grpSp>
-      <p:grpSp>
-        <p:nvGrpSpPr>
-          <p:cNvPr id="119" name="그룹 118"/>
-          <p:cNvGrpSpPr/>
-          <p:nvPr/>
-        </p:nvGrpSpPr>
-        <p:grpSpPr>
-          <a:xfrm rot="11888278">
-            <a:off x="8993118" y="5987132"/>
-            <a:ext cx="465295" cy="429840"/>
-            <a:chOff x="5764817" y="2081712"/>
-            <a:chExt cx="465295" cy="429840"/>
-          </a:xfrm>
-        </p:grpSpPr>
-        <p:sp>
-          <p:nvSpPr>
-            <p:cNvPr id="120" name="타원 119"/>
-            <p:cNvSpPr/>
-            <p:nvPr/>
-          </p:nvSpPr>
-          <p:spPr>
-            <a:xfrm>
-              <a:off x="5764817" y="2081712"/>
-              <a:ext cx="254984" cy="254984"/>
-            </a:xfrm>
-            <a:prstGeom prst="ellipse">
-              <a:avLst/>
-            </a:prstGeom>
-            <a:noFill/>
-            <a:ln w="38100">
-              <a:solidFill>
-                <a:schemeClr val="accent1"/>
-              </a:solidFill>
-            </a:ln>
-          </p:spPr>
-          <p:style>
-            <a:lnRef idx="2">
-              <a:schemeClr val="accent1">
-                <a:shade val="50000"/>
-              </a:schemeClr>
-            </a:lnRef>
-            <a:fillRef idx="1">
-              <a:schemeClr val="accent1"/>
-            </a:fillRef>
-            <a:effectRef idx="0">
-              <a:schemeClr val="accent1"/>
-            </a:effectRef>
-            <a:fontRef idx="minor">
-              <a:schemeClr val="lt1"/>
-            </a:fontRef>
-          </p:style>
-          <p:txBody>
-            <a:bodyPr rtlCol="0" anchor="ctr"/>
-            <a:lstStyle/>
-            <a:p>
-              <a:pPr algn="ctr"/>
-              <a:endParaRPr lang="ko-KR" altLang="en-US"/>
-            </a:p>
-          </p:txBody>
-        </p:sp>
-        <p:cxnSp>
-          <p:nvCxnSpPr>
-            <p:cNvPr id="121" name="직선 연결선 120"/>
-            <p:cNvCxnSpPr>
-              <a:endCxn id="120" idx="5"/>
-            </p:cNvCxnSpPr>
-            <p:nvPr/>
-          </p:nvCxnSpPr>
-          <p:spPr>
-            <a:xfrm flipH="1" flipV="1">
-              <a:off x="5982459" y="2299354"/>
-              <a:ext cx="247653" cy="212198"/>
-            </a:xfrm>
-            <a:prstGeom prst="line">
-              <a:avLst/>
-            </a:prstGeom>
-            <a:ln w="38100">
-              <a:headEnd type="stealth" w="lg" len="lg"/>
-            </a:ln>
-          </p:spPr>
-          <p:style>
-            <a:lnRef idx="1">
-              <a:schemeClr val="accent1"/>
-            </a:lnRef>
-            <a:fillRef idx="0">
-              <a:schemeClr val="accent1"/>
-            </a:fillRef>
-            <a:effectRef idx="0">
-              <a:schemeClr val="accent1"/>
-            </a:effectRef>
-            <a:fontRef idx="minor">
-              <a:schemeClr val="tx1"/>
-            </a:fontRef>
-          </p:style>
-        </p:cxnSp>
-      </p:grpSp>
-      <p:sp>
-        <p:nvSpPr>
-          <p:cNvPr id="124" name="TextBox 123"/>
-          <p:cNvSpPr txBox="1"/>
-          <p:nvPr/>
-        </p:nvSpPr>
-        <p:spPr>
-          <a:xfrm rot="3760686">
-            <a:off x="8012554" y="6193373"/>
-            <a:ext cx="1885453" cy="261610"/>
-          </a:xfrm>
-          <a:prstGeom prst="rect">
-            <a:avLst/>
-          </a:prstGeom>
-          <a:noFill/>
-        </p:spPr>
-        <p:txBody>
-          <a:bodyPr wrap="none" rtlCol="0">
-            <a:spAutoFit/>
-          </a:bodyPr>
-          <a:lstStyle/>
-          <a:p>
-            <a:r>
-              <a:rPr lang="ko-KR" altLang="en-US" sz="1100" dirty="0"/>
-              <a:t>강의평가 질문 리스트 정보</a:t>
-            </a:r>
-            <a:endParaRPr lang="ko-KR" altLang="en-US" sz="1600" dirty="0"/>
-          </a:p>
-        </p:txBody>
-      </p:sp>
-      <p:sp>
-        <p:nvSpPr>
-          <p:cNvPr id="125" name="TextBox 124"/>
-          <p:cNvSpPr txBox="1"/>
-          <p:nvPr/>
-        </p:nvSpPr>
-        <p:spPr>
-          <a:xfrm rot="2043342">
-            <a:off x="9938736" y="4988860"/>
-            <a:ext cx="2076209" cy="261610"/>
-          </a:xfrm>
-          <a:prstGeom prst="rect">
-            <a:avLst/>
-          </a:prstGeom>
-          <a:noFill/>
-        </p:spPr>
-        <p:txBody>
-          <a:bodyPr wrap="none" rtlCol="0">
-            <a:spAutoFit/>
-          </a:bodyPr>
-          <a:lstStyle/>
-          <a:p>
-            <a:r>
-              <a:rPr lang="ko-KR" altLang="en-US" sz="1100" dirty="0"/>
-              <a:t>강의평가 질문 수정 결과 정보</a:t>
-            </a:r>
-            <a:endParaRPr lang="ko-KR" altLang="en-US" sz="1600" dirty="0"/>
-          </a:p>
-        </p:txBody>
-      </p:sp>
-      <p:grpSp>
-        <p:nvGrpSpPr>
-          <p:cNvPr id="126" name="그룹 125"/>
-          <p:cNvGrpSpPr/>
-          <p:nvPr/>
-        </p:nvGrpSpPr>
-        <p:grpSpPr>
-          <a:xfrm rot="21425190">
-            <a:off x="10373935" y="5120523"/>
-            <a:ext cx="465295" cy="429840"/>
-            <a:chOff x="5764817" y="2081712"/>
-            <a:chExt cx="465295" cy="429840"/>
-          </a:xfrm>
-        </p:grpSpPr>
-        <p:sp>
-          <p:nvSpPr>
-            <p:cNvPr id="127" name="타원 126"/>
-            <p:cNvSpPr/>
-            <p:nvPr/>
-          </p:nvSpPr>
-          <p:spPr>
-            <a:xfrm>
-              <a:off x="5764817" y="2081712"/>
-              <a:ext cx="254984" cy="254984"/>
-            </a:xfrm>
-            <a:prstGeom prst="ellipse">
-              <a:avLst/>
-            </a:prstGeom>
-            <a:noFill/>
-            <a:ln w="38100">
-              <a:solidFill>
-                <a:schemeClr val="accent1"/>
-              </a:solidFill>
-            </a:ln>
-          </p:spPr>
-          <p:style>
-            <a:lnRef idx="2">
-              <a:schemeClr val="accent1">
-                <a:shade val="50000"/>
-              </a:schemeClr>
-            </a:lnRef>
-            <a:fillRef idx="1">
-              <a:schemeClr val="accent1"/>
-            </a:fillRef>
-            <a:effectRef idx="0">
-              <a:schemeClr val="accent1"/>
-            </a:effectRef>
-            <a:fontRef idx="minor">
-              <a:schemeClr val="lt1"/>
-            </a:fontRef>
-          </p:style>
-          <p:txBody>
-            <a:bodyPr rtlCol="0" anchor="ctr"/>
-            <a:lstStyle/>
-            <a:p>
-              <a:pPr algn="ctr"/>
-              <a:endParaRPr lang="ko-KR" altLang="en-US"/>
-            </a:p>
-          </p:txBody>
-        </p:sp>
-        <p:cxnSp>
-          <p:nvCxnSpPr>
-            <p:cNvPr id="128" name="직선 연결선 127"/>
-            <p:cNvCxnSpPr>
-              <a:endCxn id="127" idx="5"/>
-            </p:cNvCxnSpPr>
-            <p:nvPr/>
-          </p:nvCxnSpPr>
-          <p:spPr>
-            <a:xfrm flipH="1" flipV="1">
-              <a:off x="5982459" y="2299354"/>
-              <a:ext cx="247653" cy="212198"/>
-            </a:xfrm>
-            <a:prstGeom prst="line">
-              <a:avLst/>
-            </a:prstGeom>
-            <a:ln w="38100">
-              <a:headEnd type="stealth" w="lg" len="lg"/>
-            </a:ln>
-          </p:spPr>
-          <p:style>
-            <a:lnRef idx="1">
-              <a:schemeClr val="accent1"/>
-            </a:lnRef>
-            <a:fillRef idx="0">
-              <a:schemeClr val="accent1"/>
-            </a:fillRef>
-            <a:effectRef idx="0">
-              <a:schemeClr val="accent1"/>
-            </a:effectRef>
-            <a:fontRef idx="minor">
-              <a:schemeClr val="tx1"/>
-            </a:fontRef>
-          </p:style>
-        </p:cxnSp>
-      </p:grpSp>
-      <p:grpSp>
-        <p:nvGrpSpPr>
-          <p:cNvPr id="47" name="그룹 46"/>
-          <p:cNvGrpSpPr/>
-          <p:nvPr/>
-        </p:nvGrpSpPr>
-        <p:grpSpPr>
-          <a:xfrm>
-            <a:off x="9351909" y="7125129"/>
-            <a:ext cx="1561933" cy="676405"/>
-            <a:chOff x="8118153" y="2442575"/>
-            <a:chExt cx="1561933" cy="676405"/>
-          </a:xfrm>
-        </p:grpSpPr>
-        <p:cxnSp>
-          <p:nvCxnSpPr>
-            <p:cNvPr id="48" name="직선 연결선 47"/>
-            <p:cNvCxnSpPr/>
-            <p:nvPr/>
-          </p:nvCxnSpPr>
-          <p:spPr>
-            <a:xfrm>
-              <a:off x="8118153" y="2442575"/>
-              <a:ext cx="1560286" cy="0"/>
-            </a:xfrm>
-            <a:prstGeom prst="line">
-              <a:avLst/>
-            </a:prstGeom>
-            <a:ln w="38100">
-              <a:solidFill>
-                <a:srgbClr val="41719C"/>
-              </a:solidFill>
-            </a:ln>
-          </p:spPr>
-          <p:style>
-            <a:lnRef idx="1">
-              <a:schemeClr val="accent1"/>
-            </a:lnRef>
-            <a:fillRef idx="0">
-              <a:schemeClr val="accent1"/>
-            </a:fillRef>
-            <a:effectRef idx="0">
-              <a:schemeClr val="accent1"/>
-            </a:effectRef>
-            <a:fontRef idx="minor">
-              <a:schemeClr val="tx1"/>
-            </a:fontRef>
-          </p:style>
-        </p:cxnSp>
-        <p:cxnSp>
-          <p:nvCxnSpPr>
-            <p:cNvPr id="49" name="직선 연결선 48"/>
-            <p:cNvCxnSpPr/>
-            <p:nvPr/>
-          </p:nvCxnSpPr>
-          <p:spPr>
-            <a:xfrm>
-              <a:off x="8119800" y="3118980"/>
-              <a:ext cx="1560286" cy="0"/>
-            </a:xfrm>
-            <a:prstGeom prst="line">
-              <a:avLst/>
-            </a:prstGeom>
-            <a:ln w="38100">
-              <a:solidFill>
-                <a:srgbClr val="41719C"/>
-              </a:solidFill>
-            </a:ln>
-          </p:spPr>
-          <p:style>
-            <a:lnRef idx="1">
-              <a:schemeClr val="accent1"/>
-            </a:lnRef>
-            <a:fillRef idx="0">
-              <a:schemeClr val="accent1"/>
-            </a:fillRef>
-            <a:effectRef idx="0">
-              <a:schemeClr val="accent1"/>
-            </a:effectRef>
-            <a:fontRef idx="minor">
-              <a:schemeClr val="tx1"/>
-            </a:fontRef>
-          </p:style>
-        </p:cxnSp>
-        <p:sp>
-          <p:nvSpPr>
-            <p:cNvPr id="50" name="직사각형 49"/>
-            <p:cNvSpPr/>
-            <p:nvPr/>
-          </p:nvSpPr>
-          <p:spPr>
-            <a:xfrm>
-              <a:off x="8217074" y="2530257"/>
-              <a:ext cx="1377863" cy="502203"/>
-            </a:xfrm>
-            <a:prstGeom prst="rect">
-              <a:avLst/>
-            </a:prstGeom>
-            <a:solidFill>
-              <a:schemeClr val="bg1"/>
-            </a:solidFill>
-            <a:ln>
-              <a:noFill/>
-            </a:ln>
-          </p:spPr>
-          <p:style>
-            <a:lnRef idx="2">
-              <a:schemeClr val="accent1">
-                <a:shade val="50000"/>
-              </a:schemeClr>
-            </a:lnRef>
-            <a:fillRef idx="1">
-              <a:schemeClr val="accent1"/>
-            </a:fillRef>
-            <a:effectRef idx="0">
-              <a:schemeClr val="accent1"/>
-            </a:effectRef>
-            <a:fontRef idx="minor">
-              <a:schemeClr val="lt1"/>
-            </a:fontRef>
-          </p:style>
-          <p:txBody>
-            <a:bodyPr rtlCol="0" anchor="ctr"/>
-            <a:lstStyle>
-              <a:defPPr>
-                <a:defRPr lang="ko-KR"/>
-              </a:defPPr>
-              <a:lvl1pPr marL="0" algn="l" defTabSz="914400" rtl="0" eaLnBrk="1" latinLnBrk="1" hangingPunct="1">
-                <a:defRPr sz="1800" kern="1200">
-                  <a:solidFill>
-                    <a:schemeClr val="lt1"/>
-                  </a:solidFill>
-                  <a:latin typeface="+mn-lt"/>
-                  <a:ea typeface="+mn-ea"/>
-                  <a:cs typeface="+mn-cs"/>
-                </a:defRPr>
-              </a:lvl1pPr>
-              <a:lvl2pPr marL="457200" algn="l" defTabSz="914400" rtl="0" eaLnBrk="1" latinLnBrk="1" hangingPunct="1">
-                <a:defRPr sz="1800" kern="1200">
-                  <a:solidFill>
-                    <a:schemeClr val="lt1"/>
-                  </a:solidFill>
-                  <a:latin typeface="+mn-lt"/>
-                  <a:ea typeface="+mn-ea"/>
-                  <a:cs typeface="+mn-cs"/>
-                </a:defRPr>
-              </a:lvl2pPr>
-              <a:lvl3pPr marL="914400" algn="l" defTabSz="914400" rtl="0" eaLnBrk="1" latinLnBrk="1" hangingPunct="1">
-                <a:defRPr sz="1800" kern="1200">
-                  <a:solidFill>
-                    <a:schemeClr val="lt1"/>
-                  </a:solidFill>
-                  <a:latin typeface="+mn-lt"/>
-                  <a:ea typeface="+mn-ea"/>
-                  <a:cs typeface="+mn-cs"/>
-                </a:defRPr>
-              </a:lvl3pPr>
-              <a:lvl4pPr marL="1371600" algn="l" defTabSz="914400" rtl="0" eaLnBrk="1" latinLnBrk="1" hangingPunct="1">
-                <a:defRPr sz="1800" kern="1200">
-                  <a:solidFill>
-                    <a:schemeClr val="lt1"/>
-                  </a:solidFill>
-                  <a:latin typeface="+mn-lt"/>
-                  <a:ea typeface="+mn-ea"/>
-                  <a:cs typeface="+mn-cs"/>
-                </a:defRPr>
-              </a:lvl4pPr>
-              <a:lvl5pPr marL="1828800" algn="l" defTabSz="914400" rtl="0" eaLnBrk="1" latinLnBrk="1" hangingPunct="1">
-                <a:defRPr sz="1800" kern="1200">
-                  <a:solidFill>
-                    <a:schemeClr val="lt1"/>
-                  </a:solidFill>
-                  <a:latin typeface="+mn-lt"/>
-                  <a:ea typeface="+mn-ea"/>
-                  <a:cs typeface="+mn-cs"/>
-                </a:defRPr>
-              </a:lvl5pPr>
-              <a:lvl6pPr marL="2286000" algn="l" defTabSz="914400" rtl="0" eaLnBrk="1" latinLnBrk="1" hangingPunct="1">
-                <a:defRPr sz="1800" kern="1200">
-                  <a:solidFill>
-                    <a:schemeClr val="lt1"/>
-                  </a:solidFill>
-                  <a:latin typeface="+mn-lt"/>
-                  <a:ea typeface="+mn-ea"/>
-                  <a:cs typeface="+mn-cs"/>
-                </a:defRPr>
-              </a:lvl6pPr>
-              <a:lvl7pPr marL="2743200" algn="l" defTabSz="914400" rtl="0" eaLnBrk="1" latinLnBrk="1" hangingPunct="1">
-                <a:defRPr sz="1800" kern="1200">
-                  <a:solidFill>
-                    <a:schemeClr val="lt1"/>
-                  </a:solidFill>
-                  <a:latin typeface="+mn-lt"/>
-                  <a:ea typeface="+mn-ea"/>
-                  <a:cs typeface="+mn-cs"/>
-                </a:defRPr>
-              </a:lvl7pPr>
-              <a:lvl8pPr marL="3200400" algn="l" defTabSz="914400" rtl="0" eaLnBrk="1" latinLnBrk="1" hangingPunct="1">
-                <a:defRPr sz="1800" kern="1200">
-                  <a:solidFill>
-                    <a:schemeClr val="lt1"/>
-                  </a:solidFill>
-                  <a:latin typeface="+mn-lt"/>
-                  <a:ea typeface="+mn-ea"/>
-                  <a:cs typeface="+mn-cs"/>
-                </a:defRPr>
-              </a:lvl8pPr>
-              <a:lvl9pPr marL="3657600" algn="l" defTabSz="914400" rtl="0" eaLnBrk="1" latinLnBrk="1" hangingPunct="1">
-                <a:defRPr sz="1800" kern="1200">
-                  <a:solidFill>
-                    <a:schemeClr val="lt1"/>
-                  </a:solidFill>
-                  <a:latin typeface="+mn-lt"/>
-                  <a:ea typeface="+mn-ea"/>
-                  <a:cs typeface="+mn-cs"/>
-                </a:defRPr>
-              </a:lvl9pPr>
-            </a:lstStyle>
-            <a:p>
-              <a:pPr algn="ctr"/>
-              <a:r>
-                <a:rPr lang="ko-KR" altLang="en-US" sz="1100" dirty="0">
-                  <a:solidFill>
-                    <a:schemeClr val="tx1"/>
-                  </a:solidFill>
-                </a:rPr>
-                <a:t>강의평가 질문 </a:t>
-              </a:r>
-              <a:endParaRPr lang="en-US" altLang="ko-KR" sz="1100" dirty="0">
-                <a:solidFill>
-                  <a:schemeClr val="tx1"/>
-                </a:solidFill>
-              </a:endParaRPr>
-            </a:p>
-            <a:p>
-              <a:pPr algn="ctr"/>
-              <a:r>
-                <a:rPr lang="ko-KR" altLang="en-US" sz="1100" dirty="0">
-                  <a:solidFill>
-                    <a:schemeClr val="tx1"/>
-                  </a:solidFill>
-                </a:rPr>
-                <a:t>정보 저장소</a:t>
-              </a:r>
-            </a:p>
-          </p:txBody>
-        </p:sp>
-      </p:grpSp>
-      <p:sp>
-        <p:nvSpPr>
-          <p:cNvPr id="110" name="직사각형 109"/>
-          <p:cNvSpPr/>
-          <p:nvPr/>
-        </p:nvSpPr>
-        <p:spPr>
-          <a:xfrm>
-            <a:off x="4556173" y="897418"/>
-            <a:ext cx="1556992" cy="726131"/>
-          </a:xfrm>
-          <a:prstGeom prst="rect">
-            <a:avLst/>
-          </a:prstGeom>
-          <a:noFill/>
-          <a:ln w="31750">
-            <a:solidFill>
-              <a:schemeClr val="accent1">
-                <a:shade val="50000"/>
-              </a:schemeClr>
-            </a:solidFill>
-          </a:ln>
-        </p:spPr>
-        <p:style>
-          <a:lnRef idx="2">
-            <a:schemeClr val="accent1">
-              <a:shade val="50000"/>
-            </a:schemeClr>
-          </a:lnRef>
-          <a:fillRef idx="1">
-            <a:schemeClr val="accent1"/>
-          </a:fillRef>
-          <a:effectRef idx="0">
-            <a:schemeClr val="accent1"/>
-          </a:effectRef>
-          <a:fontRef idx="minor">
-            <a:schemeClr val="lt1"/>
-          </a:fontRef>
-        </p:style>
-        <p:txBody>
-          <a:bodyPr rtlCol="0" anchor="ctr"/>
-          <a:lstStyle/>
-          <a:p>
-            <a:pPr algn="ctr"/>
-            <a:r>
-              <a:rPr lang="ko-KR" altLang="en-US" sz="1100" dirty="0">
-                <a:solidFill>
-                  <a:sysClr val="windowText" lastClr="000000"/>
-                </a:solidFill>
-              </a:rPr>
-              <a:t>강의평가 질문 수정</a:t>
-            </a:r>
+            </a:endParaRPr>
           </a:p>
         </p:txBody>
       </p:sp>
@@ -5564,6 +3970,1432 @@
           </a:p>
         </p:txBody>
       </p:sp>
+      <p:sp>
+        <p:nvSpPr>
+          <p:cNvPr id="72" name="직사각형 71"/>
+          <p:cNvSpPr/>
+          <p:nvPr/>
+        </p:nvSpPr>
+        <p:spPr>
+          <a:xfrm>
+            <a:off x="3023756" y="7040155"/>
+            <a:ext cx="1556992" cy="726131"/>
+          </a:xfrm>
+          <a:prstGeom prst="rect">
+            <a:avLst/>
+          </a:prstGeom>
+          <a:noFill/>
+          <a:ln w="31750">
+            <a:solidFill>
+              <a:schemeClr val="accent1">
+                <a:shade val="50000"/>
+              </a:schemeClr>
+            </a:solidFill>
+          </a:ln>
+        </p:spPr>
+        <p:style>
+          <a:lnRef idx="2">
+            <a:schemeClr val="accent1">
+              <a:shade val="50000"/>
+            </a:schemeClr>
+          </a:lnRef>
+          <a:fillRef idx="1">
+            <a:schemeClr val="accent1"/>
+          </a:fillRef>
+          <a:effectRef idx="0">
+            <a:schemeClr val="accent1"/>
+          </a:effectRef>
+          <a:fontRef idx="minor">
+            <a:schemeClr val="lt1"/>
+          </a:fontRef>
+        </p:style>
+        <p:txBody>
+          <a:bodyPr rtlCol="0" anchor="ctr"/>
+          <a:lstStyle/>
+          <a:p>
+            <a:pPr algn="ctr"/>
+            <a:r>
+              <a:rPr lang="ko-KR" altLang="en-US" sz="1100" dirty="0">
+                <a:solidFill>
+                  <a:sysClr val="windowText" lastClr="000000"/>
+                </a:solidFill>
+              </a:rPr>
+              <a:t>강의평가 질문 수정</a:t>
+            </a:r>
+            <a:br>
+              <a:rPr lang="en-US" altLang="ko-KR" sz="1100" dirty="0">
+                <a:solidFill>
+                  <a:sysClr val="windowText" lastClr="000000"/>
+                </a:solidFill>
+              </a:rPr>
+            </a:br>
+            <a:r>
+              <a:rPr lang="ko-KR" altLang="en-US" sz="1100" dirty="0">
+                <a:solidFill>
+                  <a:sysClr val="windowText" lastClr="000000"/>
+                </a:solidFill>
+              </a:rPr>
+              <a:t>정보 입력</a:t>
+            </a:r>
+          </a:p>
+        </p:txBody>
+      </p:sp>
+      <p:cxnSp>
+        <p:nvCxnSpPr>
+          <p:cNvPr id="73" name="직선 화살표 연결선 72"/>
+          <p:cNvCxnSpPr>
+            <a:endCxn id="72" idx="0"/>
+          </p:cNvCxnSpPr>
+          <p:nvPr/>
+        </p:nvCxnSpPr>
+        <p:spPr>
+          <a:xfrm flipH="1">
+            <a:off x="3802252" y="4024900"/>
+            <a:ext cx="3716977" cy="3015255"/>
+          </a:xfrm>
+          <a:prstGeom prst="straightConnector1">
+            <a:avLst/>
+          </a:prstGeom>
+          <a:ln w="38100">
+            <a:headEnd w="lg" len="lg"/>
+            <a:tailEnd type="triangle"/>
+          </a:ln>
+        </p:spPr>
+        <p:style>
+          <a:lnRef idx="1">
+            <a:schemeClr val="accent1"/>
+          </a:lnRef>
+          <a:fillRef idx="0">
+            <a:schemeClr val="accent1"/>
+          </a:fillRef>
+          <a:effectRef idx="0">
+            <a:schemeClr val="accent1"/>
+          </a:effectRef>
+          <a:fontRef idx="minor">
+            <a:schemeClr val="tx1"/>
+          </a:fontRef>
+        </p:style>
+      </p:cxnSp>
+      <p:sp>
+        <p:nvSpPr>
+          <p:cNvPr id="74" name="직사각형 73"/>
+          <p:cNvSpPr/>
+          <p:nvPr/>
+        </p:nvSpPr>
+        <p:spPr>
+          <a:xfrm>
+            <a:off x="6704629" y="7944643"/>
+            <a:ext cx="1556992" cy="726131"/>
+          </a:xfrm>
+          <a:prstGeom prst="rect">
+            <a:avLst/>
+          </a:prstGeom>
+          <a:noFill/>
+          <a:ln w="31750">
+            <a:solidFill>
+              <a:schemeClr val="accent1">
+                <a:shade val="50000"/>
+              </a:schemeClr>
+            </a:solidFill>
+          </a:ln>
+        </p:spPr>
+        <p:style>
+          <a:lnRef idx="2">
+            <a:schemeClr val="accent1">
+              <a:shade val="50000"/>
+            </a:schemeClr>
+          </a:lnRef>
+          <a:fillRef idx="1">
+            <a:schemeClr val="accent1"/>
+          </a:fillRef>
+          <a:effectRef idx="0">
+            <a:schemeClr val="accent1"/>
+          </a:effectRef>
+          <a:fontRef idx="minor">
+            <a:schemeClr val="lt1"/>
+          </a:fontRef>
+        </p:style>
+        <p:txBody>
+          <a:bodyPr rtlCol="0" anchor="ctr"/>
+          <a:lstStyle/>
+          <a:p>
+            <a:pPr algn="ctr"/>
+            <a:r>
+              <a:rPr lang="ko-KR" altLang="en-US" sz="1100" dirty="0">
+                <a:solidFill>
+                  <a:sysClr val="windowText" lastClr="000000"/>
+                </a:solidFill>
+              </a:rPr>
+              <a:t>강의평가 질문 </a:t>
+            </a:r>
+            <a:br>
+              <a:rPr lang="en-US" altLang="ko-KR" sz="1100" dirty="0">
+                <a:solidFill>
+                  <a:sysClr val="windowText" lastClr="000000"/>
+                </a:solidFill>
+              </a:rPr>
+            </a:br>
+            <a:r>
+              <a:rPr lang="ko-KR" altLang="en-US" sz="1100" dirty="0">
+                <a:solidFill>
+                  <a:sysClr val="windowText" lastClr="000000"/>
+                </a:solidFill>
+              </a:rPr>
+              <a:t>수정 처리</a:t>
+            </a:r>
+          </a:p>
+        </p:txBody>
+      </p:sp>
+      <p:sp>
+        <p:nvSpPr>
+          <p:cNvPr id="75" name="직사각형 74"/>
+          <p:cNvSpPr/>
+          <p:nvPr/>
+        </p:nvSpPr>
+        <p:spPr>
+          <a:xfrm>
+            <a:off x="11230432" y="7040155"/>
+            <a:ext cx="1556992" cy="726131"/>
+          </a:xfrm>
+          <a:prstGeom prst="rect">
+            <a:avLst/>
+          </a:prstGeom>
+          <a:noFill/>
+          <a:ln w="31750">
+            <a:solidFill>
+              <a:schemeClr val="accent1">
+                <a:shade val="50000"/>
+              </a:schemeClr>
+            </a:solidFill>
+          </a:ln>
+        </p:spPr>
+        <p:style>
+          <a:lnRef idx="2">
+            <a:schemeClr val="accent1">
+              <a:shade val="50000"/>
+            </a:schemeClr>
+          </a:lnRef>
+          <a:fillRef idx="1">
+            <a:schemeClr val="accent1"/>
+          </a:fillRef>
+          <a:effectRef idx="0">
+            <a:schemeClr val="accent1"/>
+          </a:effectRef>
+          <a:fontRef idx="minor">
+            <a:schemeClr val="lt1"/>
+          </a:fontRef>
+        </p:style>
+        <p:txBody>
+          <a:bodyPr rtlCol="0" anchor="ctr"/>
+          <a:lstStyle/>
+          <a:p>
+            <a:pPr algn="ctr"/>
+            <a:r>
+              <a:rPr lang="ko-KR" altLang="en-US" sz="1100" dirty="0">
+                <a:solidFill>
+                  <a:sysClr val="windowText" lastClr="000000"/>
+                </a:solidFill>
+              </a:rPr>
+              <a:t>수정 결과 출력</a:t>
+            </a:r>
+          </a:p>
+        </p:txBody>
+      </p:sp>
+      <p:cxnSp>
+        <p:nvCxnSpPr>
+          <p:cNvPr id="76" name="직선 화살표 연결선 75"/>
+          <p:cNvCxnSpPr>
+            <a:endCxn id="151" idx="0"/>
+          </p:cNvCxnSpPr>
+          <p:nvPr/>
+        </p:nvCxnSpPr>
+        <p:spPr>
+          <a:xfrm flipH="1">
+            <a:off x="4964669" y="4029876"/>
+            <a:ext cx="2881229" cy="3953500"/>
+          </a:xfrm>
+          <a:prstGeom prst="straightConnector1">
+            <a:avLst/>
+          </a:prstGeom>
+          <a:ln w="38100">
+            <a:headEnd w="lg" len="lg"/>
+            <a:tailEnd type="triangle"/>
+          </a:ln>
+        </p:spPr>
+        <p:style>
+          <a:lnRef idx="1">
+            <a:schemeClr val="accent1"/>
+          </a:lnRef>
+          <a:fillRef idx="0">
+            <a:schemeClr val="accent1"/>
+          </a:fillRef>
+          <a:effectRef idx="0">
+            <a:schemeClr val="accent1"/>
+          </a:effectRef>
+          <a:fontRef idx="minor">
+            <a:schemeClr val="tx1"/>
+          </a:fontRef>
+        </p:style>
+      </p:cxnSp>
+      <p:cxnSp>
+        <p:nvCxnSpPr>
+          <p:cNvPr id="77" name="직선 화살표 연결선 76"/>
+          <p:cNvCxnSpPr>
+            <a:endCxn id="75" idx="0"/>
+          </p:cNvCxnSpPr>
+          <p:nvPr/>
+        </p:nvCxnSpPr>
+        <p:spPr>
+          <a:xfrm>
+            <a:off x="8619839" y="4021933"/>
+            <a:ext cx="3389089" cy="3018222"/>
+          </a:xfrm>
+          <a:prstGeom prst="straightConnector1">
+            <a:avLst/>
+          </a:prstGeom>
+          <a:ln w="38100">
+            <a:headEnd w="lg" len="lg"/>
+            <a:tailEnd type="triangle"/>
+          </a:ln>
+        </p:spPr>
+        <p:style>
+          <a:lnRef idx="1">
+            <a:schemeClr val="accent1"/>
+          </a:lnRef>
+          <a:fillRef idx="0">
+            <a:schemeClr val="accent1"/>
+          </a:fillRef>
+          <a:effectRef idx="0">
+            <a:schemeClr val="accent1"/>
+          </a:effectRef>
+          <a:fontRef idx="minor">
+            <a:schemeClr val="tx1"/>
+          </a:fontRef>
+        </p:style>
+      </p:cxnSp>
+      <p:grpSp>
+        <p:nvGrpSpPr>
+          <p:cNvPr id="78" name="그룹 77"/>
+          <p:cNvGrpSpPr/>
+          <p:nvPr/>
+        </p:nvGrpSpPr>
+        <p:grpSpPr>
+          <a:xfrm rot="282253">
+            <a:off x="10249894" y="5103216"/>
+            <a:ext cx="465295" cy="429840"/>
+            <a:chOff x="5764817" y="2081712"/>
+            <a:chExt cx="465295" cy="429840"/>
+          </a:xfrm>
+        </p:grpSpPr>
+        <p:sp>
+          <p:nvSpPr>
+            <p:cNvPr id="79" name="타원 78"/>
+            <p:cNvSpPr/>
+            <p:nvPr/>
+          </p:nvSpPr>
+          <p:spPr>
+            <a:xfrm>
+              <a:off x="5764817" y="2081712"/>
+              <a:ext cx="254984" cy="254984"/>
+            </a:xfrm>
+            <a:prstGeom prst="ellipse">
+              <a:avLst/>
+            </a:prstGeom>
+            <a:noFill/>
+            <a:ln w="38100">
+              <a:solidFill>
+                <a:schemeClr val="accent1"/>
+              </a:solidFill>
+            </a:ln>
+          </p:spPr>
+          <p:style>
+            <a:lnRef idx="2">
+              <a:schemeClr val="accent1">
+                <a:shade val="50000"/>
+              </a:schemeClr>
+            </a:lnRef>
+            <a:fillRef idx="1">
+              <a:schemeClr val="accent1"/>
+            </a:fillRef>
+            <a:effectRef idx="0">
+              <a:schemeClr val="accent1"/>
+            </a:effectRef>
+            <a:fontRef idx="minor">
+              <a:schemeClr val="lt1"/>
+            </a:fontRef>
+          </p:style>
+          <p:txBody>
+            <a:bodyPr rtlCol="0" anchor="ctr"/>
+            <a:lstStyle/>
+            <a:p>
+              <a:pPr algn="ctr"/>
+              <a:endParaRPr lang="ko-KR" altLang="en-US"/>
+            </a:p>
+          </p:txBody>
+        </p:sp>
+        <p:cxnSp>
+          <p:nvCxnSpPr>
+            <p:cNvPr id="80" name="직선 연결선 79"/>
+            <p:cNvCxnSpPr>
+              <a:endCxn id="79" idx="5"/>
+            </p:cNvCxnSpPr>
+            <p:nvPr/>
+          </p:nvCxnSpPr>
+          <p:spPr>
+            <a:xfrm flipH="1" flipV="1">
+              <a:off x="5982459" y="2299354"/>
+              <a:ext cx="247653" cy="212198"/>
+            </a:xfrm>
+            <a:prstGeom prst="line">
+              <a:avLst/>
+            </a:prstGeom>
+            <a:ln w="38100">
+              <a:headEnd type="stealth" w="lg" len="lg"/>
+            </a:ln>
+          </p:spPr>
+          <p:style>
+            <a:lnRef idx="1">
+              <a:schemeClr val="accent1"/>
+            </a:lnRef>
+            <a:fillRef idx="0">
+              <a:schemeClr val="accent1"/>
+            </a:fillRef>
+            <a:effectRef idx="0">
+              <a:schemeClr val="accent1"/>
+            </a:effectRef>
+            <a:fontRef idx="minor">
+              <a:schemeClr val="tx1"/>
+            </a:fontRef>
+          </p:style>
+        </p:cxnSp>
+      </p:grpSp>
+      <p:sp>
+        <p:nvSpPr>
+          <p:cNvPr id="81" name="TextBox 80"/>
+          <p:cNvSpPr txBox="1"/>
+          <p:nvPr/>
+        </p:nvSpPr>
+        <p:spPr>
+          <a:xfrm rot="2557281">
+            <a:off x="10375697" y="5129146"/>
+            <a:ext cx="798617" cy="261610"/>
+          </a:xfrm>
+          <a:prstGeom prst="rect">
+            <a:avLst/>
+          </a:prstGeom>
+          <a:noFill/>
+        </p:spPr>
+        <p:txBody>
+          <a:bodyPr wrap="none" rtlCol="0">
+            <a:spAutoFit/>
+          </a:bodyPr>
+          <a:lstStyle/>
+          <a:p>
+            <a:r>
+              <a:rPr lang="ko-KR" altLang="en-US" sz="1100" dirty="0"/>
+              <a:t>수정 결과</a:t>
+            </a:r>
+            <a:endParaRPr lang="ko-KR" altLang="en-US" sz="1600" dirty="0"/>
+          </a:p>
+        </p:txBody>
+      </p:sp>
+      <p:grpSp>
+        <p:nvGrpSpPr>
+          <p:cNvPr id="82" name="그룹 81"/>
+          <p:cNvGrpSpPr/>
+          <p:nvPr/>
+        </p:nvGrpSpPr>
+        <p:grpSpPr>
+          <a:xfrm rot="16602684">
+            <a:off x="4950895" y="5387829"/>
+            <a:ext cx="465295" cy="429840"/>
+            <a:chOff x="5764817" y="2081712"/>
+            <a:chExt cx="465295" cy="429840"/>
+          </a:xfrm>
+        </p:grpSpPr>
+        <p:sp>
+          <p:nvSpPr>
+            <p:cNvPr id="83" name="타원 82"/>
+            <p:cNvSpPr/>
+            <p:nvPr/>
+          </p:nvSpPr>
+          <p:spPr>
+            <a:xfrm>
+              <a:off x="5764817" y="2081712"/>
+              <a:ext cx="254984" cy="254984"/>
+            </a:xfrm>
+            <a:prstGeom prst="ellipse">
+              <a:avLst/>
+            </a:prstGeom>
+            <a:noFill/>
+            <a:ln w="38100">
+              <a:solidFill>
+                <a:schemeClr val="accent1"/>
+              </a:solidFill>
+            </a:ln>
+          </p:spPr>
+          <p:style>
+            <a:lnRef idx="2">
+              <a:schemeClr val="accent1">
+                <a:shade val="50000"/>
+              </a:schemeClr>
+            </a:lnRef>
+            <a:fillRef idx="1">
+              <a:schemeClr val="accent1"/>
+            </a:fillRef>
+            <a:effectRef idx="0">
+              <a:schemeClr val="accent1"/>
+            </a:effectRef>
+            <a:fontRef idx="minor">
+              <a:schemeClr val="lt1"/>
+            </a:fontRef>
+          </p:style>
+          <p:txBody>
+            <a:bodyPr rtlCol="0" anchor="ctr"/>
+            <a:lstStyle/>
+            <a:p>
+              <a:pPr algn="ctr"/>
+              <a:endParaRPr lang="ko-KR" altLang="en-US"/>
+            </a:p>
+          </p:txBody>
+        </p:sp>
+        <p:cxnSp>
+          <p:nvCxnSpPr>
+            <p:cNvPr id="84" name="직선 연결선 83"/>
+            <p:cNvCxnSpPr>
+              <a:endCxn id="83" idx="5"/>
+            </p:cNvCxnSpPr>
+            <p:nvPr/>
+          </p:nvCxnSpPr>
+          <p:spPr>
+            <a:xfrm flipH="1" flipV="1">
+              <a:off x="5982459" y="2299354"/>
+              <a:ext cx="247653" cy="212198"/>
+            </a:xfrm>
+            <a:prstGeom prst="line">
+              <a:avLst/>
+            </a:prstGeom>
+            <a:ln w="38100">
+              <a:headEnd type="stealth" w="lg" len="lg"/>
+            </a:ln>
+          </p:spPr>
+          <p:style>
+            <a:lnRef idx="1">
+              <a:schemeClr val="accent1"/>
+            </a:lnRef>
+            <a:fillRef idx="0">
+              <a:schemeClr val="accent1"/>
+            </a:fillRef>
+            <a:effectRef idx="0">
+              <a:schemeClr val="accent1"/>
+            </a:effectRef>
+            <a:fontRef idx="minor">
+              <a:schemeClr val="tx1"/>
+            </a:fontRef>
+          </p:style>
+        </p:cxnSp>
+      </p:grpSp>
+      <p:sp>
+        <p:nvSpPr>
+          <p:cNvPr id="85" name="TextBox 84"/>
+          <p:cNvSpPr txBox="1"/>
+          <p:nvPr/>
+        </p:nvSpPr>
+        <p:spPr>
+          <a:xfrm rot="19199642">
+            <a:off x="3944451" y="5322027"/>
+            <a:ext cx="2064041" cy="261610"/>
+          </a:xfrm>
+          <a:prstGeom prst="rect">
+            <a:avLst/>
+          </a:prstGeom>
+          <a:noFill/>
+        </p:spPr>
+        <p:txBody>
+          <a:bodyPr wrap="square" rtlCol="0">
+            <a:spAutoFit/>
+          </a:bodyPr>
+          <a:lstStyle/>
+          <a:p>
+            <a:r>
+              <a:rPr lang="ko-KR" altLang="en-US" sz="1100" dirty="0"/>
+              <a:t>강의 평가 질문 수정 정보</a:t>
+            </a:r>
+            <a:endParaRPr lang="ko-KR" altLang="en-US" sz="1600" dirty="0"/>
+          </a:p>
+        </p:txBody>
+      </p:sp>
+      <p:grpSp>
+        <p:nvGrpSpPr>
+          <p:cNvPr id="86" name="그룹 85"/>
+          <p:cNvGrpSpPr/>
+          <p:nvPr/>
+        </p:nvGrpSpPr>
+        <p:grpSpPr>
+          <a:xfrm rot="4096679">
+            <a:off x="7415029" y="5157093"/>
+            <a:ext cx="465295" cy="429840"/>
+            <a:chOff x="5764817" y="2081712"/>
+            <a:chExt cx="465295" cy="429840"/>
+          </a:xfrm>
+        </p:grpSpPr>
+        <p:sp>
+          <p:nvSpPr>
+            <p:cNvPr id="97" name="타원 96"/>
+            <p:cNvSpPr/>
+            <p:nvPr/>
+          </p:nvSpPr>
+          <p:spPr>
+            <a:xfrm>
+              <a:off x="5764817" y="2081712"/>
+              <a:ext cx="254984" cy="254984"/>
+            </a:xfrm>
+            <a:prstGeom prst="ellipse">
+              <a:avLst/>
+            </a:prstGeom>
+            <a:noFill/>
+            <a:ln w="38100">
+              <a:solidFill>
+                <a:schemeClr val="accent1"/>
+              </a:solidFill>
+            </a:ln>
+          </p:spPr>
+          <p:style>
+            <a:lnRef idx="2">
+              <a:schemeClr val="accent1">
+                <a:shade val="50000"/>
+              </a:schemeClr>
+            </a:lnRef>
+            <a:fillRef idx="1">
+              <a:schemeClr val="accent1"/>
+            </a:fillRef>
+            <a:effectRef idx="0">
+              <a:schemeClr val="accent1"/>
+            </a:effectRef>
+            <a:fontRef idx="minor">
+              <a:schemeClr val="lt1"/>
+            </a:fontRef>
+          </p:style>
+          <p:txBody>
+            <a:bodyPr rtlCol="0" anchor="ctr"/>
+            <a:lstStyle/>
+            <a:p>
+              <a:pPr algn="ctr"/>
+              <a:endParaRPr lang="ko-KR" altLang="en-US"/>
+            </a:p>
+          </p:txBody>
+        </p:sp>
+        <p:cxnSp>
+          <p:nvCxnSpPr>
+            <p:cNvPr id="98" name="직선 연결선 97"/>
+            <p:cNvCxnSpPr>
+              <a:endCxn id="97" idx="5"/>
+            </p:cNvCxnSpPr>
+            <p:nvPr/>
+          </p:nvCxnSpPr>
+          <p:spPr>
+            <a:xfrm flipH="1" flipV="1">
+              <a:off x="5982459" y="2299354"/>
+              <a:ext cx="247653" cy="212198"/>
+            </a:xfrm>
+            <a:prstGeom prst="line">
+              <a:avLst/>
+            </a:prstGeom>
+            <a:ln w="38100">
+              <a:headEnd type="stealth" w="lg" len="lg"/>
+            </a:ln>
+          </p:spPr>
+          <p:style>
+            <a:lnRef idx="1">
+              <a:schemeClr val="accent1"/>
+            </a:lnRef>
+            <a:fillRef idx="0">
+              <a:schemeClr val="accent1"/>
+            </a:fillRef>
+            <a:effectRef idx="0">
+              <a:schemeClr val="accent1"/>
+            </a:effectRef>
+            <a:fontRef idx="minor">
+              <a:schemeClr val="tx1"/>
+            </a:fontRef>
+          </p:style>
+        </p:cxnSp>
+      </p:grpSp>
+      <p:sp>
+        <p:nvSpPr>
+          <p:cNvPr id="99" name="TextBox 98"/>
+          <p:cNvSpPr txBox="1"/>
+          <p:nvPr/>
+        </p:nvSpPr>
+        <p:spPr>
+          <a:xfrm rot="17683683">
+            <a:off x="6731300" y="4986371"/>
+            <a:ext cx="1221809" cy="430887"/>
+          </a:xfrm>
+          <a:prstGeom prst="rect">
+            <a:avLst/>
+          </a:prstGeom>
+          <a:noFill/>
+        </p:spPr>
+        <p:txBody>
+          <a:bodyPr wrap="none" rtlCol="0">
+            <a:spAutoFit/>
+          </a:bodyPr>
+          <a:lstStyle/>
+          <a:p>
+            <a:pPr algn="ctr"/>
+            <a:r>
+              <a:rPr lang="ko-KR" altLang="en-US" sz="1100" dirty="0"/>
+              <a:t>수정할 강의평가</a:t>
+            </a:r>
+            <a:endParaRPr lang="en-US" altLang="ko-KR" sz="1100" dirty="0"/>
+          </a:p>
+          <a:p>
+            <a:pPr algn="ctr"/>
+            <a:r>
+              <a:rPr lang="ko-KR" altLang="en-US" sz="1100" dirty="0"/>
+              <a:t>질문 정보</a:t>
+            </a:r>
+            <a:endParaRPr lang="ko-KR" altLang="en-US" sz="1600" dirty="0"/>
+          </a:p>
+        </p:txBody>
+      </p:sp>
+      <p:cxnSp>
+        <p:nvCxnSpPr>
+          <p:cNvPr id="103" name="직선 화살표 연결선 102"/>
+          <p:cNvCxnSpPr>
+            <a:endCxn id="74" idx="0"/>
+          </p:cNvCxnSpPr>
+          <p:nvPr/>
+        </p:nvCxnSpPr>
+        <p:spPr>
+          <a:xfrm flipH="1">
+            <a:off x="7483125" y="4042535"/>
+            <a:ext cx="587445" cy="3902108"/>
+          </a:xfrm>
+          <a:prstGeom prst="straightConnector1">
+            <a:avLst/>
+          </a:prstGeom>
+          <a:ln w="38100">
+            <a:headEnd w="lg" len="lg"/>
+            <a:tailEnd type="triangle"/>
+          </a:ln>
+        </p:spPr>
+        <p:style>
+          <a:lnRef idx="1">
+            <a:schemeClr val="accent1"/>
+          </a:lnRef>
+          <a:fillRef idx="0">
+            <a:schemeClr val="accent1"/>
+          </a:fillRef>
+          <a:effectRef idx="0">
+            <a:schemeClr val="accent1"/>
+          </a:effectRef>
+          <a:fontRef idx="minor">
+            <a:schemeClr val="tx1"/>
+          </a:fontRef>
+        </p:style>
+      </p:cxnSp>
+      <p:grpSp>
+        <p:nvGrpSpPr>
+          <p:cNvPr id="104" name="그룹 103"/>
+          <p:cNvGrpSpPr/>
+          <p:nvPr/>
+        </p:nvGrpSpPr>
+        <p:grpSpPr>
+          <a:xfrm rot="15907832">
+            <a:off x="6032441" y="5630440"/>
+            <a:ext cx="465295" cy="429840"/>
+            <a:chOff x="5764817" y="2081712"/>
+            <a:chExt cx="465295" cy="429840"/>
+          </a:xfrm>
+        </p:grpSpPr>
+        <p:sp>
+          <p:nvSpPr>
+            <p:cNvPr id="105" name="타원 104"/>
+            <p:cNvSpPr/>
+            <p:nvPr/>
+          </p:nvSpPr>
+          <p:spPr>
+            <a:xfrm>
+              <a:off x="5764817" y="2081712"/>
+              <a:ext cx="254984" cy="254984"/>
+            </a:xfrm>
+            <a:prstGeom prst="ellipse">
+              <a:avLst/>
+            </a:prstGeom>
+            <a:noFill/>
+            <a:ln w="38100">
+              <a:solidFill>
+                <a:schemeClr val="accent1"/>
+              </a:solidFill>
+            </a:ln>
+          </p:spPr>
+          <p:style>
+            <a:lnRef idx="2">
+              <a:schemeClr val="accent1">
+                <a:shade val="50000"/>
+              </a:schemeClr>
+            </a:lnRef>
+            <a:fillRef idx="1">
+              <a:schemeClr val="accent1"/>
+            </a:fillRef>
+            <a:effectRef idx="0">
+              <a:schemeClr val="accent1"/>
+            </a:effectRef>
+            <a:fontRef idx="minor">
+              <a:schemeClr val="lt1"/>
+            </a:fontRef>
+          </p:style>
+          <p:txBody>
+            <a:bodyPr rtlCol="0" anchor="ctr"/>
+            <a:lstStyle/>
+            <a:p>
+              <a:pPr algn="ctr"/>
+              <a:endParaRPr lang="ko-KR" altLang="en-US"/>
+            </a:p>
+          </p:txBody>
+        </p:sp>
+        <p:cxnSp>
+          <p:nvCxnSpPr>
+            <p:cNvPr id="106" name="직선 연결선 105"/>
+            <p:cNvCxnSpPr>
+              <a:endCxn id="105" idx="5"/>
+            </p:cNvCxnSpPr>
+            <p:nvPr/>
+          </p:nvCxnSpPr>
+          <p:spPr>
+            <a:xfrm flipH="1" flipV="1">
+              <a:off x="5982459" y="2299354"/>
+              <a:ext cx="247653" cy="212198"/>
+            </a:xfrm>
+            <a:prstGeom prst="line">
+              <a:avLst/>
+            </a:prstGeom>
+            <a:ln w="38100">
+              <a:headEnd type="stealth" w="lg" len="lg"/>
+            </a:ln>
+          </p:spPr>
+          <p:style>
+            <a:lnRef idx="1">
+              <a:schemeClr val="accent1"/>
+            </a:lnRef>
+            <a:fillRef idx="0">
+              <a:schemeClr val="accent1"/>
+            </a:fillRef>
+            <a:effectRef idx="0">
+              <a:schemeClr val="accent1"/>
+            </a:effectRef>
+            <a:fontRef idx="minor">
+              <a:schemeClr val="tx1"/>
+            </a:fontRef>
+          </p:style>
+        </p:cxnSp>
+      </p:grpSp>
+      <p:sp>
+        <p:nvSpPr>
+          <p:cNvPr id="107" name="TextBox 106"/>
+          <p:cNvSpPr txBox="1"/>
+          <p:nvPr/>
+        </p:nvSpPr>
+        <p:spPr>
+          <a:xfrm rot="18636243">
+            <a:off x="5026127" y="5566161"/>
+            <a:ext cx="2065042" cy="261610"/>
+          </a:xfrm>
+          <a:prstGeom prst="rect">
+            <a:avLst/>
+          </a:prstGeom>
+          <a:noFill/>
+        </p:spPr>
+        <p:txBody>
+          <a:bodyPr wrap="square" rtlCol="0">
+            <a:spAutoFit/>
+          </a:bodyPr>
+          <a:lstStyle/>
+          <a:p>
+            <a:r>
+              <a:rPr lang="ko-KR" altLang="en-US" sz="1100" dirty="0"/>
+              <a:t>강의평가 질문 리스트 정보</a:t>
+            </a:r>
+            <a:endParaRPr lang="ko-KR" altLang="en-US" sz="1600" dirty="0"/>
+          </a:p>
+        </p:txBody>
+      </p:sp>
+      <p:grpSp>
+        <p:nvGrpSpPr>
+          <p:cNvPr id="108" name="그룹 107"/>
+          <p:cNvGrpSpPr/>
+          <p:nvPr/>
+        </p:nvGrpSpPr>
+        <p:grpSpPr>
+          <a:xfrm rot="3861689">
+            <a:off x="7144920" y="6652882"/>
+            <a:ext cx="465295" cy="429840"/>
+            <a:chOff x="5764817" y="2081712"/>
+            <a:chExt cx="465295" cy="429840"/>
+          </a:xfrm>
+        </p:grpSpPr>
+        <p:sp>
+          <p:nvSpPr>
+            <p:cNvPr id="109" name="타원 108"/>
+            <p:cNvSpPr/>
+            <p:nvPr/>
+          </p:nvSpPr>
+          <p:spPr>
+            <a:xfrm>
+              <a:off x="5764817" y="2081712"/>
+              <a:ext cx="254984" cy="254984"/>
+            </a:xfrm>
+            <a:prstGeom prst="ellipse">
+              <a:avLst/>
+            </a:prstGeom>
+            <a:noFill/>
+            <a:ln w="38100">
+              <a:solidFill>
+                <a:schemeClr val="accent1"/>
+              </a:solidFill>
+            </a:ln>
+          </p:spPr>
+          <p:style>
+            <a:lnRef idx="2">
+              <a:schemeClr val="accent1">
+                <a:shade val="50000"/>
+              </a:schemeClr>
+            </a:lnRef>
+            <a:fillRef idx="1">
+              <a:schemeClr val="accent1"/>
+            </a:fillRef>
+            <a:effectRef idx="0">
+              <a:schemeClr val="accent1"/>
+            </a:effectRef>
+            <a:fontRef idx="minor">
+              <a:schemeClr val="lt1"/>
+            </a:fontRef>
+          </p:style>
+          <p:txBody>
+            <a:bodyPr rtlCol="0" anchor="ctr"/>
+            <a:lstStyle/>
+            <a:p>
+              <a:pPr algn="ctr"/>
+              <a:endParaRPr lang="ko-KR" altLang="en-US"/>
+            </a:p>
+          </p:txBody>
+        </p:sp>
+        <p:cxnSp>
+          <p:nvCxnSpPr>
+            <p:cNvPr id="145" name="직선 연결선 144"/>
+            <p:cNvCxnSpPr>
+              <a:endCxn id="109" idx="5"/>
+            </p:cNvCxnSpPr>
+            <p:nvPr/>
+          </p:nvCxnSpPr>
+          <p:spPr>
+            <a:xfrm flipH="1" flipV="1">
+              <a:off x="5982459" y="2299354"/>
+              <a:ext cx="247653" cy="212198"/>
+            </a:xfrm>
+            <a:prstGeom prst="line">
+              <a:avLst/>
+            </a:prstGeom>
+            <a:ln w="38100">
+              <a:headEnd type="stealth" w="lg" len="lg"/>
+            </a:ln>
+          </p:spPr>
+          <p:style>
+            <a:lnRef idx="1">
+              <a:schemeClr val="accent1"/>
+            </a:lnRef>
+            <a:fillRef idx="0">
+              <a:schemeClr val="accent1"/>
+            </a:fillRef>
+            <a:effectRef idx="0">
+              <a:schemeClr val="accent1"/>
+            </a:effectRef>
+            <a:fontRef idx="minor">
+              <a:schemeClr val="tx1"/>
+            </a:fontRef>
+          </p:style>
+        </p:cxnSp>
+      </p:grpSp>
+      <p:sp>
+        <p:nvSpPr>
+          <p:cNvPr id="146" name="TextBox 145"/>
+          <p:cNvSpPr txBox="1"/>
+          <p:nvPr/>
+        </p:nvSpPr>
+        <p:spPr>
+          <a:xfrm rot="16966098">
+            <a:off x="6181889" y="6639111"/>
+            <a:ext cx="1885453" cy="261610"/>
+          </a:xfrm>
+          <a:prstGeom prst="rect">
+            <a:avLst/>
+          </a:prstGeom>
+          <a:noFill/>
+        </p:spPr>
+        <p:txBody>
+          <a:bodyPr wrap="none" rtlCol="0">
+            <a:spAutoFit/>
+          </a:bodyPr>
+          <a:lstStyle/>
+          <a:p>
+            <a:r>
+              <a:rPr lang="ko-KR" altLang="en-US" sz="1100" dirty="0"/>
+              <a:t>강의평가 질문 리스트 정보</a:t>
+            </a:r>
+            <a:endParaRPr lang="ko-KR" altLang="en-US" sz="1600" dirty="0"/>
+          </a:p>
+        </p:txBody>
+      </p:sp>
+      <p:grpSp>
+        <p:nvGrpSpPr>
+          <p:cNvPr id="147" name="그룹 146"/>
+          <p:cNvGrpSpPr/>
+          <p:nvPr/>
+        </p:nvGrpSpPr>
+        <p:grpSpPr>
+          <a:xfrm rot="14100084">
+            <a:off x="7723848" y="6533858"/>
+            <a:ext cx="465295" cy="429840"/>
+            <a:chOff x="5764817" y="2081712"/>
+            <a:chExt cx="465295" cy="429840"/>
+          </a:xfrm>
+        </p:grpSpPr>
+        <p:sp>
+          <p:nvSpPr>
+            <p:cNvPr id="148" name="타원 147"/>
+            <p:cNvSpPr/>
+            <p:nvPr/>
+          </p:nvSpPr>
+          <p:spPr>
+            <a:xfrm>
+              <a:off x="5764817" y="2081712"/>
+              <a:ext cx="254984" cy="254984"/>
+            </a:xfrm>
+            <a:prstGeom prst="ellipse">
+              <a:avLst/>
+            </a:prstGeom>
+            <a:solidFill>
+              <a:schemeClr val="accent1"/>
+            </a:solidFill>
+            <a:ln w="38100">
+              <a:solidFill>
+                <a:schemeClr val="accent1"/>
+              </a:solidFill>
+            </a:ln>
+          </p:spPr>
+          <p:style>
+            <a:lnRef idx="2">
+              <a:schemeClr val="accent1">
+                <a:shade val="50000"/>
+              </a:schemeClr>
+            </a:lnRef>
+            <a:fillRef idx="1">
+              <a:schemeClr val="accent1"/>
+            </a:fillRef>
+            <a:effectRef idx="0">
+              <a:schemeClr val="accent1"/>
+            </a:effectRef>
+            <a:fontRef idx="minor">
+              <a:schemeClr val="lt1"/>
+            </a:fontRef>
+          </p:style>
+          <p:txBody>
+            <a:bodyPr rtlCol="0" anchor="ctr"/>
+            <a:lstStyle/>
+            <a:p>
+              <a:pPr algn="ctr"/>
+              <a:endParaRPr lang="ko-KR" altLang="en-US"/>
+            </a:p>
+          </p:txBody>
+        </p:sp>
+        <p:cxnSp>
+          <p:nvCxnSpPr>
+            <p:cNvPr id="149" name="직선 연결선 148"/>
+            <p:cNvCxnSpPr>
+              <a:endCxn id="148" idx="5"/>
+            </p:cNvCxnSpPr>
+            <p:nvPr/>
+          </p:nvCxnSpPr>
+          <p:spPr>
+            <a:xfrm flipH="1" flipV="1">
+              <a:off x="5982459" y="2299354"/>
+              <a:ext cx="247653" cy="212198"/>
+            </a:xfrm>
+            <a:prstGeom prst="line">
+              <a:avLst/>
+            </a:prstGeom>
+            <a:ln w="38100">
+              <a:headEnd type="stealth" w="lg" len="lg"/>
+            </a:ln>
+          </p:spPr>
+          <p:style>
+            <a:lnRef idx="1">
+              <a:schemeClr val="accent1"/>
+            </a:lnRef>
+            <a:fillRef idx="0">
+              <a:schemeClr val="accent1"/>
+            </a:fillRef>
+            <a:effectRef idx="0">
+              <a:schemeClr val="accent1"/>
+            </a:effectRef>
+            <a:fontRef idx="minor">
+              <a:schemeClr val="tx1"/>
+            </a:fontRef>
+          </p:style>
+        </p:cxnSp>
+      </p:grpSp>
+      <p:sp>
+        <p:nvSpPr>
+          <p:cNvPr id="150" name="TextBox 149"/>
+          <p:cNvSpPr txBox="1"/>
+          <p:nvPr/>
+        </p:nvSpPr>
+        <p:spPr>
+          <a:xfrm rot="5735757">
+            <a:off x="7614075" y="6580589"/>
+            <a:ext cx="1462260" cy="430887"/>
+          </a:xfrm>
+          <a:prstGeom prst="rect">
+            <a:avLst/>
+          </a:prstGeom>
+          <a:noFill/>
+        </p:spPr>
+        <p:txBody>
+          <a:bodyPr wrap="none" rtlCol="0">
+            <a:spAutoFit/>
+          </a:bodyPr>
+          <a:lstStyle/>
+          <a:p>
+            <a:pPr algn="ctr"/>
+            <a:r>
+              <a:rPr lang="ko-KR" altLang="en-US" sz="1100" dirty="0"/>
+              <a:t>강의 평가 질문 수정</a:t>
+            </a:r>
+            <a:endParaRPr lang="en-US" altLang="ko-KR" sz="1100" dirty="0"/>
+          </a:p>
+          <a:p>
+            <a:pPr algn="ctr"/>
+            <a:r>
+              <a:rPr lang="ko-KR" altLang="en-US" sz="1100" dirty="0"/>
+              <a:t> 성공 여부</a:t>
+            </a:r>
+            <a:endParaRPr lang="ko-KR" altLang="en-US" sz="1600" dirty="0"/>
+          </a:p>
+        </p:txBody>
+      </p:sp>
+      <p:sp>
+        <p:nvSpPr>
+          <p:cNvPr id="151" name="직사각형 150"/>
+          <p:cNvSpPr/>
+          <p:nvPr/>
+        </p:nvSpPr>
+        <p:spPr>
+          <a:xfrm>
+            <a:off x="4186173" y="7983376"/>
+            <a:ext cx="1556992" cy="726131"/>
+          </a:xfrm>
+          <a:prstGeom prst="rect">
+            <a:avLst/>
+          </a:prstGeom>
+          <a:noFill/>
+          <a:ln w="31750">
+            <a:solidFill>
+              <a:schemeClr val="accent1">
+                <a:shade val="50000"/>
+              </a:schemeClr>
+            </a:solidFill>
+          </a:ln>
+        </p:spPr>
+        <p:style>
+          <a:lnRef idx="2">
+            <a:schemeClr val="accent1">
+              <a:shade val="50000"/>
+            </a:schemeClr>
+          </a:lnRef>
+          <a:fillRef idx="1">
+            <a:schemeClr val="accent1"/>
+          </a:fillRef>
+          <a:effectRef idx="0">
+            <a:schemeClr val="accent1"/>
+          </a:effectRef>
+          <a:fontRef idx="minor">
+            <a:schemeClr val="lt1"/>
+          </a:fontRef>
+        </p:style>
+        <p:txBody>
+          <a:bodyPr rtlCol="0" anchor="ctr"/>
+          <a:lstStyle/>
+          <a:p>
+            <a:pPr algn="ctr"/>
+            <a:r>
+              <a:rPr lang="ko-KR" altLang="en-US" sz="1100" dirty="0">
+                <a:solidFill>
+                  <a:sysClr val="windowText" lastClr="000000"/>
+                </a:solidFill>
+              </a:rPr>
+              <a:t>강의 평가 질문 정보</a:t>
+            </a:r>
+            <a:endParaRPr lang="en-US" altLang="ko-KR" sz="1100" dirty="0">
+              <a:solidFill>
+                <a:sysClr val="windowText" lastClr="000000"/>
+              </a:solidFill>
+            </a:endParaRPr>
+          </a:p>
+          <a:p>
+            <a:pPr algn="ctr"/>
+            <a:r>
+              <a:rPr lang="ko-KR" altLang="en-US" sz="1100" dirty="0">
+                <a:solidFill>
+                  <a:sysClr val="windowText" lastClr="000000"/>
+                </a:solidFill>
+              </a:rPr>
+              <a:t>읽음</a:t>
+            </a:r>
+          </a:p>
+        </p:txBody>
+      </p:sp>
+      <p:sp>
+        <p:nvSpPr>
+          <p:cNvPr id="152" name="직사각형 151"/>
+          <p:cNvSpPr/>
+          <p:nvPr/>
+        </p:nvSpPr>
+        <p:spPr>
+          <a:xfrm>
+            <a:off x="9351360" y="7895963"/>
+            <a:ext cx="1556992" cy="726131"/>
+          </a:xfrm>
+          <a:prstGeom prst="rect">
+            <a:avLst/>
+          </a:prstGeom>
+          <a:noFill/>
+          <a:ln w="31750">
+            <a:solidFill>
+              <a:schemeClr val="accent1">
+                <a:shade val="50000"/>
+              </a:schemeClr>
+            </a:solidFill>
+          </a:ln>
+        </p:spPr>
+        <p:style>
+          <a:lnRef idx="2">
+            <a:schemeClr val="accent1">
+              <a:shade val="50000"/>
+            </a:schemeClr>
+          </a:lnRef>
+          <a:fillRef idx="1">
+            <a:schemeClr val="accent1"/>
+          </a:fillRef>
+          <a:effectRef idx="0">
+            <a:schemeClr val="accent1"/>
+          </a:effectRef>
+          <a:fontRef idx="minor">
+            <a:schemeClr val="lt1"/>
+          </a:fontRef>
+        </p:style>
+        <p:txBody>
+          <a:bodyPr rtlCol="0" anchor="ctr"/>
+          <a:lstStyle/>
+          <a:p>
+            <a:pPr algn="ctr"/>
+            <a:r>
+              <a:rPr lang="ko-KR" altLang="en-US" sz="1100" dirty="0">
+                <a:solidFill>
+                  <a:sysClr val="windowText" lastClr="000000"/>
+                </a:solidFill>
+              </a:rPr>
+              <a:t>강의 평가 질문 정보</a:t>
+            </a:r>
+            <a:endParaRPr lang="en-US" altLang="ko-KR" sz="1100" dirty="0">
+              <a:solidFill>
+                <a:sysClr val="windowText" lastClr="000000"/>
+              </a:solidFill>
+            </a:endParaRPr>
+          </a:p>
+          <a:p>
+            <a:pPr algn="ctr"/>
+            <a:r>
+              <a:rPr lang="ko-KR" altLang="en-US" sz="1100" dirty="0">
+                <a:solidFill>
+                  <a:sysClr val="windowText" lastClr="000000"/>
+                </a:solidFill>
+              </a:rPr>
+              <a:t>저장</a:t>
+            </a:r>
+          </a:p>
+        </p:txBody>
+      </p:sp>
+      <p:grpSp>
+        <p:nvGrpSpPr>
+          <p:cNvPr id="153" name="그룹 152"/>
+          <p:cNvGrpSpPr/>
+          <p:nvPr/>
+        </p:nvGrpSpPr>
+        <p:grpSpPr>
+          <a:xfrm rot="1205072">
+            <a:off x="9172209" y="5886525"/>
+            <a:ext cx="465295" cy="429840"/>
+            <a:chOff x="5764817" y="2081712"/>
+            <a:chExt cx="465295" cy="429840"/>
+          </a:xfrm>
+        </p:grpSpPr>
+        <p:sp>
+          <p:nvSpPr>
+            <p:cNvPr id="154" name="타원 153"/>
+            <p:cNvSpPr/>
+            <p:nvPr/>
+          </p:nvSpPr>
+          <p:spPr>
+            <a:xfrm>
+              <a:off x="5764817" y="2081712"/>
+              <a:ext cx="254984" cy="254984"/>
+            </a:xfrm>
+            <a:prstGeom prst="ellipse">
+              <a:avLst/>
+            </a:prstGeom>
+            <a:noFill/>
+            <a:ln w="38100">
+              <a:solidFill>
+                <a:schemeClr val="accent1"/>
+              </a:solidFill>
+            </a:ln>
+          </p:spPr>
+          <p:style>
+            <a:lnRef idx="2">
+              <a:schemeClr val="accent1">
+                <a:shade val="50000"/>
+              </a:schemeClr>
+            </a:lnRef>
+            <a:fillRef idx="1">
+              <a:schemeClr val="accent1"/>
+            </a:fillRef>
+            <a:effectRef idx="0">
+              <a:schemeClr val="accent1"/>
+            </a:effectRef>
+            <a:fontRef idx="minor">
+              <a:schemeClr val="lt1"/>
+            </a:fontRef>
+          </p:style>
+          <p:txBody>
+            <a:bodyPr rtlCol="0" anchor="ctr"/>
+            <a:lstStyle/>
+            <a:p>
+              <a:pPr algn="ctr"/>
+              <a:endParaRPr lang="ko-KR" altLang="en-US"/>
+            </a:p>
+          </p:txBody>
+        </p:sp>
+        <p:cxnSp>
+          <p:nvCxnSpPr>
+            <p:cNvPr id="155" name="직선 연결선 154"/>
+            <p:cNvCxnSpPr>
+              <a:endCxn id="154" idx="5"/>
+            </p:cNvCxnSpPr>
+            <p:nvPr/>
+          </p:nvCxnSpPr>
+          <p:spPr>
+            <a:xfrm flipH="1" flipV="1">
+              <a:off x="5982459" y="2299354"/>
+              <a:ext cx="247653" cy="212198"/>
+            </a:xfrm>
+            <a:prstGeom prst="line">
+              <a:avLst/>
+            </a:prstGeom>
+            <a:ln w="38100">
+              <a:headEnd type="stealth" w="lg" len="lg"/>
+            </a:ln>
+          </p:spPr>
+          <p:style>
+            <a:lnRef idx="1">
+              <a:schemeClr val="accent1"/>
+            </a:lnRef>
+            <a:fillRef idx="0">
+              <a:schemeClr val="accent1"/>
+            </a:fillRef>
+            <a:effectRef idx="0">
+              <a:schemeClr val="accent1"/>
+            </a:effectRef>
+            <a:fontRef idx="minor">
+              <a:schemeClr val="tx1"/>
+            </a:fontRef>
+          </p:style>
+        </p:cxnSp>
+      </p:grpSp>
+      <p:sp>
+        <p:nvSpPr>
+          <p:cNvPr id="156" name="TextBox 155"/>
+          <p:cNvSpPr txBox="1"/>
+          <p:nvPr/>
+        </p:nvSpPr>
+        <p:spPr>
+          <a:xfrm rot="3560223">
+            <a:off x="9111825" y="5661411"/>
+            <a:ext cx="1221809" cy="430887"/>
+          </a:xfrm>
+          <a:prstGeom prst="rect">
+            <a:avLst/>
+          </a:prstGeom>
+          <a:noFill/>
+        </p:spPr>
+        <p:txBody>
+          <a:bodyPr wrap="none" rtlCol="0">
+            <a:spAutoFit/>
+          </a:bodyPr>
+          <a:lstStyle/>
+          <a:p>
+            <a:pPr algn="ctr"/>
+            <a:r>
+              <a:rPr lang="ko-KR" altLang="en-US" sz="1100" dirty="0"/>
+              <a:t>수정된 강의평가</a:t>
+            </a:r>
+            <a:endParaRPr lang="en-US" altLang="ko-KR" sz="1100" dirty="0"/>
+          </a:p>
+          <a:p>
+            <a:pPr algn="ctr"/>
+            <a:r>
+              <a:rPr lang="ko-KR" altLang="en-US" sz="1100" dirty="0"/>
+              <a:t>질문 정보</a:t>
+            </a:r>
+            <a:endParaRPr lang="ko-KR" altLang="en-US" sz="1600" dirty="0"/>
+          </a:p>
+        </p:txBody>
+      </p:sp>
+      <p:cxnSp>
+        <p:nvCxnSpPr>
+          <p:cNvPr id="157" name="직선 화살표 연결선 156"/>
+          <p:cNvCxnSpPr/>
+          <p:nvPr/>
+        </p:nvCxnSpPr>
+        <p:spPr>
+          <a:xfrm>
+            <a:off x="8363718" y="4055194"/>
+            <a:ext cx="1299783" cy="3807508"/>
+          </a:xfrm>
+          <a:prstGeom prst="straightConnector1">
+            <a:avLst/>
+          </a:prstGeom>
+          <a:ln w="38100">
+            <a:headEnd w="lg" len="lg"/>
+            <a:tailEnd type="triangle"/>
+          </a:ln>
+        </p:spPr>
+        <p:style>
+          <a:lnRef idx="1">
+            <a:schemeClr val="accent1"/>
+          </a:lnRef>
+          <a:fillRef idx="0">
+            <a:schemeClr val="accent1"/>
+          </a:fillRef>
+          <a:effectRef idx="0">
+            <a:schemeClr val="accent1"/>
+          </a:effectRef>
+          <a:fontRef idx="minor">
+            <a:schemeClr val="tx1"/>
+          </a:fontRef>
+        </p:style>
+      </p:cxnSp>
     </p:spTree>
     <p:extLst>
       <p:ext uri="{BB962C8B-B14F-4D97-AF65-F5344CB8AC3E}">

--- a/SDD 관련 자료/작업 결과물/대화 모형도/강의평가질문수정.pptx
+++ b/SDD 관련 자료/작업 결과물/대화 모형도/강의평가질문수정.pptx
@@ -4614,6 +4614,22 @@
                 </a:solidFill>
               </a:rPr>
               <a:t>강의평가 질문 수정</a:t>
+            </a:r>
+            <a:endParaRPr lang="en-US" altLang="ko-KR" sz="1100" dirty="0">
+              <a:solidFill>
+                <a:sysClr val="windowText" lastClr="000000"/>
+              </a:solidFill>
+            </a:endParaRPr>
+          </a:p>
+          <a:p>
+            <a:pPr algn="ctr"/>
+            <a:r>
+              <a:rPr lang="ko-KR" altLang="en-US" sz="1100" dirty="0">
+                <a:solidFill>
+                  <a:sysClr val="windowText" lastClr="000000"/>
+                </a:solidFill>
+              </a:rPr>
+              <a:t>화면</a:t>
             </a:r>
           </a:p>
         </p:txBody>

--- a/SDD 관련 자료/작업 결과물/대화 모형도/강의평가질문수정.pptx
+++ b/SDD 관련 자료/작업 결과물/대화 모형도/강의평가질문수정.pptx
@@ -2950,13 +2950,13 @@
       </p:grpSpPr>
       <p:sp>
         <p:nvSpPr>
-          <p:cNvPr id="6" name="직사각형 5"/>
+          <p:cNvPr id="72" name="직사각형 71"/>
           <p:cNvSpPr/>
           <p:nvPr/>
         </p:nvSpPr>
         <p:spPr>
           <a:xfrm>
-            <a:off x="3342326" y="7139782"/>
+            <a:off x="4556173" y="897418"/>
             <a:ext cx="1556992" cy="726131"/>
           </a:xfrm>
           <a:prstGeom prst="rect">
@@ -2998,56 +2998,41 @@
                   <a:sysClr val="windowText" lastClr="000000"/>
                 </a:solidFill>
               </a:rPr>
-              <a:t>수정할 강의평가 질문정보 입력</a:t>
-            </a:r>
-          </a:p>
-        </p:txBody>
-      </p:sp>
-      <p:cxnSp>
-        <p:nvCxnSpPr>
-          <p:cNvPr id="7" name="직선 화살표 연결선 6"/>
-          <p:cNvCxnSpPr>
-            <a:endCxn id="6" idx="0"/>
-          </p:cNvCxnSpPr>
-          <p:nvPr/>
-        </p:nvCxnSpPr>
-        <p:spPr>
-          <a:xfrm flipH="1">
-            <a:off x="4120822" y="4027961"/>
-            <a:ext cx="4033762" cy="3111821"/>
-          </a:xfrm>
-          <a:prstGeom prst="straightConnector1">
-            <a:avLst/>
-          </a:prstGeom>
-          <a:ln w="38100">
-            <a:headEnd w="lg" len="lg"/>
-            <a:tailEnd type="triangle"/>
-          </a:ln>
-        </p:spPr>
-        <p:style>
-          <a:lnRef idx="1">
-            <a:schemeClr val="accent1"/>
-          </a:lnRef>
-          <a:fillRef idx="0">
-            <a:schemeClr val="accent1"/>
-          </a:fillRef>
-          <a:effectRef idx="0">
-            <a:schemeClr val="accent1"/>
-          </a:effectRef>
-          <a:fontRef idx="minor">
-            <a:schemeClr val="tx1"/>
-          </a:fontRef>
-        </p:style>
-      </p:cxnSp>
-      <p:sp>
-        <p:nvSpPr>
-          <p:cNvPr id="9" name="직사각형 8"/>
+              <a:t>강의평가 질문 </a:t>
+            </a:r>
+            <a:endParaRPr lang="en-US" altLang="ko-KR" sz="1100" dirty="0">
+              <a:solidFill>
+                <a:sysClr val="windowText" lastClr="000000"/>
+              </a:solidFill>
+            </a:endParaRPr>
+          </a:p>
+          <a:p>
+            <a:pPr algn="ctr"/>
+            <a:r>
+              <a:rPr lang="ko-KR" altLang="en-US" sz="1100" dirty="0">
+                <a:solidFill>
+                  <a:sysClr val="windowText" lastClr="000000"/>
+                </a:solidFill>
+              </a:rPr>
+              <a:t>수정 화면</a:t>
+            </a:r>
+            <a:endParaRPr lang="en-US" altLang="ko-KR" sz="1100" dirty="0">
+              <a:solidFill>
+                <a:sysClr val="windowText" lastClr="000000"/>
+              </a:solidFill>
+            </a:endParaRPr>
+          </a:p>
+        </p:txBody>
+      </p:sp>
+      <p:sp>
+        <p:nvSpPr>
+          <p:cNvPr id="73" name="직사각형 72"/>
           <p:cNvSpPr/>
           <p:nvPr/>
         </p:nvSpPr>
         <p:spPr>
           <a:xfrm>
-            <a:off x="5700356" y="7139782"/>
+            <a:off x="1924002" y="3245626"/>
             <a:ext cx="1556992" cy="726131"/>
           </a:xfrm>
           <a:prstGeom prst="rect">
@@ -3084,33 +3069,62 @@
           <a:p>
             <a:pPr algn="ctr"/>
             <a:r>
-              <a:rPr lang="ko-KR" altLang="en-US" sz="1100">
+              <a:rPr lang="ko-KR" altLang="en-US" sz="1100" dirty="0">
                 <a:solidFill>
-                  <a:sysClr val="windowText" lastClr="000000"/>
+                  <a:schemeClr val="tx1"/>
                 </a:solidFill>
               </a:rPr>
-              <a:t>강의평가 </a:t>
-            </a:r>
-            <a:r>
-              <a:rPr lang="ko-KR" altLang="en-US" sz="1100" dirty="0">
-                <a:solidFill>
-                  <a:sysClr val="windowText" lastClr="000000"/>
-                </a:solidFill>
-              </a:rPr>
-              <a:t>질문 수정 정보 확인</a:t>
-            </a:r>
-          </a:p>
-        </p:txBody>
-      </p:sp>
-      <p:sp>
-        <p:nvSpPr>
-          <p:cNvPr id="10" name="직사각형 9"/>
+              <a:t>권한 체크</a:t>
+            </a:r>
+          </a:p>
+        </p:txBody>
+      </p:sp>
+      <p:cxnSp>
+        <p:nvCxnSpPr>
+          <p:cNvPr id="74" name="직선 화살표 연결선 73"/>
+          <p:cNvCxnSpPr>
+            <a:stCxn id="72" idx="2"/>
+            <a:endCxn id="73" idx="0"/>
+          </p:cNvCxnSpPr>
+          <p:nvPr/>
+        </p:nvCxnSpPr>
+        <p:spPr>
+          <a:xfrm flipH="1">
+            <a:off x="2702498" y="1623549"/>
+            <a:ext cx="2632171" cy="1622077"/>
+          </a:xfrm>
+          <a:prstGeom prst="straightConnector1">
+            <a:avLst/>
+          </a:prstGeom>
+          <a:ln w="38100">
+            <a:headEnd w="lg" len="lg"/>
+            <a:tailEnd type="triangle"/>
+          </a:ln>
+        </p:spPr>
+        <p:style>
+          <a:lnRef idx="1">
+            <a:schemeClr val="accent1"/>
+          </a:lnRef>
+          <a:fillRef idx="0">
+            <a:schemeClr val="accent1"/>
+          </a:fillRef>
+          <a:effectRef idx="0">
+            <a:schemeClr val="accent1"/>
+          </a:effectRef>
+          <a:fontRef idx="minor">
+            <a:schemeClr val="tx1"/>
+          </a:fontRef>
+        </p:style>
+      </p:cxnSp>
+      <p:sp>
+        <p:nvSpPr>
+          <p:cNvPr id="75" name="직사각형 74"/>
           <p:cNvSpPr/>
           <p:nvPr/>
         </p:nvSpPr>
         <p:spPr>
           <a:xfrm>
-            <a:off x="12102990" y="7111016"/>
+            <a:off x="4734478" y="3270714"/>
             <a:ext cx="1556992" cy="726131"/>
           </a:xfrm>
           <a:prstGeom prst="rect">
@@ -3149,60 +3163,320 @@
             <a:r>
               <a:rPr lang="ko-KR" altLang="en-US" sz="1100" dirty="0">
                 <a:solidFill>
-                  <a:sysClr val="windowText" lastClr="000000"/>
+                  <a:schemeClr val="tx1"/>
                 </a:solidFill>
               </a:rPr>
-              <a:t>강의평가 질문 수정 정보 출력</a:t>
-            </a:r>
+              <a:t>화면 출력</a:t>
+            </a:r>
+          </a:p>
+        </p:txBody>
+      </p:sp>
+      <p:grpSp>
+        <p:nvGrpSpPr>
+          <p:cNvPr id="76" name="그룹 75"/>
+          <p:cNvGrpSpPr/>
+          <p:nvPr/>
+        </p:nvGrpSpPr>
+        <p:grpSpPr>
+          <a:xfrm rot="5672329">
+            <a:off x="3313090" y="2189593"/>
+            <a:ext cx="465295" cy="429840"/>
+            <a:chOff x="5764817" y="2081712"/>
+            <a:chExt cx="465295" cy="429840"/>
+          </a:xfrm>
+        </p:grpSpPr>
+        <p:sp>
+          <p:nvSpPr>
+            <p:cNvPr id="77" name="타원 76"/>
+            <p:cNvSpPr/>
+            <p:nvPr/>
+          </p:nvSpPr>
+          <p:spPr>
+            <a:xfrm>
+              <a:off x="5764817" y="2081712"/>
+              <a:ext cx="254984" cy="254984"/>
+            </a:xfrm>
+            <a:prstGeom prst="ellipse">
+              <a:avLst/>
+            </a:prstGeom>
+            <a:noFill/>
+            <a:ln w="38100">
+              <a:solidFill>
+                <a:schemeClr val="accent1"/>
+              </a:solidFill>
+            </a:ln>
+          </p:spPr>
+          <p:style>
+            <a:lnRef idx="2">
+              <a:schemeClr val="accent1">
+                <a:shade val="50000"/>
+              </a:schemeClr>
+            </a:lnRef>
+            <a:fillRef idx="1">
+              <a:schemeClr val="accent1"/>
+            </a:fillRef>
+            <a:effectRef idx="0">
+              <a:schemeClr val="accent1"/>
+            </a:effectRef>
+            <a:fontRef idx="minor">
+              <a:schemeClr val="lt1"/>
+            </a:fontRef>
+          </p:style>
+          <p:txBody>
+            <a:bodyPr rtlCol="0" anchor="ctr"/>
+            <a:lstStyle/>
+            <a:p>
+              <a:pPr algn="ctr"/>
+              <a:endParaRPr lang="ko-KR" altLang="en-US"/>
+            </a:p>
+          </p:txBody>
+        </p:sp>
+        <p:cxnSp>
+          <p:nvCxnSpPr>
+            <p:cNvPr id="78" name="직선 연결선 77"/>
+            <p:cNvCxnSpPr>
+              <a:endCxn id="77" idx="5"/>
+            </p:cNvCxnSpPr>
+            <p:nvPr/>
+          </p:nvCxnSpPr>
+          <p:spPr>
+            <a:xfrm flipH="1" flipV="1">
+              <a:off x="5982459" y="2299354"/>
+              <a:ext cx="247653" cy="212198"/>
+            </a:xfrm>
+            <a:prstGeom prst="line">
+              <a:avLst/>
+            </a:prstGeom>
+            <a:ln w="38100">
+              <a:headEnd type="stealth" w="lg" len="lg"/>
+            </a:ln>
+          </p:spPr>
+          <p:style>
+            <a:lnRef idx="1">
+              <a:schemeClr val="accent1"/>
+            </a:lnRef>
+            <a:fillRef idx="0">
+              <a:schemeClr val="accent1"/>
+            </a:fillRef>
+            <a:effectRef idx="0">
+              <a:schemeClr val="accent1"/>
+            </a:effectRef>
+            <a:fontRef idx="minor">
+              <a:schemeClr val="tx1"/>
+            </a:fontRef>
+          </p:style>
+        </p:cxnSp>
+      </p:grpSp>
+      <p:sp>
+        <p:nvSpPr>
+          <p:cNvPr id="79" name="TextBox 78"/>
+          <p:cNvSpPr txBox="1"/>
+          <p:nvPr/>
+        </p:nvSpPr>
+        <p:spPr>
+          <a:xfrm rot="19188507">
+            <a:off x="2837224" y="2093704"/>
+            <a:ext cx="798617" cy="261610"/>
+          </a:xfrm>
+          <a:prstGeom prst="rect">
+            <a:avLst/>
+          </a:prstGeom>
+          <a:noFill/>
+        </p:spPr>
+        <p:txBody>
+          <a:bodyPr wrap="none" rtlCol="0">
+            <a:spAutoFit/>
+          </a:bodyPr>
+          <a:lstStyle/>
+          <a:p>
+            <a:pPr algn="ctr"/>
+            <a:r>
+              <a:rPr lang="ko-KR" altLang="en-US" sz="1100" dirty="0"/>
+              <a:t>권한 정보</a:t>
+            </a:r>
+            <a:endParaRPr lang="ko-KR" altLang="en-US" sz="1600" dirty="0"/>
+          </a:p>
+        </p:txBody>
+      </p:sp>
+      <p:grpSp>
+        <p:nvGrpSpPr>
+          <p:cNvPr id="80" name="그룹 79"/>
+          <p:cNvGrpSpPr/>
+          <p:nvPr/>
+        </p:nvGrpSpPr>
+        <p:grpSpPr>
+          <a:xfrm rot="2052325">
+            <a:off x="5383774" y="2256778"/>
+            <a:ext cx="465295" cy="429840"/>
+            <a:chOff x="5764817" y="2081712"/>
+            <a:chExt cx="465295" cy="429840"/>
+          </a:xfrm>
+        </p:grpSpPr>
+        <p:sp>
+          <p:nvSpPr>
+            <p:cNvPr id="81" name="타원 80"/>
+            <p:cNvSpPr/>
+            <p:nvPr/>
+          </p:nvSpPr>
+          <p:spPr>
+            <a:xfrm>
+              <a:off x="5764817" y="2081712"/>
+              <a:ext cx="254984" cy="254984"/>
+            </a:xfrm>
+            <a:prstGeom prst="ellipse">
+              <a:avLst/>
+            </a:prstGeom>
+            <a:noFill/>
+            <a:ln w="38100">
+              <a:solidFill>
+                <a:schemeClr val="accent1"/>
+              </a:solidFill>
+            </a:ln>
+          </p:spPr>
+          <p:style>
+            <a:lnRef idx="2">
+              <a:schemeClr val="accent1">
+                <a:shade val="50000"/>
+              </a:schemeClr>
+            </a:lnRef>
+            <a:fillRef idx="1">
+              <a:schemeClr val="accent1"/>
+            </a:fillRef>
+            <a:effectRef idx="0">
+              <a:schemeClr val="accent1"/>
+            </a:effectRef>
+            <a:fontRef idx="minor">
+              <a:schemeClr val="lt1"/>
+            </a:fontRef>
+          </p:style>
+          <p:txBody>
+            <a:bodyPr rtlCol="0" anchor="ctr"/>
+            <a:lstStyle/>
+            <a:p>
+              <a:pPr algn="ctr"/>
+              <a:endParaRPr lang="ko-KR" altLang="en-US"/>
+            </a:p>
+          </p:txBody>
+        </p:sp>
+        <p:cxnSp>
+          <p:nvCxnSpPr>
+            <p:cNvPr id="82" name="직선 연결선 81"/>
+            <p:cNvCxnSpPr>
+              <a:endCxn id="81" idx="5"/>
+            </p:cNvCxnSpPr>
+            <p:nvPr/>
+          </p:nvCxnSpPr>
+          <p:spPr>
+            <a:xfrm flipH="1" flipV="1">
+              <a:off x="5982459" y="2299354"/>
+              <a:ext cx="247653" cy="212198"/>
+            </a:xfrm>
+            <a:prstGeom prst="line">
+              <a:avLst/>
+            </a:prstGeom>
+            <a:ln w="38100">
+              <a:headEnd type="stealth" w="lg" len="lg"/>
+            </a:ln>
+          </p:spPr>
+          <p:style>
+            <a:lnRef idx="1">
+              <a:schemeClr val="accent1"/>
+            </a:lnRef>
+            <a:fillRef idx="0">
+              <a:schemeClr val="accent1"/>
+            </a:fillRef>
+            <a:effectRef idx="0">
+              <a:schemeClr val="accent1"/>
+            </a:effectRef>
+            <a:fontRef idx="minor">
+              <a:schemeClr val="tx1"/>
+            </a:fontRef>
+          </p:style>
+        </p:cxnSp>
+      </p:grpSp>
+      <p:sp>
+        <p:nvSpPr>
+          <p:cNvPr id="83" name="TextBox 82"/>
+          <p:cNvSpPr txBox="1"/>
+          <p:nvPr/>
+        </p:nvSpPr>
+        <p:spPr>
+          <a:xfrm rot="4709987">
+            <a:off x="5594719" y="2355645"/>
+            <a:ext cx="657552" cy="261610"/>
+          </a:xfrm>
+          <a:prstGeom prst="rect">
+            <a:avLst/>
+          </a:prstGeom>
+          <a:noFill/>
+        </p:spPr>
+        <p:txBody>
+          <a:bodyPr wrap="none" rtlCol="0">
+            <a:spAutoFit/>
+          </a:bodyPr>
+          <a:lstStyle/>
+          <a:p>
+            <a:pPr algn="ctr"/>
+            <a:r>
+              <a:rPr lang="ko-KR" altLang="en-US" sz="1100" dirty="0"/>
+              <a:t>화면 명</a:t>
+            </a:r>
+            <a:endParaRPr lang="ko-KR" altLang="en-US" sz="1600" dirty="0"/>
+          </a:p>
+        </p:txBody>
+      </p:sp>
+      <p:sp>
+        <p:nvSpPr>
+          <p:cNvPr id="84" name="TextBox 83"/>
+          <p:cNvSpPr txBox="1"/>
+          <p:nvPr/>
+        </p:nvSpPr>
+        <p:spPr>
+          <a:xfrm rot="4709987">
+            <a:off x="4461554" y="2508533"/>
+            <a:ext cx="798617" cy="430887"/>
+          </a:xfrm>
+          <a:prstGeom prst="rect">
+            <a:avLst/>
+          </a:prstGeom>
+          <a:noFill/>
+        </p:spPr>
+        <p:txBody>
+          <a:bodyPr wrap="none" rtlCol="0">
+            <a:spAutoFit/>
+          </a:bodyPr>
+          <a:lstStyle/>
+          <a:p>
+            <a:pPr algn="ctr"/>
+            <a:r>
+              <a:rPr lang="ko-KR" altLang="en-US" sz="1100" dirty="0"/>
+              <a:t>권한 확인</a:t>
+            </a:r>
+            <a:endParaRPr lang="en-US" altLang="ko-KR" sz="1100" dirty="0"/>
+          </a:p>
+          <a:p>
+            <a:pPr algn="ctr"/>
+            <a:r>
+              <a:rPr lang="ko-KR" altLang="en-US" sz="1100" dirty="0"/>
+              <a:t>정보</a:t>
+            </a:r>
+            <a:endParaRPr lang="ko-KR" altLang="en-US" sz="1600" dirty="0"/>
           </a:p>
         </p:txBody>
       </p:sp>
       <p:cxnSp>
         <p:nvCxnSpPr>
-          <p:cNvPr id="11" name="직선 화살표 연결선 10"/>
+          <p:cNvPr id="85" name="직선 화살표 연결선 84"/>
           <p:cNvCxnSpPr>
-            <a:endCxn id="9" idx="0"/>
+            <a:stCxn id="72" idx="2"/>
+            <a:endCxn id="75" idx="0"/>
           </p:cNvCxnSpPr>
           <p:nvPr/>
         </p:nvCxnSpPr>
         <p:spPr>
-          <a:xfrm flipH="1">
-            <a:off x="6478852" y="4027961"/>
-            <a:ext cx="1675732" cy="3111821"/>
-          </a:xfrm>
-          <a:prstGeom prst="straightConnector1">
-            <a:avLst/>
-          </a:prstGeom>
-          <a:ln w="38100">
-            <a:headEnd w="lg" len="lg"/>
-            <a:tailEnd type="triangle"/>
-          </a:ln>
-        </p:spPr>
-        <p:style>
-          <a:lnRef idx="1">
-            <a:schemeClr val="accent1"/>
-          </a:lnRef>
-          <a:fillRef idx="0">
-            <a:schemeClr val="accent1"/>
-          </a:fillRef>
-          <a:effectRef idx="0">
-            <a:schemeClr val="accent1"/>
-          </a:effectRef>
-          <a:fontRef idx="minor">
-            <a:schemeClr val="tx1"/>
-          </a:fontRef>
-        </p:style>
-      </p:cxnSp>
-      <p:cxnSp>
-        <p:nvCxnSpPr>
-          <p:cNvPr id="12" name="직선 화살표 연결선 11"/>
-          <p:cNvCxnSpPr/>
-          <p:nvPr/>
-        </p:nvCxnSpPr>
-        <p:spPr>
           <a:xfrm>
-            <a:off x="8154584" y="4021232"/>
-            <a:ext cx="4768870" cy="3092106"/>
+            <a:off x="5334669" y="1623549"/>
+            <a:ext cx="178305" cy="1647165"/>
           </a:xfrm>
           <a:prstGeom prst="straightConnector1">
             <a:avLst/>
@@ -3229,13 +3503,13 @@
       </p:cxnSp>
       <p:grpSp>
         <p:nvGrpSpPr>
-          <p:cNvPr id="13" name="그룹 12"/>
+          <p:cNvPr id="86" name="그룹 85"/>
           <p:cNvGrpSpPr/>
           <p:nvPr/>
         </p:nvGrpSpPr>
         <p:grpSpPr>
-          <a:xfrm rot="4486510">
-            <a:off x="6867280" y="6230923"/>
+          <a:xfrm rot="2228231">
+            <a:off x="4921415" y="2433889"/>
             <a:ext cx="465295" cy="429840"/>
             <a:chOff x="5764817" y="2081712"/>
             <a:chExt cx="465295" cy="429840"/>
@@ -3243,7 +3517,7 @@
         </p:grpSpPr>
         <p:sp>
           <p:nvSpPr>
-            <p:cNvPr id="14" name="타원 13"/>
+            <p:cNvPr id="97" name="타원 96"/>
             <p:cNvSpPr/>
             <p:nvPr/>
           </p:nvSpPr>
@@ -3255,7 +3529,9 @@
             <a:prstGeom prst="ellipse">
               <a:avLst/>
             </a:prstGeom>
-            <a:noFill/>
+            <a:solidFill>
+              <a:schemeClr val="accent1"/>
+            </a:solidFill>
             <a:ln w="38100">
               <a:solidFill>
                 <a:schemeClr val="accent1"/>
@@ -3289,9 +3565,9 @@
         </p:sp>
         <p:cxnSp>
           <p:nvCxnSpPr>
-            <p:cNvPr id="15" name="직선 연결선 14"/>
+            <p:cNvPr id="98" name="직선 연결선 97"/>
             <p:cNvCxnSpPr>
-              <a:endCxn id="14" idx="5"/>
+              <a:endCxn id="97" idx="5"/>
             </p:cNvCxnSpPr>
             <p:nvPr/>
           </p:nvCxnSpPr>
@@ -3325,1253 +3601,13 @@
       </p:grpSp>
       <p:sp>
         <p:nvSpPr>
-          <p:cNvPr id="16" name="TextBox 15"/>
-          <p:cNvSpPr txBox="1"/>
+          <p:cNvPr id="99" name="직사각형 98"/>
+          <p:cNvSpPr/>
           <p:nvPr/>
         </p:nvSpPr>
-        <p:spPr>
-          <a:xfrm rot="3402376">
-            <a:off x="9187618" y="5659166"/>
-            <a:ext cx="1553630" cy="430887"/>
-          </a:xfrm>
-          <a:prstGeom prst="rect">
-            <a:avLst/>
-          </a:prstGeom>
-          <a:noFill/>
-        </p:spPr>
-        <p:txBody>
-          <a:bodyPr wrap="none" rtlCol="0">
-            <a:spAutoFit/>
-          </a:bodyPr>
-          <a:lstStyle/>
-          <a:p>
-            <a:r>
-              <a:rPr lang="ko-KR" altLang="en-US" sz="1100" dirty="0"/>
-              <a:t>수정된 강의평가 질문</a:t>
-            </a:r>
-            <a:endParaRPr lang="en-US" altLang="ko-KR" sz="1100" dirty="0"/>
-          </a:p>
-          <a:p>
-            <a:pPr algn="ctr"/>
-            <a:r>
-              <a:rPr lang="ko-KR" altLang="en-US" sz="1100" dirty="0"/>
-              <a:t>리스트 정보</a:t>
-            </a:r>
-            <a:endParaRPr lang="ko-KR" altLang="en-US" sz="1600" dirty="0"/>
-          </a:p>
-        </p:txBody>
-      </p:sp>
-      <p:grpSp>
-        <p:nvGrpSpPr>
-          <p:cNvPr id="17" name="그룹 16"/>
-          <p:cNvGrpSpPr/>
-          <p:nvPr/>
-        </p:nvGrpSpPr>
-        <p:grpSpPr>
-          <a:xfrm rot="16454924">
-            <a:off x="5996725" y="5038541"/>
-            <a:ext cx="465295" cy="429840"/>
-            <a:chOff x="5764817" y="2081712"/>
-            <a:chExt cx="465295" cy="429840"/>
-          </a:xfrm>
-        </p:grpSpPr>
-        <p:sp>
-          <p:nvSpPr>
-            <p:cNvPr id="18" name="타원 17"/>
-            <p:cNvSpPr/>
-            <p:nvPr/>
-          </p:nvSpPr>
-          <p:spPr>
-            <a:xfrm>
-              <a:off x="5764817" y="2081712"/>
-              <a:ext cx="254984" cy="254984"/>
-            </a:xfrm>
-            <a:prstGeom prst="ellipse">
-              <a:avLst/>
-            </a:prstGeom>
-            <a:noFill/>
-            <a:ln w="38100">
-              <a:solidFill>
-                <a:schemeClr val="accent1"/>
-              </a:solidFill>
-            </a:ln>
-          </p:spPr>
-          <p:style>
-            <a:lnRef idx="2">
-              <a:schemeClr val="accent1">
-                <a:shade val="50000"/>
-              </a:schemeClr>
-            </a:lnRef>
-            <a:fillRef idx="1">
-              <a:schemeClr val="accent1"/>
-            </a:fillRef>
-            <a:effectRef idx="0">
-              <a:schemeClr val="accent1"/>
-            </a:effectRef>
-            <a:fontRef idx="minor">
-              <a:schemeClr val="lt1"/>
-            </a:fontRef>
-          </p:style>
-          <p:txBody>
-            <a:bodyPr rtlCol="0" anchor="ctr"/>
-            <a:lstStyle/>
-            <a:p>
-              <a:pPr algn="ctr"/>
-              <a:endParaRPr lang="ko-KR" altLang="en-US"/>
-            </a:p>
-          </p:txBody>
-        </p:sp>
-        <p:cxnSp>
-          <p:nvCxnSpPr>
-            <p:cNvPr id="19" name="직선 연결선 18"/>
-            <p:cNvCxnSpPr>
-              <a:endCxn id="18" idx="5"/>
-            </p:cNvCxnSpPr>
-            <p:nvPr/>
-          </p:nvCxnSpPr>
-          <p:spPr>
-            <a:xfrm flipH="1" flipV="1">
-              <a:off x="5982459" y="2299354"/>
-              <a:ext cx="247653" cy="212198"/>
-            </a:xfrm>
-            <a:prstGeom prst="line">
-              <a:avLst/>
-            </a:prstGeom>
-            <a:ln w="38100">
-              <a:headEnd type="stealth" w="lg" len="lg"/>
-            </a:ln>
-          </p:spPr>
-          <p:style>
-            <a:lnRef idx="1">
-              <a:schemeClr val="accent1"/>
-            </a:lnRef>
-            <a:fillRef idx="0">
-              <a:schemeClr val="accent1"/>
-            </a:fillRef>
-            <a:effectRef idx="0">
-              <a:schemeClr val="accent1"/>
-            </a:effectRef>
-            <a:fontRef idx="minor">
-              <a:schemeClr val="tx1"/>
-            </a:fontRef>
-          </p:style>
-        </p:cxnSp>
-      </p:grpSp>
-      <p:sp>
-        <p:nvSpPr>
-          <p:cNvPr id="20" name="TextBox 19"/>
-          <p:cNvSpPr txBox="1"/>
-          <p:nvPr/>
-        </p:nvSpPr>
-        <p:spPr>
-          <a:xfrm rot="19358055">
-            <a:off x="5040887" y="4910603"/>
-            <a:ext cx="1885453" cy="261610"/>
-          </a:xfrm>
-          <a:prstGeom prst="rect">
-            <a:avLst/>
-          </a:prstGeom>
-          <a:noFill/>
-        </p:spPr>
-        <p:txBody>
-          <a:bodyPr wrap="none" rtlCol="0">
-            <a:spAutoFit/>
-          </a:bodyPr>
-          <a:lstStyle/>
-          <a:p>
-            <a:r>
-              <a:rPr lang="ko-KR" altLang="en-US" sz="1100" dirty="0"/>
-              <a:t>수정할 강의평가 질문 정보</a:t>
-            </a:r>
-            <a:endParaRPr lang="ko-KR" altLang="en-US" sz="1600" dirty="0"/>
-          </a:p>
-        </p:txBody>
-      </p:sp>
-      <p:grpSp>
-        <p:nvGrpSpPr>
-          <p:cNvPr id="21" name="그룹 20"/>
-          <p:cNvGrpSpPr/>
-          <p:nvPr/>
-        </p:nvGrpSpPr>
-        <p:grpSpPr>
-          <a:xfrm rot="15545817">
-            <a:off x="7044605" y="4942562"/>
-            <a:ext cx="465295" cy="429840"/>
-            <a:chOff x="5764817" y="2081712"/>
-            <a:chExt cx="465295" cy="429840"/>
-          </a:xfrm>
-          <a:solidFill>
-            <a:schemeClr val="accent1"/>
-          </a:solidFill>
-        </p:grpSpPr>
-        <p:sp>
-          <p:nvSpPr>
-            <p:cNvPr id="22" name="타원 21"/>
-            <p:cNvSpPr/>
-            <p:nvPr/>
-          </p:nvSpPr>
-          <p:spPr>
-            <a:xfrm>
-              <a:off x="5764817" y="2081712"/>
-              <a:ext cx="254984" cy="254984"/>
-            </a:xfrm>
-            <a:prstGeom prst="ellipse">
-              <a:avLst/>
-            </a:prstGeom>
-            <a:grpFill/>
-            <a:ln w="38100">
-              <a:solidFill>
-                <a:schemeClr val="accent1"/>
-              </a:solidFill>
-            </a:ln>
-          </p:spPr>
-          <p:style>
-            <a:lnRef idx="2">
-              <a:schemeClr val="accent1">
-                <a:shade val="50000"/>
-              </a:schemeClr>
-            </a:lnRef>
-            <a:fillRef idx="1">
-              <a:schemeClr val="accent1"/>
-            </a:fillRef>
-            <a:effectRef idx="0">
-              <a:schemeClr val="accent1"/>
-            </a:effectRef>
-            <a:fontRef idx="minor">
-              <a:schemeClr val="lt1"/>
-            </a:fontRef>
-          </p:style>
-          <p:txBody>
-            <a:bodyPr rtlCol="0" anchor="ctr"/>
-            <a:lstStyle/>
-            <a:p>
-              <a:pPr algn="ctr"/>
-              <a:endParaRPr lang="ko-KR" altLang="en-US"/>
-            </a:p>
-          </p:txBody>
-        </p:sp>
-        <p:cxnSp>
-          <p:nvCxnSpPr>
-            <p:cNvPr id="23" name="직선 연결선 22"/>
-            <p:cNvCxnSpPr>
-              <a:endCxn id="22" idx="5"/>
-            </p:cNvCxnSpPr>
-            <p:nvPr/>
-          </p:nvCxnSpPr>
-          <p:spPr>
-            <a:xfrm flipH="1" flipV="1">
-              <a:off x="5982459" y="2299354"/>
-              <a:ext cx="247653" cy="212198"/>
-            </a:xfrm>
-            <a:prstGeom prst="line">
-              <a:avLst/>
-            </a:prstGeom>
-            <a:grpFill/>
-            <a:ln w="38100">
-              <a:headEnd type="stealth" w="lg" len="lg"/>
-            </a:ln>
-          </p:spPr>
-          <p:style>
-            <a:lnRef idx="1">
-              <a:schemeClr val="accent1"/>
-            </a:lnRef>
-            <a:fillRef idx="0">
-              <a:schemeClr val="accent1"/>
-            </a:fillRef>
-            <a:effectRef idx="0">
-              <a:schemeClr val="accent1"/>
-            </a:effectRef>
-            <a:fontRef idx="minor">
-              <a:schemeClr val="tx1"/>
-            </a:fontRef>
-          </p:style>
-        </p:cxnSp>
-      </p:grpSp>
-      <p:sp>
-        <p:nvSpPr>
-          <p:cNvPr id="57" name="TextBox 56"/>
-          <p:cNvSpPr txBox="1"/>
-          <p:nvPr/>
-        </p:nvSpPr>
-        <p:spPr>
-          <a:xfrm rot="18158315">
-            <a:off x="6583760" y="4945763"/>
-            <a:ext cx="798617" cy="430887"/>
-          </a:xfrm>
-          <a:prstGeom prst="rect">
-            <a:avLst/>
-          </a:prstGeom>
-          <a:noFill/>
-        </p:spPr>
-        <p:txBody>
-          <a:bodyPr wrap="none" rtlCol="0">
-            <a:spAutoFit/>
-          </a:bodyPr>
-          <a:lstStyle/>
-          <a:p>
-            <a:r>
-              <a:rPr lang="ko-KR" altLang="en-US" sz="1100" dirty="0"/>
-              <a:t>수정성공 </a:t>
-            </a:r>
-            <a:endParaRPr lang="en-US" altLang="ko-KR" sz="1100" dirty="0"/>
-          </a:p>
-          <a:p>
-            <a:r>
-              <a:rPr lang="ko-KR" altLang="en-US" sz="1100" dirty="0"/>
-              <a:t>여부</a:t>
-            </a:r>
-            <a:endParaRPr lang="ko-KR" altLang="en-US" sz="1600" dirty="0"/>
-          </a:p>
-        </p:txBody>
-      </p:sp>
-      <p:grpSp>
-        <p:nvGrpSpPr>
-          <p:cNvPr id="87" name="그룹 86"/>
-          <p:cNvGrpSpPr/>
-          <p:nvPr/>
-        </p:nvGrpSpPr>
-        <p:grpSpPr>
-          <a:xfrm rot="4604140">
-            <a:off x="7613753" y="4861177"/>
-            <a:ext cx="465295" cy="429840"/>
-            <a:chOff x="5764817" y="2081712"/>
-            <a:chExt cx="465295" cy="429840"/>
-          </a:xfrm>
-        </p:grpSpPr>
-        <p:sp>
-          <p:nvSpPr>
-            <p:cNvPr id="88" name="타원 87"/>
-            <p:cNvSpPr/>
-            <p:nvPr/>
-          </p:nvSpPr>
-          <p:spPr>
-            <a:xfrm>
-              <a:off x="5764817" y="2081712"/>
-              <a:ext cx="254984" cy="254984"/>
-            </a:xfrm>
-            <a:prstGeom prst="ellipse">
-              <a:avLst/>
-            </a:prstGeom>
-            <a:noFill/>
-            <a:ln w="38100">
-              <a:solidFill>
-                <a:schemeClr val="accent1"/>
-              </a:solidFill>
-            </a:ln>
-          </p:spPr>
-          <p:style>
-            <a:lnRef idx="2">
-              <a:schemeClr val="accent1">
-                <a:shade val="50000"/>
-              </a:schemeClr>
-            </a:lnRef>
-            <a:fillRef idx="1">
-              <a:schemeClr val="accent1"/>
-            </a:fillRef>
-            <a:effectRef idx="0">
-              <a:schemeClr val="accent1"/>
-            </a:effectRef>
-            <a:fontRef idx="minor">
-              <a:schemeClr val="lt1"/>
-            </a:fontRef>
-          </p:style>
-          <p:txBody>
-            <a:bodyPr rtlCol="0" anchor="ctr"/>
-            <a:lstStyle/>
-            <a:p>
-              <a:pPr algn="ctr"/>
-              <a:endParaRPr lang="ko-KR" altLang="en-US"/>
-            </a:p>
-          </p:txBody>
-        </p:sp>
-        <p:cxnSp>
-          <p:nvCxnSpPr>
-            <p:cNvPr id="89" name="직선 연결선 88"/>
-            <p:cNvCxnSpPr>
-              <a:endCxn id="88" idx="5"/>
-            </p:cNvCxnSpPr>
-            <p:nvPr/>
-          </p:nvCxnSpPr>
-          <p:spPr>
-            <a:xfrm flipH="1" flipV="1">
-              <a:off x="5982459" y="2299354"/>
-              <a:ext cx="247653" cy="212198"/>
-            </a:xfrm>
-            <a:prstGeom prst="line">
-              <a:avLst/>
-            </a:prstGeom>
-            <a:ln w="38100">
-              <a:headEnd type="stealth" w="lg" len="lg"/>
-            </a:ln>
-          </p:spPr>
-          <p:style>
-            <a:lnRef idx="1">
-              <a:schemeClr val="accent1"/>
-            </a:lnRef>
-            <a:fillRef idx="0">
-              <a:schemeClr val="accent1"/>
-            </a:fillRef>
-            <a:effectRef idx="0">
-              <a:schemeClr val="accent1"/>
-            </a:effectRef>
-            <a:fontRef idx="minor">
-              <a:schemeClr val="tx1"/>
-            </a:fontRef>
-          </p:style>
-        </p:cxnSp>
-      </p:grpSp>
-      <p:grpSp>
-        <p:nvGrpSpPr>
-          <p:cNvPr id="90" name="그룹 89"/>
-          <p:cNvGrpSpPr/>
-          <p:nvPr/>
-        </p:nvGrpSpPr>
-        <p:grpSpPr>
-          <a:xfrm rot="15675866">
-            <a:off x="6342497" y="6259085"/>
-            <a:ext cx="465295" cy="429840"/>
-            <a:chOff x="5764817" y="2081712"/>
-            <a:chExt cx="465295" cy="429840"/>
-          </a:xfrm>
-        </p:grpSpPr>
-        <p:sp>
-          <p:nvSpPr>
-            <p:cNvPr id="91" name="타원 90"/>
-            <p:cNvSpPr/>
-            <p:nvPr/>
-          </p:nvSpPr>
-          <p:spPr>
-            <a:xfrm>
-              <a:off x="5764817" y="2081712"/>
-              <a:ext cx="254984" cy="254984"/>
-            </a:xfrm>
-            <a:prstGeom prst="ellipse">
-              <a:avLst/>
-            </a:prstGeom>
-            <a:noFill/>
-            <a:ln w="38100">
-              <a:solidFill>
-                <a:schemeClr val="accent1"/>
-              </a:solidFill>
-            </a:ln>
-          </p:spPr>
-          <p:style>
-            <a:lnRef idx="2">
-              <a:schemeClr val="accent1">
-                <a:shade val="50000"/>
-              </a:schemeClr>
-            </a:lnRef>
-            <a:fillRef idx="1">
-              <a:schemeClr val="accent1"/>
-            </a:fillRef>
-            <a:effectRef idx="0">
-              <a:schemeClr val="accent1"/>
-            </a:effectRef>
-            <a:fontRef idx="minor">
-              <a:schemeClr val="lt1"/>
-            </a:fontRef>
-          </p:style>
-          <p:txBody>
-            <a:bodyPr rtlCol="0" anchor="ctr"/>
-            <a:lstStyle/>
-            <a:p>
-              <a:pPr algn="ctr"/>
-              <a:endParaRPr lang="ko-KR" altLang="en-US"/>
-            </a:p>
-          </p:txBody>
-        </p:sp>
-        <p:cxnSp>
-          <p:nvCxnSpPr>
-            <p:cNvPr id="92" name="직선 연결선 91"/>
-            <p:cNvCxnSpPr>
-              <a:endCxn id="91" idx="5"/>
-            </p:cNvCxnSpPr>
-            <p:nvPr/>
-          </p:nvCxnSpPr>
-          <p:spPr>
-            <a:xfrm flipH="1" flipV="1">
-              <a:off x="5982459" y="2299354"/>
-              <a:ext cx="247653" cy="212198"/>
-            </a:xfrm>
-            <a:prstGeom prst="line">
-              <a:avLst/>
-            </a:prstGeom>
-            <a:ln w="38100">
-              <a:headEnd type="stealth" w="lg" len="lg"/>
-            </a:ln>
-          </p:spPr>
-          <p:style>
-            <a:lnRef idx="1">
-              <a:schemeClr val="accent1"/>
-            </a:lnRef>
-            <a:fillRef idx="0">
-              <a:schemeClr val="accent1"/>
-            </a:fillRef>
-            <a:effectRef idx="0">
-              <a:schemeClr val="accent1"/>
-            </a:effectRef>
-            <a:fontRef idx="minor">
-              <a:schemeClr val="tx1"/>
-            </a:fontRef>
-          </p:style>
-        </p:cxnSp>
-      </p:grpSp>
-      <p:sp>
-        <p:nvSpPr>
-          <p:cNvPr id="93" name="TextBox 92"/>
-          <p:cNvSpPr txBox="1"/>
-          <p:nvPr/>
-        </p:nvSpPr>
-        <p:spPr>
-          <a:xfrm rot="18022228">
-            <a:off x="5512293" y="6087399"/>
-            <a:ext cx="1553630" cy="430887"/>
-          </a:xfrm>
-          <a:prstGeom prst="rect">
-            <a:avLst/>
-          </a:prstGeom>
-          <a:noFill/>
-        </p:spPr>
-        <p:txBody>
-          <a:bodyPr wrap="none" rtlCol="0">
-            <a:spAutoFit/>
-          </a:bodyPr>
-          <a:lstStyle/>
-          <a:p>
-            <a:pPr algn="ctr"/>
-            <a:r>
-              <a:rPr lang="ko-KR" altLang="en-US" sz="1100" dirty="0"/>
-              <a:t>수정된 강의평가 질문</a:t>
-            </a:r>
-            <a:endParaRPr lang="en-US" altLang="ko-KR" sz="1100" dirty="0"/>
-          </a:p>
-          <a:p>
-            <a:pPr algn="ctr"/>
-            <a:r>
-              <a:rPr lang="ko-KR" altLang="en-US" sz="1100" dirty="0"/>
-              <a:t>리스트 정보</a:t>
-            </a:r>
-            <a:endParaRPr lang="ko-KR" altLang="en-US" sz="1600" dirty="0"/>
-          </a:p>
-        </p:txBody>
-      </p:sp>
-      <p:sp>
-        <p:nvSpPr>
-          <p:cNvPr id="94" name="TextBox 93"/>
-          <p:cNvSpPr txBox="1"/>
-          <p:nvPr/>
-        </p:nvSpPr>
-        <p:spPr>
-          <a:xfrm rot="17514103">
-            <a:off x="6955245" y="6334894"/>
-            <a:ext cx="1080745" cy="430887"/>
-          </a:xfrm>
-          <a:prstGeom prst="rect">
-            <a:avLst/>
-          </a:prstGeom>
-          <a:noFill/>
-        </p:spPr>
-        <p:txBody>
-          <a:bodyPr wrap="none" rtlCol="0">
-            <a:spAutoFit/>
-          </a:bodyPr>
-          <a:lstStyle/>
-          <a:p>
-            <a:r>
-              <a:rPr lang="ko-KR" altLang="en-US" sz="1100" dirty="0"/>
-              <a:t>강의평가 질문</a:t>
-            </a:r>
-            <a:endParaRPr lang="en-US" altLang="ko-KR" sz="1100" dirty="0"/>
-          </a:p>
-          <a:p>
-            <a:r>
-              <a:rPr lang="ko-KR" altLang="en-US" sz="1100" dirty="0"/>
-              <a:t> 리스트 정보</a:t>
-            </a:r>
-            <a:endParaRPr lang="ko-KR" altLang="en-US" sz="1600" dirty="0"/>
-          </a:p>
-        </p:txBody>
-      </p:sp>
-      <p:sp>
-        <p:nvSpPr>
-          <p:cNvPr id="95" name="TextBox 94"/>
-          <p:cNvSpPr txBox="1"/>
-          <p:nvPr/>
-        </p:nvSpPr>
-        <p:spPr>
-          <a:xfrm rot="17423541">
-            <a:off x="7536394" y="5027890"/>
-            <a:ext cx="1271502" cy="430887"/>
-          </a:xfrm>
-          <a:prstGeom prst="rect">
-            <a:avLst/>
-          </a:prstGeom>
-          <a:noFill/>
-        </p:spPr>
-        <p:txBody>
-          <a:bodyPr wrap="none" rtlCol="0">
-            <a:spAutoFit/>
-          </a:bodyPr>
-          <a:lstStyle/>
-          <a:p>
-            <a:r>
-              <a:rPr lang="ko-KR" altLang="en-US" sz="1100" dirty="0"/>
-              <a:t>수정할 강의평가 </a:t>
-            </a:r>
-            <a:endParaRPr lang="en-US" altLang="ko-KR" sz="1100" dirty="0"/>
-          </a:p>
-          <a:p>
-            <a:r>
-              <a:rPr lang="en-US" altLang="ko-KR" sz="1100" dirty="0"/>
-              <a:t>    </a:t>
-            </a:r>
-            <a:r>
-              <a:rPr lang="ko-KR" altLang="en-US" sz="1100" dirty="0"/>
-              <a:t>질문정보</a:t>
-            </a:r>
-            <a:endParaRPr lang="ko-KR" altLang="en-US" sz="1600" dirty="0"/>
-          </a:p>
-        </p:txBody>
-      </p:sp>
-      <p:cxnSp>
-        <p:nvCxnSpPr>
-          <p:cNvPr id="96" name="직선 화살표 연결선 95"/>
-          <p:cNvCxnSpPr/>
-          <p:nvPr/>
-        </p:nvCxnSpPr>
         <p:spPr>
           <a:xfrm>
-            <a:off x="8154584" y="4027961"/>
-            <a:ext cx="1917386" cy="3054024"/>
-          </a:xfrm>
-          <a:prstGeom prst="straightConnector1">
-            <a:avLst/>
-          </a:prstGeom>
-          <a:ln w="38100">
-            <a:headEnd w="lg" len="lg"/>
-            <a:tailEnd type="triangle"/>
-          </a:ln>
-        </p:spPr>
-        <p:style>
-          <a:lnRef idx="1">
-            <a:schemeClr val="accent1"/>
-          </a:lnRef>
-          <a:fillRef idx="0">
-            <a:schemeClr val="accent1"/>
-          </a:fillRef>
-          <a:effectRef idx="0">
-            <a:schemeClr val="accent1"/>
-          </a:effectRef>
-          <a:fontRef idx="minor">
-            <a:schemeClr val="tx1"/>
-          </a:fontRef>
-        </p:style>
-      </p:cxnSp>
-      <p:grpSp>
-        <p:nvGrpSpPr>
-          <p:cNvPr id="100" name="그룹 99"/>
-          <p:cNvGrpSpPr/>
-          <p:nvPr/>
-        </p:nvGrpSpPr>
-        <p:grpSpPr>
-          <a:xfrm rot="1521552">
-            <a:off x="9382831" y="5747072"/>
-            <a:ext cx="465295" cy="429840"/>
-            <a:chOff x="5764817" y="2081712"/>
-            <a:chExt cx="465295" cy="429840"/>
-          </a:xfrm>
-        </p:grpSpPr>
-        <p:sp>
-          <p:nvSpPr>
-            <p:cNvPr id="101" name="타원 100"/>
-            <p:cNvSpPr/>
-            <p:nvPr/>
-          </p:nvSpPr>
-          <p:spPr>
-            <a:xfrm>
-              <a:off x="5764817" y="2081712"/>
-              <a:ext cx="254984" cy="254984"/>
-            </a:xfrm>
-            <a:prstGeom prst="ellipse">
-              <a:avLst/>
-            </a:prstGeom>
-            <a:noFill/>
-            <a:ln w="38100">
-              <a:solidFill>
-                <a:schemeClr val="accent1"/>
-              </a:solidFill>
-            </a:ln>
-          </p:spPr>
-          <p:style>
-            <a:lnRef idx="2">
-              <a:schemeClr val="accent1">
-                <a:shade val="50000"/>
-              </a:schemeClr>
-            </a:lnRef>
-            <a:fillRef idx="1">
-              <a:schemeClr val="accent1"/>
-            </a:fillRef>
-            <a:effectRef idx="0">
-              <a:schemeClr val="accent1"/>
-            </a:effectRef>
-            <a:fontRef idx="minor">
-              <a:schemeClr val="lt1"/>
-            </a:fontRef>
-          </p:style>
-          <p:txBody>
-            <a:bodyPr rtlCol="0" anchor="ctr"/>
-            <a:lstStyle/>
-            <a:p>
-              <a:pPr algn="ctr"/>
-              <a:endParaRPr lang="ko-KR" altLang="en-US"/>
-            </a:p>
-          </p:txBody>
-        </p:sp>
-        <p:cxnSp>
-          <p:nvCxnSpPr>
-            <p:cNvPr id="102" name="직선 연결선 101"/>
-            <p:cNvCxnSpPr>
-              <a:endCxn id="101" idx="5"/>
-            </p:cNvCxnSpPr>
-            <p:nvPr/>
-          </p:nvCxnSpPr>
-          <p:spPr>
-            <a:xfrm flipH="1" flipV="1">
-              <a:off x="5982459" y="2299354"/>
-              <a:ext cx="247653" cy="212198"/>
-            </a:xfrm>
-            <a:prstGeom prst="line">
-              <a:avLst/>
-            </a:prstGeom>
-            <a:ln w="38100">
-              <a:headEnd type="stealth" w="lg" len="lg"/>
-            </a:ln>
-          </p:spPr>
-          <p:style>
-            <a:lnRef idx="1">
-              <a:schemeClr val="accent1"/>
-            </a:lnRef>
-            <a:fillRef idx="0">
-              <a:schemeClr val="accent1"/>
-            </a:fillRef>
-            <a:effectRef idx="0">
-              <a:schemeClr val="accent1"/>
-            </a:effectRef>
-            <a:fontRef idx="minor">
-              <a:schemeClr val="tx1"/>
-            </a:fontRef>
-          </p:style>
-        </p:cxnSp>
-      </p:grpSp>
-      <p:grpSp>
-        <p:nvGrpSpPr>
-          <p:cNvPr id="119" name="그룹 118"/>
-          <p:cNvGrpSpPr/>
-          <p:nvPr/>
-        </p:nvGrpSpPr>
-        <p:grpSpPr>
-          <a:xfrm rot="11888278">
-            <a:off x="8993118" y="5987132"/>
-            <a:ext cx="465295" cy="429840"/>
-            <a:chOff x="5764817" y="2081712"/>
-            <a:chExt cx="465295" cy="429840"/>
-          </a:xfrm>
-        </p:grpSpPr>
-        <p:sp>
-          <p:nvSpPr>
-            <p:cNvPr id="120" name="타원 119"/>
-            <p:cNvSpPr/>
-            <p:nvPr/>
-          </p:nvSpPr>
-          <p:spPr>
-            <a:xfrm>
-              <a:off x="5764817" y="2081712"/>
-              <a:ext cx="254984" cy="254984"/>
-            </a:xfrm>
-            <a:prstGeom prst="ellipse">
-              <a:avLst/>
-            </a:prstGeom>
-            <a:noFill/>
-            <a:ln w="38100">
-              <a:solidFill>
-                <a:schemeClr val="accent1"/>
-              </a:solidFill>
-            </a:ln>
-          </p:spPr>
-          <p:style>
-            <a:lnRef idx="2">
-              <a:schemeClr val="accent1">
-                <a:shade val="50000"/>
-              </a:schemeClr>
-            </a:lnRef>
-            <a:fillRef idx="1">
-              <a:schemeClr val="accent1"/>
-            </a:fillRef>
-            <a:effectRef idx="0">
-              <a:schemeClr val="accent1"/>
-            </a:effectRef>
-            <a:fontRef idx="minor">
-              <a:schemeClr val="lt1"/>
-            </a:fontRef>
-          </p:style>
-          <p:txBody>
-            <a:bodyPr rtlCol="0" anchor="ctr"/>
-            <a:lstStyle/>
-            <a:p>
-              <a:pPr algn="ctr"/>
-              <a:endParaRPr lang="ko-KR" altLang="en-US"/>
-            </a:p>
-          </p:txBody>
-        </p:sp>
-        <p:cxnSp>
-          <p:nvCxnSpPr>
-            <p:cNvPr id="121" name="직선 연결선 120"/>
-            <p:cNvCxnSpPr>
-              <a:endCxn id="120" idx="5"/>
-            </p:cNvCxnSpPr>
-            <p:nvPr/>
-          </p:nvCxnSpPr>
-          <p:spPr>
-            <a:xfrm flipH="1" flipV="1">
-              <a:off x="5982459" y="2299354"/>
-              <a:ext cx="247653" cy="212198"/>
-            </a:xfrm>
-            <a:prstGeom prst="line">
-              <a:avLst/>
-            </a:prstGeom>
-            <a:ln w="38100">
-              <a:headEnd type="stealth" w="lg" len="lg"/>
-            </a:ln>
-          </p:spPr>
-          <p:style>
-            <a:lnRef idx="1">
-              <a:schemeClr val="accent1"/>
-            </a:lnRef>
-            <a:fillRef idx="0">
-              <a:schemeClr val="accent1"/>
-            </a:fillRef>
-            <a:effectRef idx="0">
-              <a:schemeClr val="accent1"/>
-            </a:effectRef>
-            <a:fontRef idx="minor">
-              <a:schemeClr val="tx1"/>
-            </a:fontRef>
-          </p:style>
-        </p:cxnSp>
-      </p:grpSp>
-      <p:sp>
-        <p:nvSpPr>
-          <p:cNvPr id="124" name="TextBox 123"/>
-          <p:cNvSpPr txBox="1"/>
-          <p:nvPr/>
-        </p:nvSpPr>
-        <p:spPr>
-          <a:xfrm rot="3760686">
-            <a:off x="8012554" y="6193373"/>
-            <a:ext cx="1885453" cy="261610"/>
-          </a:xfrm>
-          <a:prstGeom prst="rect">
-            <a:avLst/>
-          </a:prstGeom>
-          <a:noFill/>
-        </p:spPr>
-        <p:txBody>
-          <a:bodyPr wrap="none" rtlCol="0">
-            <a:spAutoFit/>
-          </a:bodyPr>
-          <a:lstStyle/>
-          <a:p>
-            <a:r>
-              <a:rPr lang="ko-KR" altLang="en-US" sz="1100" dirty="0"/>
-              <a:t>강의평가 질문 리스트 정보</a:t>
-            </a:r>
-            <a:endParaRPr lang="ko-KR" altLang="en-US" sz="1600" dirty="0"/>
-          </a:p>
-        </p:txBody>
-      </p:sp>
-      <p:sp>
-        <p:nvSpPr>
-          <p:cNvPr id="125" name="TextBox 124"/>
-          <p:cNvSpPr txBox="1"/>
-          <p:nvPr/>
-        </p:nvSpPr>
-        <p:spPr>
-          <a:xfrm rot="2043342">
-            <a:off x="9938736" y="4988860"/>
-            <a:ext cx="2076209" cy="261610"/>
-          </a:xfrm>
-          <a:prstGeom prst="rect">
-            <a:avLst/>
-          </a:prstGeom>
-          <a:noFill/>
-        </p:spPr>
-        <p:txBody>
-          <a:bodyPr wrap="none" rtlCol="0">
-            <a:spAutoFit/>
-          </a:bodyPr>
-          <a:lstStyle/>
-          <a:p>
-            <a:r>
-              <a:rPr lang="ko-KR" altLang="en-US" sz="1100" dirty="0"/>
-              <a:t>강의평가 질문 수정 결과 정보</a:t>
-            </a:r>
-            <a:endParaRPr lang="ko-KR" altLang="en-US" sz="1600" dirty="0"/>
-          </a:p>
-        </p:txBody>
-      </p:sp>
-      <p:grpSp>
-        <p:nvGrpSpPr>
-          <p:cNvPr id="126" name="그룹 125"/>
-          <p:cNvGrpSpPr/>
-          <p:nvPr/>
-        </p:nvGrpSpPr>
-        <p:grpSpPr>
-          <a:xfrm rot="21425190">
-            <a:off x="10373935" y="5120523"/>
-            <a:ext cx="465295" cy="429840"/>
-            <a:chOff x="5764817" y="2081712"/>
-            <a:chExt cx="465295" cy="429840"/>
-          </a:xfrm>
-        </p:grpSpPr>
-        <p:sp>
-          <p:nvSpPr>
-            <p:cNvPr id="127" name="타원 126"/>
-            <p:cNvSpPr/>
-            <p:nvPr/>
-          </p:nvSpPr>
-          <p:spPr>
-            <a:xfrm>
-              <a:off x="5764817" y="2081712"/>
-              <a:ext cx="254984" cy="254984"/>
-            </a:xfrm>
-            <a:prstGeom prst="ellipse">
-              <a:avLst/>
-            </a:prstGeom>
-            <a:noFill/>
-            <a:ln w="38100">
-              <a:solidFill>
-                <a:schemeClr val="accent1"/>
-              </a:solidFill>
-            </a:ln>
-          </p:spPr>
-          <p:style>
-            <a:lnRef idx="2">
-              <a:schemeClr val="accent1">
-                <a:shade val="50000"/>
-              </a:schemeClr>
-            </a:lnRef>
-            <a:fillRef idx="1">
-              <a:schemeClr val="accent1"/>
-            </a:fillRef>
-            <a:effectRef idx="0">
-              <a:schemeClr val="accent1"/>
-            </a:effectRef>
-            <a:fontRef idx="minor">
-              <a:schemeClr val="lt1"/>
-            </a:fontRef>
-          </p:style>
-          <p:txBody>
-            <a:bodyPr rtlCol="0" anchor="ctr"/>
-            <a:lstStyle/>
-            <a:p>
-              <a:pPr algn="ctr"/>
-              <a:endParaRPr lang="ko-KR" altLang="en-US"/>
-            </a:p>
-          </p:txBody>
-        </p:sp>
-        <p:cxnSp>
-          <p:nvCxnSpPr>
-            <p:cNvPr id="128" name="직선 연결선 127"/>
-            <p:cNvCxnSpPr>
-              <a:endCxn id="127" idx="5"/>
-            </p:cNvCxnSpPr>
-            <p:nvPr/>
-          </p:nvCxnSpPr>
-          <p:spPr>
-            <a:xfrm flipH="1" flipV="1">
-              <a:off x="5982459" y="2299354"/>
-              <a:ext cx="247653" cy="212198"/>
-            </a:xfrm>
-            <a:prstGeom prst="line">
-              <a:avLst/>
-            </a:prstGeom>
-            <a:ln w="38100">
-              <a:headEnd type="stealth" w="lg" len="lg"/>
-            </a:ln>
-          </p:spPr>
-          <p:style>
-            <a:lnRef idx="1">
-              <a:schemeClr val="accent1"/>
-            </a:lnRef>
-            <a:fillRef idx="0">
-              <a:schemeClr val="accent1"/>
-            </a:fillRef>
-            <a:effectRef idx="0">
-              <a:schemeClr val="accent1"/>
-            </a:effectRef>
-            <a:fontRef idx="minor">
-              <a:schemeClr val="tx1"/>
-            </a:fontRef>
-          </p:style>
-        </p:cxnSp>
-      </p:grpSp>
-      <p:grpSp>
-        <p:nvGrpSpPr>
-          <p:cNvPr id="47" name="그룹 46"/>
-          <p:cNvGrpSpPr/>
-          <p:nvPr/>
-        </p:nvGrpSpPr>
-        <p:grpSpPr>
-          <a:xfrm>
-            <a:off x="9351909" y="7125129"/>
-            <a:ext cx="1561933" cy="676405"/>
-            <a:chOff x="8118153" y="2442575"/>
-            <a:chExt cx="1561933" cy="676405"/>
-          </a:xfrm>
-        </p:grpSpPr>
-        <p:cxnSp>
-          <p:nvCxnSpPr>
-            <p:cNvPr id="48" name="직선 연결선 47"/>
-            <p:cNvCxnSpPr/>
-            <p:nvPr/>
-          </p:nvCxnSpPr>
-          <p:spPr>
-            <a:xfrm>
-              <a:off x="8118153" y="2442575"/>
-              <a:ext cx="1560286" cy="0"/>
-            </a:xfrm>
-            <a:prstGeom prst="line">
-              <a:avLst/>
-            </a:prstGeom>
-            <a:ln w="38100">
-              <a:solidFill>
-                <a:srgbClr val="41719C"/>
-              </a:solidFill>
-            </a:ln>
-          </p:spPr>
-          <p:style>
-            <a:lnRef idx="1">
-              <a:schemeClr val="accent1"/>
-            </a:lnRef>
-            <a:fillRef idx="0">
-              <a:schemeClr val="accent1"/>
-            </a:fillRef>
-            <a:effectRef idx="0">
-              <a:schemeClr val="accent1"/>
-            </a:effectRef>
-            <a:fontRef idx="minor">
-              <a:schemeClr val="tx1"/>
-            </a:fontRef>
-          </p:style>
-        </p:cxnSp>
-        <p:cxnSp>
-          <p:nvCxnSpPr>
-            <p:cNvPr id="49" name="직선 연결선 48"/>
-            <p:cNvCxnSpPr/>
-            <p:nvPr/>
-          </p:nvCxnSpPr>
-          <p:spPr>
-            <a:xfrm>
-              <a:off x="8119800" y="3118980"/>
-              <a:ext cx="1560286" cy="0"/>
-            </a:xfrm>
-            <a:prstGeom prst="line">
-              <a:avLst/>
-            </a:prstGeom>
-            <a:ln w="38100">
-              <a:solidFill>
-                <a:srgbClr val="41719C"/>
-              </a:solidFill>
-            </a:ln>
-          </p:spPr>
-          <p:style>
-            <a:lnRef idx="1">
-              <a:schemeClr val="accent1"/>
-            </a:lnRef>
-            <a:fillRef idx="0">
-              <a:schemeClr val="accent1"/>
-            </a:fillRef>
-            <a:effectRef idx="0">
-              <a:schemeClr val="accent1"/>
-            </a:effectRef>
-            <a:fontRef idx="minor">
-              <a:schemeClr val="tx1"/>
-            </a:fontRef>
-          </p:style>
-        </p:cxnSp>
-        <p:sp>
-          <p:nvSpPr>
-            <p:cNvPr id="50" name="직사각형 49"/>
-            <p:cNvSpPr/>
-            <p:nvPr/>
-          </p:nvSpPr>
-          <p:spPr>
-            <a:xfrm>
-              <a:off x="8217074" y="2530257"/>
-              <a:ext cx="1377863" cy="502203"/>
-            </a:xfrm>
-            <a:prstGeom prst="rect">
-              <a:avLst/>
-            </a:prstGeom>
-            <a:solidFill>
-              <a:schemeClr val="bg1"/>
-            </a:solidFill>
-            <a:ln>
-              <a:noFill/>
-            </a:ln>
-          </p:spPr>
-          <p:style>
-            <a:lnRef idx="2">
-              <a:schemeClr val="accent1">
-                <a:shade val="50000"/>
-              </a:schemeClr>
-            </a:lnRef>
-            <a:fillRef idx="1">
-              <a:schemeClr val="accent1"/>
-            </a:fillRef>
-            <a:effectRef idx="0">
-              <a:schemeClr val="accent1"/>
-            </a:effectRef>
-            <a:fontRef idx="minor">
-              <a:schemeClr val="lt1"/>
-            </a:fontRef>
-          </p:style>
-          <p:txBody>
-            <a:bodyPr rtlCol="0" anchor="ctr"/>
-            <a:lstStyle>
-              <a:defPPr>
-                <a:defRPr lang="ko-KR"/>
-              </a:defPPr>
-              <a:lvl1pPr marL="0" algn="l" defTabSz="914400" rtl="0" eaLnBrk="1" latinLnBrk="1" hangingPunct="1">
-                <a:defRPr sz="1800" kern="1200">
-                  <a:solidFill>
-                    <a:schemeClr val="lt1"/>
-                  </a:solidFill>
-                  <a:latin typeface="+mn-lt"/>
-                  <a:ea typeface="+mn-ea"/>
-                  <a:cs typeface="+mn-cs"/>
-                </a:defRPr>
-              </a:lvl1pPr>
-              <a:lvl2pPr marL="457200" algn="l" defTabSz="914400" rtl="0" eaLnBrk="1" latinLnBrk="1" hangingPunct="1">
-                <a:defRPr sz="1800" kern="1200">
-                  <a:solidFill>
-                    <a:schemeClr val="lt1"/>
-                  </a:solidFill>
-                  <a:latin typeface="+mn-lt"/>
-                  <a:ea typeface="+mn-ea"/>
-                  <a:cs typeface="+mn-cs"/>
-                </a:defRPr>
-              </a:lvl2pPr>
-              <a:lvl3pPr marL="914400" algn="l" defTabSz="914400" rtl="0" eaLnBrk="1" latinLnBrk="1" hangingPunct="1">
-                <a:defRPr sz="1800" kern="1200">
-                  <a:solidFill>
-                    <a:schemeClr val="lt1"/>
-                  </a:solidFill>
-                  <a:latin typeface="+mn-lt"/>
-                  <a:ea typeface="+mn-ea"/>
-                  <a:cs typeface="+mn-cs"/>
-                </a:defRPr>
-              </a:lvl3pPr>
-              <a:lvl4pPr marL="1371600" algn="l" defTabSz="914400" rtl="0" eaLnBrk="1" latinLnBrk="1" hangingPunct="1">
-                <a:defRPr sz="1800" kern="1200">
-                  <a:solidFill>
-                    <a:schemeClr val="lt1"/>
-                  </a:solidFill>
-                  <a:latin typeface="+mn-lt"/>
-                  <a:ea typeface="+mn-ea"/>
-                  <a:cs typeface="+mn-cs"/>
-                </a:defRPr>
-              </a:lvl4pPr>
-              <a:lvl5pPr marL="1828800" algn="l" defTabSz="914400" rtl="0" eaLnBrk="1" latinLnBrk="1" hangingPunct="1">
-                <a:defRPr sz="1800" kern="1200">
-                  <a:solidFill>
-                    <a:schemeClr val="lt1"/>
-                  </a:solidFill>
-                  <a:latin typeface="+mn-lt"/>
-                  <a:ea typeface="+mn-ea"/>
-                  <a:cs typeface="+mn-cs"/>
-                </a:defRPr>
-              </a:lvl5pPr>
-              <a:lvl6pPr marL="2286000" algn="l" defTabSz="914400" rtl="0" eaLnBrk="1" latinLnBrk="1" hangingPunct="1">
-                <a:defRPr sz="1800" kern="1200">
-                  <a:solidFill>
-                    <a:schemeClr val="lt1"/>
-                  </a:solidFill>
-                  <a:latin typeface="+mn-lt"/>
-                  <a:ea typeface="+mn-ea"/>
-                  <a:cs typeface="+mn-cs"/>
-                </a:defRPr>
-              </a:lvl6pPr>
-              <a:lvl7pPr marL="2743200" algn="l" defTabSz="914400" rtl="0" eaLnBrk="1" latinLnBrk="1" hangingPunct="1">
-                <a:defRPr sz="1800" kern="1200">
-                  <a:solidFill>
-                    <a:schemeClr val="lt1"/>
-                  </a:solidFill>
-                  <a:latin typeface="+mn-lt"/>
-                  <a:ea typeface="+mn-ea"/>
-                  <a:cs typeface="+mn-cs"/>
-                </a:defRPr>
-              </a:lvl7pPr>
-              <a:lvl8pPr marL="3200400" algn="l" defTabSz="914400" rtl="0" eaLnBrk="1" latinLnBrk="1" hangingPunct="1">
-                <a:defRPr sz="1800" kern="1200">
-                  <a:solidFill>
-                    <a:schemeClr val="lt1"/>
-                  </a:solidFill>
-                  <a:latin typeface="+mn-lt"/>
-                  <a:ea typeface="+mn-ea"/>
-                  <a:cs typeface="+mn-cs"/>
-                </a:defRPr>
-              </a:lvl8pPr>
-              <a:lvl9pPr marL="3657600" algn="l" defTabSz="914400" rtl="0" eaLnBrk="1" latinLnBrk="1" hangingPunct="1">
-                <a:defRPr sz="1800" kern="1200">
-                  <a:solidFill>
-                    <a:schemeClr val="lt1"/>
-                  </a:solidFill>
-                  <a:latin typeface="+mn-lt"/>
-                  <a:ea typeface="+mn-ea"/>
-                  <a:cs typeface="+mn-cs"/>
-                </a:defRPr>
-              </a:lvl9pPr>
-            </a:lstStyle>
-            <a:p>
-              <a:pPr algn="ctr"/>
-              <a:r>
-                <a:rPr lang="ko-KR" altLang="en-US" sz="1100" dirty="0">
-                  <a:solidFill>
-                    <a:schemeClr val="tx1"/>
-                  </a:solidFill>
-                </a:rPr>
-                <a:t>강의평가 질문 </a:t>
-              </a:r>
-              <a:endParaRPr lang="en-US" altLang="ko-KR" sz="1100" dirty="0">
-                <a:solidFill>
-                  <a:schemeClr val="tx1"/>
-                </a:solidFill>
-              </a:endParaRPr>
-            </a:p>
-            <a:p>
-              <a:pPr algn="ctr"/>
-              <a:r>
-                <a:rPr lang="ko-KR" altLang="en-US" sz="1100" dirty="0">
-                  <a:solidFill>
-                    <a:schemeClr val="tx1"/>
-                  </a:solidFill>
-                </a:rPr>
-                <a:t>정보 저장소</a:t>
-              </a:r>
-            </a:p>
-          </p:txBody>
-        </p:sp>
-      </p:grpSp>
-      <p:sp>
-        <p:nvSpPr>
-          <p:cNvPr id="110" name="직사각형 109"/>
-          <p:cNvSpPr/>
-          <p:nvPr/>
-        </p:nvSpPr>
-        <p:spPr>
-          <a:xfrm>
-            <a:off x="4556173" y="897418"/>
+            <a:off x="7322653" y="3276011"/>
             <a:ext cx="1556992" cy="726131"/>
           </a:xfrm>
           <a:prstGeom prst="rect">
@@ -4610,39 +3646,339 @@
             <a:r>
               <a:rPr lang="ko-KR" altLang="en-US" sz="1100" dirty="0">
                 <a:solidFill>
-                  <a:sysClr val="windowText" lastClr="000000"/>
+                  <a:schemeClr val="tx1"/>
                 </a:solidFill>
               </a:rPr>
-              <a:t>강의평가 질문 수정</a:t>
+              <a:t>강의 평가 질문 수정</a:t>
             </a:r>
             <a:endParaRPr lang="en-US" altLang="ko-KR" sz="1100" dirty="0">
               <a:solidFill>
-                <a:sysClr val="windowText" lastClr="000000"/>
+                <a:schemeClr val="tx1"/>
               </a:solidFill>
             </a:endParaRPr>
           </a:p>
+        </p:txBody>
+      </p:sp>
+      <p:cxnSp>
+        <p:nvCxnSpPr>
+          <p:cNvPr id="103" name="직선 화살표 연결선 102"/>
+          <p:cNvCxnSpPr>
+            <a:stCxn id="72" idx="2"/>
+            <a:endCxn id="99" idx="0"/>
+          </p:cNvCxnSpPr>
+          <p:nvPr/>
+        </p:nvCxnSpPr>
+        <p:spPr>
+          <a:xfrm>
+            <a:off x="5334669" y="1623549"/>
+            <a:ext cx="2766480" cy="1652462"/>
+          </a:xfrm>
+          <a:prstGeom prst="straightConnector1">
+            <a:avLst/>
+          </a:prstGeom>
+          <a:ln w="38100">
+            <a:headEnd w="lg" len="lg"/>
+            <a:tailEnd type="triangle"/>
+          </a:ln>
+        </p:spPr>
+        <p:style>
+          <a:lnRef idx="1">
+            <a:schemeClr val="accent1"/>
+          </a:lnRef>
+          <a:fillRef idx="0">
+            <a:schemeClr val="accent1"/>
+          </a:fillRef>
+          <a:effectRef idx="0">
+            <a:schemeClr val="accent1"/>
+          </a:effectRef>
+          <a:fontRef idx="minor">
+            <a:schemeClr val="tx1"/>
+          </a:fontRef>
+        </p:style>
+      </p:cxnSp>
+      <p:grpSp>
+        <p:nvGrpSpPr>
+          <p:cNvPr id="104" name="그룹 103"/>
+          <p:cNvGrpSpPr/>
+          <p:nvPr/>
+        </p:nvGrpSpPr>
+        <p:grpSpPr>
+          <a:xfrm rot="16791279">
+            <a:off x="3663564" y="2555460"/>
+            <a:ext cx="465295" cy="429840"/>
+            <a:chOff x="5764817" y="2081712"/>
+            <a:chExt cx="465295" cy="429840"/>
+          </a:xfrm>
+        </p:grpSpPr>
+        <p:sp>
+          <p:nvSpPr>
+            <p:cNvPr id="105" name="타원 104"/>
+            <p:cNvSpPr/>
+            <p:nvPr/>
+          </p:nvSpPr>
+          <p:spPr>
+            <a:xfrm>
+              <a:off x="5764817" y="2081712"/>
+              <a:ext cx="254984" cy="254984"/>
+            </a:xfrm>
+            <a:prstGeom prst="ellipse">
+              <a:avLst/>
+            </a:prstGeom>
+            <a:solidFill>
+              <a:schemeClr val="accent1"/>
+            </a:solidFill>
+            <a:ln w="38100">
+              <a:solidFill>
+                <a:schemeClr val="accent1"/>
+              </a:solidFill>
+            </a:ln>
+          </p:spPr>
+          <p:style>
+            <a:lnRef idx="2">
+              <a:schemeClr val="accent1">
+                <a:shade val="50000"/>
+              </a:schemeClr>
+            </a:lnRef>
+            <a:fillRef idx="1">
+              <a:schemeClr val="accent1"/>
+            </a:fillRef>
+            <a:effectRef idx="0">
+              <a:schemeClr val="accent1"/>
+            </a:effectRef>
+            <a:fontRef idx="minor">
+              <a:schemeClr val="lt1"/>
+            </a:fontRef>
+          </p:style>
+          <p:txBody>
+            <a:bodyPr rtlCol="0" anchor="ctr"/>
+            <a:lstStyle/>
+            <a:p>
+              <a:pPr algn="ctr"/>
+              <a:endParaRPr lang="ko-KR" altLang="en-US"/>
+            </a:p>
+          </p:txBody>
+        </p:sp>
+        <p:cxnSp>
+          <p:nvCxnSpPr>
+            <p:cNvPr id="106" name="직선 연결선 105"/>
+            <p:cNvCxnSpPr>
+              <a:endCxn id="105" idx="5"/>
+            </p:cNvCxnSpPr>
+            <p:nvPr/>
+          </p:nvCxnSpPr>
+          <p:spPr>
+            <a:xfrm flipH="1" flipV="1">
+              <a:off x="5982459" y="2299354"/>
+              <a:ext cx="247653" cy="212198"/>
+            </a:xfrm>
+            <a:prstGeom prst="line">
+              <a:avLst/>
+            </a:prstGeom>
+            <a:ln w="38100">
+              <a:headEnd type="stealth" w="lg" len="lg"/>
+            </a:ln>
+          </p:spPr>
+          <p:style>
+            <a:lnRef idx="1">
+              <a:schemeClr val="accent1"/>
+            </a:lnRef>
+            <a:fillRef idx="0">
+              <a:schemeClr val="accent1"/>
+            </a:fillRef>
+            <a:effectRef idx="0">
+              <a:schemeClr val="accent1"/>
+            </a:effectRef>
+            <a:fontRef idx="minor">
+              <a:schemeClr val="tx1"/>
+            </a:fontRef>
+          </p:style>
+        </p:cxnSp>
+      </p:grpSp>
+      <p:sp>
+        <p:nvSpPr>
+          <p:cNvPr id="107" name="TextBox 106"/>
+          <p:cNvSpPr txBox="1"/>
+          <p:nvPr/>
+        </p:nvSpPr>
+        <p:spPr>
+          <a:xfrm rot="18901443">
+            <a:off x="3741641" y="2837273"/>
+            <a:ext cx="798617" cy="430887"/>
+          </a:xfrm>
+          <a:prstGeom prst="rect">
+            <a:avLst/>
+          </a:prstGeom>
+          <a:noFill/>
+        </p:spPr>
+        <p:txBody>
+          <a:bodyPr wrap="none" rtlCol="0">
+            <a:spAutoFit/>
+          </a:bodyPr>
+          <a:lstStyle/>
           <a:p>
             <a:pPr algn="ctr"/>
             <a:r>
-              <a:rPr lang="ko-KR" altLang="en-US" sz="1100" dirty="0">
-                <a:solidFill>
-                  <a:sysClr val="windowText" lastClr="000000"/>
-                </a:solidFill>
-              </a:rPr>
-              <a:t>화면</a:t>
-            </a:r>
-          </a:p>
-        </p:txBody>
-      </p:sp>
-      <p:sp>
-        <p:nvSpPr>
-          <p:cNvPr id="111" name="직사각형 110"/>
+              <a:rPr lang="ko-KR" altLang="en-US" sz="1100" dirty="0"/>
+              <a:t>권한 확인</a:t>
+            </a:r>
+            <a:endParaRPr lang="en-US" altLang="ko-KR" sz="1100" dirty="0"/>
+          </a:p>
+          <a:p>
+            <a:pPr algn="ctr"/>
+            <a:r>
+              <a:rPr lang="ko-KR" altLang="en-US" sz="1100" dirty="0"/>
+              <a:t>정보</a:t>
+            </a:r>
+            <a:endParaRPr lang="ko-KR" altLang="en-US" sz="1600" dirty="0"/>
+          </a:p>
+        </p:txBody>
+      </p:sp>
+      <p:grpSp>
+        <p:nvGrpSpPr>
+          <p:cNvPr id="108" name="그룹 107"/>
+          <p:cNvGrpSpPr/>
+          <p:nvPr/>
+        </p:nvGrpSpPr>
+        <p:grpSpPr>
+          <a:xfrm rot="21416685">
+            <a:off x="6592829" y="2035568"/>
+            <a:ext cx="465295" cy="429840"/>
+            <a:chOff x="5764817" y="2081712"/>
+            <a:chExt cx="465295" cy="429840"/>
+          </a:xfrm>
+        </p:grpSpPr>
+        <p:sp>
+          <p:nvSpPr>
+            <p:cNvPr id="109" name="타원 108"/>
+            <p:cNvSpPr/>
+            <p:nvPr/>
+          </p:nvSpPr>
+          <p:spPr>
+            <a:xfrm>
+              <a:off x="5764817" y="2081712"/>
+              <a:ext cx="254984" cy="254984"/>
+            </a:xfrm>
+            <a:prstGeom prst="ellipse">
+              <a:avLst/>
+            </a:prstGeom>
+            <a:solidFill>
+              <a:schemeClr val="accent1"/>
+            </a:solidFill>
+            <a:ln w="38100">
+              <a:solidFill>
+                <a:schemeClr val="accent1"/>
+              </a:solidFill>
+            </a:ln>
+          </p:spPr>
+          <p:style>
+            <a:lnRef idx="2">
+              <a:schemeClr val="accent1">
+                <a:shade val="50000"/>
+              </a:schemeClr>
+            </a:lnRef>
+            <a:fillRef idx="1">
+              <a:schemeClr val="accent1"/>
+            </a:fillRef>
+            <a:effectRef idx="0">
+              <a:schemeClr val="accent1"/>
+            </a:effectRef>
+            <a:fontRef idx="minor">
+              <a:schemeClr val="lt1"/>
+            </a:fontRef>
+          </p:style>
+          <p:txBody>
+            <a:bodyPr rtlCol="0" anchor="ctr"/>
+            <a:lstStyle/>
+            <a:p>
+              <a:pPr algn="ctr"/>
+              <a:endParaRPr lang="ko-KR" altLang="en-US"/>
+            </a:p>
+          </p:txBody>
+        </p:sp>
+        <p:cxnSp>
+          <p:nvCxnSpPr>
+            <p:cNvPr id="145" name="직선 연결선 144"/>
+            <p:cNvCxnSpPr>
+              <a:endCxn id="109" idx="5"/>
+            </p:cNvCxnSpPr>
+            <p:nvPr/>
+          </p:nvCxnSpPr>
+          <p:spPr>
+            <a:xfrm flipH="1" flipV="1">
+              <a:off x="5982459" y="2299354"/>
+              <a:ext cx="247653" cy="212198"/>
+            </a:xfrm>
+            <a:prstGeom prst="line">
+              <a:avLst/>
+            </a:prstGeom>
+            <a:ln w="38100">
+              <a:headEnd type="stealth" w="lg" len="lg"/>
+            </a:ln>
+          </p:spPr>
+          <p:style>
+            <a:lnRef idx="1">
+              <a:schemeClr val="accent1"/>
+            </a:lnRef>
+            <a:fillRef idx="0">
+              <a:schemeClr val="accent1"/>
+            </a:fillRef>
+            <a:effectRef idx="0">
+              <a:schemeClr val="accent1"/>
+            </a:effectRef>
+            <a:fontRef idx="minor">
+              <a:schemeClr val="tx1"/>
+            </a:fontRef>
+          </p:style>
+        </p:cxnSp>
+      </p:grpSp>
+      <p:sp>
+        <p:nvSpPr>
+          <p:cNvPr id="146" name="TextBox 145"/>
+          <p:cNvSpPr txBox="1"/>
+          <p:nvPr/>
+        </p:nvSpPr>
+        <p:spPr>
+          <a:xfrm rot="2373847">
+            <a:off x="6669940" y="1828530"/>
+            <a:ext cx="798617" cy="430887"/>
+          </a:xfrm>
+          <a:prstGeom prst="rect">
+            <a:avLst/>
+          </a:prstGeom>
+          <a:noFill/>
+        </p:spPr>
+        <p:txBody>
+          <a:bodyPr wrap="none" rtlCol="0">
+            <a:spAutoFit/>
+          </a:bodyPr>
+          <a:lstStyle/>
+          <a:p>
+            <a:pPr algn="ctr"/>
+            <a:r>
+              <a:rPr lang="ko-KR" altLang="en-US" sz="1100" dirty="0"/>
+              <a:t>권한 확인</a:t>
+            </a:r>
+            <a:endParaRPr lang="en-US" altLang="ko-KR" sz="1100" dirty="0"/>
+          </a:p>
+          <a:p>
+            <a:pPr algn="ctr"/>
+            <a:r>
+              <a:rPr lang="ko-KR" altLang="en-US" sz="1100" dirty="0"/>
+              <a:t>정보</a:t>
+            </a:r>
+            <a:endParaRPr lang="ko-KR" altLang="en-US" sz="1600" dirty="0"/>
+          </a:p>
+        </p:txBody>
+      </p:sp>
+      <p:sp>
+        <p:nvSpPr>
+          <p:cNvPr id="147" name="직사각형 146"/>
           <p:cNvSpPr/>
           <p:nvPr/>
         </p:nvSpPr>
         <p:spPr>
           <a:xfrm>
-            <a:off x="1924002" y="3245626"/>
+            <a:off x="3023756" y="7040155"/>
             <a:ext cx="1556992" cy="726131"/>
           </a:xfrm>
           <a:prstGeom prst="rect">
@@ -4681,27 +4017,41 @@
             <a:r>
               <a:rPr lang="ko-KR" altLang="en-US" sz="1100" dirty="0">
                 <a:solidFill>
-                  <a:schemeClr val="tx1"/>
+                  <a:sysClr val="windowText" lastClr="000000"/>
                 </a:solidFill>
               </a:rPr>
-              <a:t>권한 체크</a:t>
+              <a:t>강의평가 질문 수정</a:t>
+            </a:r>
+            <a:br>
+              <a:rPr lang="en-US" altLang="ko-KR" sz="1100" dirty="0">
+                <a:solidFill>
+                  <a:sysClr val="windowText" lastClr="000000"/>
+                </a:solidFill>
+              </a:rPr>
+            </a:br>
+            <a:r>
+              <a:rPr lang="ko-KR" altLang="en-US" sz="1100" dirty="0">
+                <a:solidFill>
+                  <a:sysClr val="windowText" lastClr="000000"/>
+                </a:solidFill>
+              </a:rPr>
+              <a:t>정보 입력</a:t>
             </a:r>
           </a:p>
         </p:txBody>
       </p:sp>
       <p:cxnSp>
         <p:nvCxnSpPr>
-          <p:cNvPr id="112" name="직선 화살표 연결선 111"/>
+          <p:cNvPr id="148" name="직선 화살표 연결선 147"/>
           <p:cNvCxnSpPr>
-            <a:stCxn id="110" idx="2"/>
-            <a:endCxn id="111" idx="0"/>
+            <a:endCxn id="147" idx="0"/>
           </p:cNvCxnSpPr>
           <p:nvPr/>
         </p:nvCxnSpPr>
         <p:spPr>
           <a:xfrm flipH="1">
-            <a:off x="2702498" y="1623549"/>
-            <a:ext cx="2632171" cy="1622077"/>
+            <a:off x="3802252" y="4024900"/>
+            <a:ext cx="3716977" cy="3015255"/>
           </a:xfrm>
           <a:prstGeom prst="straightConnector1">
             <a:avLst/>
@@ -4728,13 +4078,13 @@
       </p:cxnSp>
       <p:sp>
         <p:nvSpPr>
-          <p:cNvPr id="113" name="직사각형 112"/>
+          <p:cNvPr id="149" name="직사각형 148"/>
           <p:cNvSpPr/>
           <p:nvPr/>
         </p:nvSpPr>
         <p:spPr>
           <a:xfrm>
-            <a:off x="4734478" y="3270714"/>
+            <a:off x="6704629" y="7944643"/>
             <a:ext cx="1556992" cy="726131"/>
           </a:xfrm>
           <a:prstGeom prst="rect">
@@ -4773,451 +4123,38 @@
             <a:r>
               <a:rPr lang="ko-KR" altLang="en-US" sz="1100" dirty="0">
                 <a:solidFill>
-                  <a:schemeClr val="tx1"/>
+                  <a:sysClr val="windowText" lastClr="000000"/>
                 </a:solidFill>
               </a:rPr>
-              <a:t>화면 출력</a:t>
-            </a:r>
-          </a:p>
-        </p:txBody>
-      </p:sp>
-      <p:grpSp>
-        <p:nvGrpSpPr>
-          <p:cNvPr id="114" name="그룹 113"/>
-          <p:cNvGrpSpPr/>
+              <a:t>강의평가 질문 </a:t>
+            </a:r>
+            <a:br>
+              <a:rPr lang="en-US" altLang="ko-KR" sz="1100" dirty="0">
+                <a:solidFill>
+                  <a:sysClr val="windowText" lastClr="000000"/>
+                </a:solidFill>
+              </a:rPr>
+            </a:br>
+            <a:r>
+              <a:rPr lang="ko-KR" altLang="en-US" sz="1100" dirty="0">
+                <a:solidFill>
+                  <a:sysClr val="windowText" lastClr="000000"/>
+                </a:solidFill>
+              </a:rPr>
+              <a:t>수정 처리</a:t>
+            </a:r>
+          </a:p>
+        </p:txBody>
+      </p:sp>
+      <p:sp>
+        <p:nvSpPr>
+          <p:cNvPr id="150" name="직사각형 149"/>
+          <p:cNvSpPr/>
           <p:nvPr/>
-        </p:nvGrpSpPr>
-        <p:grpSpPr>
-          <a:xfrm rot="5672329">
-            <a:off x="3313090" y="2189593"/>
-            <a:ext cx="465295" cy="429840"/>
-            <a:chOff x="5764817" y="2081712"/>
-            <a:chExt cx="465295" cy="429840"/>
-          </a:xfrm>
-        </p:grpSpPr>
-        <p:sp>
-          <p:nvSpPr>
-            <p:cNvPr id="115" name="타원 114"/>
-            <p:cNvSpPr/>
-            <p:nvPr/>
-          </p:nvSpPr>
-          <p:spPr>
-            <a:xfrm>
-              <a:off x="5764817" y="2081712"/>
-              <a:ext cx="254984" cy="254984"/>
-            </a:xfrm>
-            <a:prstGeom prst="ellipse">
-              <a:avLst/>
-            </a:prstGeom>
-            <a:noFill/>
-            <a:ln w="38100">
-              <a:solidFill>
-                <a:schemeClr val="accent1"/>
-              </a:solidFill>
-            </a:ln>
-          </p:spPr>
-          <p:style>
-            <a:lnRef idx="2">
-              <a:schemeClr val="accent1">
-                <a:shade val="50000"/>
-              </a:schemeClr>
-            </a:lnRef>
-            <a:fillRef idx="1">
-              <a:schemeClr val="accent1"/>
-            </a:fillRef>
-            <a:effectRef idx="0">
-              <a:schemeClr val="accent1"/>
-            </a:effectRef>
-            <a:fontRef idx="minor">
-              <a:schemeClr val="lt1"/>
-            </a:fontRef>
-          </p:style>
-          <p:txBody>
-            <a:bodyPr rtlCol="0" anchor="ctr"/>
-            <a:lstStyle/>
-            <a:p>
-              <a:pPr algn="ctr"/>
-              <a:endParaRPr lang="ko-KR" altLang="en-US"/>
-            </a:p>
-          </p:txBody>
-        </p:sp>
-        <p:cxnSp>
-          <p:nvCxnSpPr>
-            <p:cNvPr id="116" name="직선 연결선 115"/>
-            <p:cNvCxnSpPr>
-              <a:endCxn id="115" idx="5"/>
-            </p:cNvCxnSpPr>
-            <p:nvPr/>
-          </p:nvCxnSpPr>
-          <p:spPr>
-            <a:xfrm flipH="1" flipV="1">
-              <a:off x="5982459" y="2299354"/>
-              <a:ext cx="247653" cy="212198"/>
-            </a:xfrm>
-            <a:prstGeom prst="line">
-              <a:avLst/>
-            </a:prstGeom>
-            <a:ln w="38100">
-              <a:headEnd type="stealth" w="lg" len="lg"/>
-            </a:ln>
-          </p:spPr>
-          <p:style>
-            <a:lnRef idx="1">
-              <a:schemeClr val="accent1"/>
-            </a:lnRef>
-            <a:fillRef idx="0">
-              <a:schemeClr val="accent1"/>
-            </a:fillRef>
-            <a:effectRef idx="0">
-              <a:schemeClr val="accent1"/>
-            </a:effectRef>
-            <a:fontRef idx="minor">
-              <a:schemeClr val="tx1"/>
-            </a:fontRef>
-          </p:style>
-        </p:cxnSp>
-      </p:grpSp>
-      <p:sp>
-        <p:nvSpPr>
-          <p:cNvPr id="117" name="TextBox 116"/>
-          <p:cNvSpPr txBox="1"/>
-          <p:nvPr/>
-        </p:nvSpPr>
-        <p:spPr>
-          <a:xfrm rot="19188507">
-            <a:off x="2837224" y="2093704"/>
-            <a:ext cx="798617" cy="261610"/>
-          </a:xfrm>
-          <a:prstGeom prst="rect">
-            <a:avLst/>
-          </a:prstGeom>
-          <a:noFill/>
-        </p:spPr>
-        <p:txBody>
-          <a:bodyPr wrap="none" rtlCol="0">
-            <a:spAutoFit/>
-          </a:bodyPr>
-          <a:lstStyle/>
-          <a:p>
-            <a:pPr algn="ctr"/>
-            <a:r>
-              <a:rPr lang="ko-KR" altLang="en-US" sz="1100" dirty="0"/>
-              <a:t>권한 정보</a:t>
-            </a:r>
-            <a:endParaRPr lang="ko-KR" altLang="en-US" sz="1600" dirty="0"/>
-          </a:p>
-        </p:txBody>
-      </p:sp>
-      <p:grpSp>
-        <p:nvGrpSpPr>
-          <p:cNvPr id="118" name="그룹 117"/>
-          <p:cNvGrpSpPr/>
-          <p:nvPr/>
-        </p:nvGrpSpPr>
-        <p:grpSpPr>
-          <a:xfrm rot="2052325">
-            <a:off x="5383774" y="2256778"/>
-            <a:ext cx="465295" cy="429840"/>
-            <a:chOff x="5764817" y="2081712"/>
-            <a:chExt cx="465295" cy="429840"/>
-          </a:xfrm>
-        </p:grpSpPr>
-        <p:sp>
-          <p:nvSpPr>
-            <p:cNvPr id="122" name="타원 121"/>
-            <p:cNvSpPr/>
-            <p:nvPr/>
-          </p:nvSpPr>
-          <p:spPr>
-            <a:xfrm>
-              <a:off x="5764817" y="2081712"/>
-              <a:ext cx="254984" cy="254984"/>
-            </a:xfrm>
-            <a:prstGeom prst="ellipse">
-              <a:avLst/>
-            </a:prstGeom>
-            <a:noFill/>
-            <a:ln w="38100">
-              <a:solidFill>
-                <a:schemeClr val="accent1"/>
-              </a:solidFill>
-            </a:ln>
-          </p:spPr>
-          <p:style>
-            <a:lnRef idx="2">
-              <a:schemeClr val="accent1">
-                <a:shade val="50000"/>
-              </a:schemeClr>
-            </a:lnRef>
-            <a:fillRef idx="1">
-              <a:schemeClr val="accent1"/>
-            </a:fillRef>
-            <a:effectRef idx="0">
-              <a:schemeClr val="accent1"/>
-            </a:effectRef>
-            <a:fontRef idx="minor">
-              <a:schemeClr val="lt1"/>
-            </a:fontRef>
-          </p:style>
-          <p:txBody>
-            <a:bodyPr rtlCol="0" anchor="ctr"/>
-            <a:lstStyle/>
-            <a:p>
-              <a:pPr algn="ctr"/>
-              <a:endParaRPr lang="ko-KR" altLang="en-US"/>
-            </a:p>
-          </p:txBody>
-        </p:sp>
-        <p:cxnSp>
-          <p:nvCxnSpPr>
-            <p:cNvPr id="123" name="직선 연결선 122"/>
-            <p:cNvCxnSpPr>
-              <a:endCxn id="122" idx="5"/>
-            </p:cNvCxnSpPr>
-            <p:nvPr/>
-          </p:nvCxnSpPr>
-          <p:spPr>
-            <a:xfrm flipH="1" flipV="1">
-              <a:off x="5982459" y="2299354"/>
-              <a:ext cx="247653" cy="212198"/>
-            </a:xfrm>
-            <a:prstGeom prst="line">
-              <a:avLst/>
-            </a:prstGeom>
-            <a:ln w="38100">
-              <a:headEnd type="stealth" w="lg" len="lg"/>
-            </a:ln>
-          </p:spPr>
-          <p:style>
-            <a:lnRef idx="1">
-              <a:schemeClr val="accent1"/>
-            </a:lnRef>
-            <a:fillRef idx="0">
-              <a:schemeClr val="accent1"/>
-            </a:fillRef>
-            <a:effectRef idx="0">
-              <a:schemeClr val="accent1"/>
-            </a:effectRef>
-            <a:fontRef idx="minor">
-              <a:schemeClr val="tx1"/>
-            </a:fontRef>
-          </p:style>
-        </p:cxnSp>
-      </p:grpSp>
-      <p:sp>
-        <p:nvSpPr>
-          <p:cNvPr id="129" name="TextBox 128"/>
-          <p:cNvSpPr txBox="1"/>
-          <p:nvPr/>
-        </p:nvSpPr>
-        <p:spPr>
-          <a:xfrm rot="4709987">
-            <a:off x="5594719" y="2355645"/>
-            <a:ext cx="657552" cy="261610"/>
-          </a:xfrm>
-          <a:prstGeom prst="rect">
-            <a:avLst/>
-          </a:prstGeom>
-          <a:noFill/>
-        </p:spPr>
-        <p:txBody>
-          <a:bodyPr wrap="none" rtlCol="0">
-            <a:spAutoFit/>
-          </a:bodyPr>
-          <a:lstStyle/>
-          <a:p>
-            <a:pPr algn="ctr"/>
-            <a:r>
-              <a:rPr lang="ko-KR" altLang="en-US" sz="1100" dirty="0"/>
-              <a:t>화면 명</a:t>
-            </a:r>
-            <a:endParaRPr lang="ko-KR" altLang="en-US" sz="1600" dirty="0"/>
-          </a:p>
-        </p:txBody>
-      </p:sp>
-      <p:sp>
-        <p:nvSpPr>
-          <p:cNvPr id="130" name="TextBox 129"/>
-          <p:cNvSpPr txBox="1"/>
-          <p:nvPr/>
-        </p:nvSpPr>
-        <p:spPr>
-          <a:xfrm rot="4709987">
-            <a:off x="4461554" y="2508533"/>
-            <a:ext cx="798617" cy="430887"/>
-          </a:xfrm>
-          <a:prstGeom prst="rect">
-            <a:avLst/>
-          </a:prstGeom>
-          <a:noFill/>
-        </p:spPr>
-        <p:txBody>
-          <a:bodyPr wrap="none" rtlCol="0">
-            <a:spAutoFit/>
-          </a:bodyPr>
-          <a:lstStyle/>
-          <a:p>
-            <a:pPr algn="ctr"/>
-            <a:r>
-              <a:rPr lang="ko-KR" altLang="en-US" sz="1100" dirty="0"/>
-              <a:t>권한 확인</a:t>
-            </a:r>
-            <a:endParaRPr lang="en-US" altLang="ko-KR" sz="1100" dirty="0"/>
-          </a:p>
-          <a:p>
-            <a:pPr algn="ctr"/>
-            <a:r>
-              <a:rPr lang="ko-KR" altLang="en-US" sz="1100" dirty="0"/>
-              <a:t>정보</a:t>
-            </a:r>
-            <a:endParaRPr lang="ko-KR" altLang="en-US" sz="1600" dirty="0"/>
-          </a:p>
-        </p:txBody>
-      </p:sp>
-      <p:cxnSp>
-        <p:nvCxnSpPr>
-          <p:cNvPr id="131" name="직선 화살표 연결선 130"/>
-          <p:cNvCxnSpPr>
-            <a:stCxn id="110" idx="2"/>
-            <a:endCxn id="113" idx="0"/>
-          </p:cNvCxnSpPr>
-          <p:nvPr/>
-        </p:nvCxnSpPr>
+        </p:nvSpPr>
         <p:spPr>
           <a:xfrm>
-            <a:off x="5334669" y="1623549"/>
-            <a:ext cx="178305" cy="1647165"/>
-          </a:xfrm>
-          <a:prstGeom prst="straightConnector1">
-            <a:avLst/>
-          </a:prstGeom>
-          <a:ln w="38100">
-            <a:headEnd w="lg" len="lg"/>
-            <a:tailEnd type="triangle"/>
-          </a:ln>
-        </p:spPr>
-        <p:style>
-          <a:lnRef idx="1">
-            <a:schemeClr val="accent1"/>
-          </a:lnRef>
-          <a:fillRef idx="0">
-            <a:schemeClr val="accent1"/>
-          </a:fillRef>
-          <a:effectRef idx="0">
-            <a:schemeClr val="accent1"/>
-          </a:effectRef>
-          <a:fontRef idx="minor">
-            <a:schemeClr val="tx1"/>
-          </a:fontRef>
-        </p:style>
-      </p:cxnSp>
-      <p:grpSp>
-        <p:nvGrpSpPr>
-          <p:cNvPr id="132" name="그룹 131"/>
-          <p:cNvGrpSpPr/>
-          <p:nvPr/>
-        </p:nvGrpSpPr>
-        <p:grpSpPr>
-          <a:xfrm rot="2228231">
-            <a:off x="4921415" y="2433889"/>
-            <a:ext cx="465295" cy="429840"/>
-            <a:chOff x="5764817" y="2081712"/>
-            <a:chExt cx="465295" cy="429840"/>
-          </a:xfrm>
-        </p:grpSpPr>
-        <p:sp>
-          <p:nvSpPr>
-            <p:cNvPr id="133" name="타원 132"/>
-            <p:cNvSpPr/>
-            <p:nvPr/>
-          </p:nvSpPr>
-          <p:spPr>
-            <a:xfrm>
-              <a:off x="5764817" y="2081712"/>
-              <a:ext cx="254984" cy="254984"/>
-            </a:xfrm>
-            <a:prstGeom prst="ellipse">
-              <a:avLst/>
-            </a:prstGeom>
-            <a:solidFill>
-              <a:schemeClr val="accent1"/>
-            </a:solidFill>
-            <a:ln w="38100">
-              <a:solidFill>
-                <a:schemeClr val="accent1"/>
-              </a:solidFill>
-            </a:ln>
-          </p:spPr>
-          <p:style>
-            <a:lnRef idx="2">
-              <a:schemeClr val="accent1">
-                <a:shade val="50000"/>
-              </a:schemeClr>
-            </a:lnRef>
-            <a:fillRef idx="1">
-              <a:schemeClr val="accent1"/>
-            </a:fillRef>
-            <a:effectRef idx="0">
-              <a:schemeClr val="accent1"/>
-            </a:effectRef>
-            <a:fontRef idx="minor">
-              <a:schemeClr val="lt1"/>
-            </a:fontRef>
-          </p:style>
-          <p:txBody>
-            <a:bodyPr rtlCol="0" anchor="ctr"/>
-            <a:lstStyle/>
-            <a:p>
-              <a:pPr algn="ctr"/>
-              <a:endParaRPr lang="ko-KR" altLang="en-US"/>
-            </a:p>
-          </p:txBody>
-        </p:sp>
-        <p:cxnSp>
-          <p:nvCxnSpPr>
-            <p:cNvPr id="134" name="직선 연결선 133"/>
-            <p:cNvCxnSpPr>
-              <a:endCxn id="133" idx="5"/>
-            </p:cNvCxnSpPr>
-            <p:nvPr/>
-          </p:nvCxnSpPr>
-          <p:spPr>
-            <a:xfrm flipH="1" flipV="1">
-              <a:off x="5982459" y="2299354"/>
-              <a:ext cx="247653" cy="212198"/>
-            </a:xfrm>
-            <a:prstGeom prst="line">
-              <a:avLst/>
-            </a:prstGeom>
-            <a:ln w="38100">
-              <a:headEnd type="stealth" w="lg" len="lg"/>
-            </a:ln>
-          </p:spPr>
-          <p:style>
-            <a:lnRef idx="1">
-              <a:schemeClr val="accent1"/>
-            </a:lnRef>
-            <a:fillRef idx="0">
-              <a:schemeClr val="accent1"/>
-            </a:fillRef>
-            <a:effectRef idx="0">
-              <a:schemeClr val="accent1"/>
-            </a:effectRef>
-            <a:fontRef idx="minor">
-              <a:schemeClr val="tx1"/>
-            </a:fontRef>
-          </p:style>
-        </p:cxnSp>
-      </p:grpSp>
-      <p:sp>
-        <p:nvSpPr>
-          <p:cNvPr id="135" name="직사각형 134"/>
-          <p:cNvSpPr/>
-          <p:nvPr/>
-        </p:nvSpPr>
-        <p:spPr>
-          <a:xfrm>
-            <a:off x="7322653" y="3276011"/>
+            <a:off x="11230432" y="7040155"/>
             <a:ext cx="1556992" cy="726131"/>
           </a:xfrm>
           <a:prstGeom prst="rect">
@@ -5256,32 +4193,62 @@
             <a:r>
               <a:rPr lang="ko-KR" altLang="en-US" sz="1100" dirty="0">
                 <a:solidFill>
-                  <a:schemeClr val="tx1"/>
+                  <a:sysClr val="windowText" lastClr="000000"/>
                 </a:solidFill>
               </a:rPr>
-              <a:t>강의 평가 질문 수정</a:t>
-            </a:r>
-            <a:endParaRPr lang="en-US" altLang="ko-KR" sz="1100" dirty="0">
-              <a:solidFill>
-                <a:schemeClr val="tx1"/>
-              </a:solidFill>
-            </a:endParaRPr>
+              <a:t>수정 결과 출력</a:t>
+            </a:r>
           </a:p>
         </p:txBody>
       </p:sp>
       <p:cxnSp>
         <p:nvCxnSpPr>
-          <p:cNvPr id="136" name="직선 화살표 연결선 135"/>
+          <p:cNvPr id="151" name="직선 화살표 연결선 150"/>
           <p:cNvCxnSpPr>
-            <a:stCxn id="110" idx="2"/>
-            <a:endCxn id="135" idx="0"/>
+            <a:endCxn id="178" idx="0"/>
+          </p:cNvCxnSpPr>
+          <p:nvPr/>
+        </p:nvCxnSpPr>
+        <p:spPr>
+          <a:xfrm flipH="1">
+            <a:off x="4964669" y="4029876"/>
+            <a:ext cx="2881229" cy="3953500"/>
+          </a:xfrm>
+          <a:prstGeom prst="straightConnector1">
+            <a:avLst/>
+          </a:prstGeom>
+          <a:ln w="38100">
+            <a:headEnd w="lg" len="lg"/>
+            <a:tailEnd type="triangle"/>
+          </a:ln>
+        </p:spPr>
+        <p:style>
+          <a:lnRef idx="1">
+            <a:schemeClr val="accent1"/>
+          </a:lnRef>
+          <a:fillRef idx="0">
+            <a:schemeClr val="accent1"/>
+          </a:fillRef>
+          <a:effectRef idx="0">
+            <a:schemeClr val="accent1"/>
+          </a:effectRef>
+          <a:fontRef idx="minor">
+            <a:schemeClr val="tx1"/>
+          </a:fontRef>
+        </p:style>
+      </p:cxnSp>
+      <p:cxnSp>
+        <p:nvCxnSpPr>
+          <p:cNvPr id="152" name="직선 화살표 연결선 151"/>
+          <p:cNvCxnSpPr>
+            <a:endCxn id="150" idx="0"/>
           </p:cNvCxnSpPr>
           <p:nvPr/>
         </p:nvCxnSpPr>
         <p:spPr>
           <a:xfrm>
-            <a:off x="5334669" y="1623549"/>
-            <a:ext cx="2766480" cy="1652462"/>
+            <a:off x="8619839" y="4021933"/>
+            <a:ext cx="3389089" cy="3018222"/>
           </a:xfrm>
           <a:prstGeom prst="straightConnector1">
             <a:avLst/>
@@ -5308,13 +4275,13 @@
       </p:cxnSp>
       <p:grpSp>
         <p:nvGrpSpPr>
-          <p:cNvPr id="137" name="그룹 136"/>
+          <p:cNvPr id="153" name="그룹 152"/>
           <p:cNvGrpSpPr/>
           <p:nvPr/>
         </p:nvGrpSpPr>
         <p:grpSpPr>
-          <a:xfrm rot="16791279">
-            <a:off x="3663564" y="2555460"/>
+          <a:xfrm rot="282253">
+            <a:off x="10249894" y="5103216"/>
             <a:ext cx="465295" cy="429840"/>
             <a:chOff x="5764817" y="2081712"/>
             <a:chExt cx="465295" cy="429840"/>
@@ -5322,7 +4289,7 @@
         </p:grpSpPr>
         <p:sp>
           <p:nvSpPr>
-            <p:cNvPr id="138" name="타원 137"/>
+            <p:cNvPr id="154" name="타원 153"/>
             <p:cNvSpPr/>
             <p:nvPr/>
           </p:nvSpPr>
@@ -5334,9 +4301,7 @@
             <a:prstGeom prst="ellipse">
               <a:avLst/>
             </a:prstGeom>
-            <a:solidFill>
-              <a:schemeClr val="accent1"/>
-            </a:solidFill>
+            <a:noFill/>
             <a:ln w="38100">
               <a:solidFill>
                 <a:schemeClr val="accent1"/>
@@ -5370,9 +4335,9 @@
         </p:sp>
         <p:cxnSp>
           <p:nvCxnSpPr>
-            <p:cNvPr id="139" name="직선 연결선 138"/>
+            <p:cNvPr id="155" name="직선 연결선 154"/>
             <p:cNvCxnSpPr>
-              <a:endCxn id="138" idx="5"/>
+              <a:endCxn id="154" idx="5"/>
             </p:cNvCxnSpPr>
             <p:nvPr/>
           </p:nvCxnSpPr>
@@ -5406,14 +4371,14 @@
       </p:grpSp>
       <p:sp>
         <p:nvSpPr>
-          <p:cNvPr id="140" name="TextBox 139"/>
+          <p:cNvPr id="156" name="TextBox 155"/>
           <p:cNvSpPr txBox="1"/>
           <p:nvPr/>
         </p:nvSpPr>
         <p:spPr>
-          <a:xfrm rot="18901443">
-            <a:off x="3741641" y="2837273"/>
-            <a:ext cx="798617" cy="430887"/>
+          <a:xfrm rot="2557281">
+            <a:off x="10375697" y="5129146"/>
+            <a:ext cx="798617" cy="261610"/>
           </a:xfrm>
           <a:prstGeom prst="rect">
             <a:avLst/>
@@ -5426,18 +4391,9 @@
           </a:bodyPr>
           <a:lstStyle/>
           <a:p>
-            <a:pPr algn="ctr"/>
             <a:r>
               <a:rPr lang="ko-KR" altLang="en-US" sz="1100" dirty="0"/>
-              <a:t>권한 확인</a:t>
-            </a:r>
-            <a:endParaRPr lang="en-US" altLang="ko-KR" sz="1100" dirty="0"/>
-          </a:p>
-          <a:p>
-            <a:pPr algn="ctr"/>
-            <a:r>
-              <a:rPr lang="ko-KR" altLang="en-US" sz="1100" dirty="0"/>
-              <a:t>정보</a:t>
+              <a:t>수정 결과</a:t>
             </a:r>
             <a:endParaRPr lang="ko-KR" altLang="en-US" sz="1600" dirty="0"/>
           </a:p>
@@ -5445,13 +4401,13 @@
       </p:sp>
       <p:grpSp>
         <p:nvGrpSpPr>
-          <p:cNvPr id="141" name="그룹 140"/>
+          <p:cNvPr id="157" name="그룹 156"/>
           <p:cNvGrpSpPr/>
           <p:nvPr/>
         </p:nvGrpSpPr>
         <p:grpSpPr>
-          <a:xfrm rot="21416685">
-            <a:off x="6592829" y="2035568"/>
+          <a:xfrm rot="16602684">
+            <a:off x="4950895" y="5387829"/>
             <a:ext cx="465295" cy="429840"/>
             <a:chOff x="5764817" y="2081712"/>
             <a:chExt cx="465295" cy="429840"/>
@@ -5459,7 +4415,7 @@
         </p:grpSpPr>
         <p:sp>
           <p:nvSpPr>
-            <p:cNvPr id="142" name="타원 141"/>
+            <p:cNvPr id="158" name="타원 157"/>
             <p:cNvSpPr/>
             <p:nvPr/>
           </p:nvSpPr>
@@ -5471,9 +4427,7 @@
             <a:prstGeom prst="ellipse">
               <a:avLst/>
             </a:prstGeom>
-            <a:solidFill>
-              <a:schemeClr val="accent1"/>
-            </a:solidFill>
+            <a:noFill/>
             <a:ln w="38100">
               <a:solidFill>
                 <a:schemeClr val="accent1"/>
@@ -5507,9 +4461,9 @@
         </p:sp>
         <p:cxnSp>
           <p:nvCxnSpPr>
-            <p:cNvPr id="143" name="직선 연결선 142"/>
+            <p:cNvPr id="159" name="직선 연결선 158"/>
             <p:cNvCxnSpPr>
-              <a:endCxn id="142" idx="5"/>
+              <a:endCxn id="158" idx="5"/>
             </p:cNvCxnSpPr>
             <p:nvPr/>
           </p:nvCxnSpPr>
@@ -5543,14 +4497,14 @@
       </p:grpSp>
       <p:sp>
         <p:nvSpPr>
-          <p:cNvPr id="144" name="TextBox 143"/>
+          <p:cNvPr id="160" name="TextBox 159"/>
           <p:cNvSpPr txBox="1"/>
           <p:nvPr/>
         </p:nvSpPr>
         <p:spPr>
-          <a:xfrm rot="2373847">
-            <a:off x="6669940" y="1828530"/>
-            <a:ext cx="798617" cy="430887"/>
+          <a:xfrm rot="19199642">
+            <a:off x="3944451" y="5322027"/>
+            <a:ext cx="2064041" cy="261610"/>
           </a:xfrm>
           <a:prstGeom prst="rect">
             <a:avLst/>
@@ -5558,6 +4512,132 @@
           <a:noFill/>
         </p:spPr>
         <p:txBody>
+          <a:bodyPr wrap="square" rtlCol="0">
+            <a:spAutoFit/>
+          </a:bodyPr>
+          <a:lstStyle/>
+          <a:p>
+            <a:r>
+              <a:rPr lang="ko-KR" altLang="en-US" sz="1100" dirty="0"/>
+              <a:t>강의 평가 질문 수정 정보</a:t>
+            </a:r>
+            <a:endParaRPr lang="ko-KR" altLang="en-US" sz="1600" dirty="0"/>
+          </a:p>
+        </p:txBody>
+      </p:sp>
+      <p:grpSp>
+        <p:nvGrpSpPr>
+          <p:cNvPr id="161" name="그룹 160"/>
+          <p:cNvGrpSpPr/>
+          <p:nvPr/>
+        </p:nvGrpSpPr>
+        <p:grpSpPr>
+          <a:xfrm rot="4096679">
+            <a:off x="7415029" y="5157093"/>
+            <a:ext cx="465295" cy="429840"/>
+            <a:chOff x="5764817" y="2081712"/>
+            <a:chExt cx="465295" cy="429840"/>
+          </a:xfrm>
+        </p:grpSpPr>
+        <p:sp>
+          <p:nvSpPr>
+            <p:cNvPr id="162" name="타원 161"/>
+            <p:cNvSpPr/>
+            <p:nvPr/>
+          </p:nvSpPr>
+          <p:spPr>
+            <a:xfrm>
+              <a:off x="5764817" y="2081712"/>
+              <a:ext cx="254984" cy="254984"/>
+            </a:xfrm>
+            <a:prstGeom prst="ellipse">
+              <a:avLst/>
+            </a:prstGeom>
+            <a:noFill/>
+            <a:ln w="38100">
+              <a:solidFill>
+                <a:schemeClr val="accent1"/>
+              </a:solidFill>
+            </a:ln>
+          </p:spPr>
+          <p:style>
+            <a:lnRef idx="2">
+              <a:schemeClr val="accent1">
+                <a:shade val="50000"/>
+              </a:schemeClr>
+            </a:lnRef>
+            <a:fillRef idx="1">
+              <a:schemeClr val="accent1"/>
+            </a:fillRef>
+            <a:effectRef idx="0">
+              <a:schemeClr val="accent1"/>
+            </a:effectRef>
+            <a:fontRef idx="minor">
+              <a:schemeClr val="lt1"/>
+            </a:fontRef>
+          </p:style>
+          <p:txBody>
+            <a:bodyPr rtlCol="0" anchor="ctr"/>
+            <a:lstStyle/>
+            <a:p>
+              <a:pPr algn="ctr"/>
+              <a:endParaRPr lang="ko-KR" altLang="en-US"/>
+            </a:p>
+          </p:txBody>
+        </p:sp>
+        <p:cxnSp>
+          <p:nvCxnSpPr>
+            <p:cNvPr id="163" name="직선 연결선 162"/>
+            <p:cNvCxnSpPr>
+              <a:endCxn id="162" idx="5"/>
+            </p:cNvCxnSpPr>
+            <p:nvPr/>
+          </p:nvCxnSpPr>
+          <p:spPr>
+            <a:xfrm flipH="1" flipV="1">
+              <a:off x="5982459" y="2299354"/>
+              <a:ext cx="247653" cy="212198"/>
+            </a:xfrm>
+            <a:prstGeom prst="line">
+              <a:avLst/>
+            </a:prstGeom>
+            <a:ln w="38100">
+              <a:headEnd type="stealth" w="lg" len="lg"/>
+            </a:ln>
+          </p:spPr>
+          <p:style>
+            <a:lnRef idx="1">
+              <a:schemeClr val="accent1"/>
+            </a:lnRef>
+            <a:fillRef idx="0">
+              <a:schemeClr val="accent1"/>
+            </a:fillRef>
+            <a:effectRef idx="0">
+              <a:schemeClr val="accent1"/>
+            </a:effectRef>
+            <a:fontRef idx="minor">
+              <a:schemeClr val="tx1"/>
+            </a:fontRef>
+          </p:style>
+        </p:cxnSp>
+      </p:grpSp>
+      <p:sp>
+        <p:nvSpPr>
+          <p:cNvPr id="164" name="TextBox 163"/>
+          <p:cNvSpPr txBox="1"/>
+          <p:nvPr/>
+        </p:nvSpPr>
+        <p:spPr>
+          <a:xfrm rot="17683683">
+            <a:off x="6731300" y="4986371"/>
+            <a:ext cx="1221809" cy="430887"/>
+          </a:xfrm>
+          <a:prstGeom prst="rect">
+            <a:avLst/>
+          </a:prstGeom>
+          <a:noFill/>
+        </p:spPr>
+        <p:txBody>
           <a:bodyPr wrap="none" rtlCol="0">
             <a:spAutoFit/>
           </a:bodyPr>
@@ -5566,7 +4646,7 @@
             <a:pPr algn="ctr"/>
             <a:r>
               <a:rPr lang="ko-KR" altLang="en-US" sz="1100" dirty="0"/>
-              <a:t>권한 확인</a:t>
+              <a:t>수정할 강의평가</a:t>
             </a:r>
             <a:endParaRPr lang="en-US" altLang="ko-KR" sz="1100" dirty="0"/>
           </a:p>
@@ -5574,12 +4654,748 @@
             <a:pPr algn="ctr"/>
             <a:r>
               <a:rPr lang="ko-KR" altLang="en-US" sz="1100" dirty="0"/>
-              <a:t>정보</a:t>
+              <a:t>질문 정보</a:t>
             </a:r>
             <a:endParaRPr lang="ko-KR" altLang="en-US" sz="1600" dirty="0"/>
           </a:p>
         </p:txBody>
       </p:sp>
+      <p:cxnSp>
+        <p:nvCxnSpPr>
+          <p:cNvPr id="165" name="직선 화살표 연결선 164"/>
+          <p:cNvCxnSpPr>
+            <a:endCxn id="149" idx="0"/>
+          </p:cNvCxnSpPr>
+          <p:nvPr/>
+        </p:nvCxnSpPr>
+        <p:spPr>
+          <a:xfrm flipH="1">
+            <a:off x="7483125" y="4042535"/>
+            <a:ext cx="587445" cy="3902108"/>
+          </a:xfrm>
+          <a:prstGeom prst="straightConnector1">
+            <a:avLst/>
+          </a:prstGeom>
+          <a:ln w="38100">
+            <a:headEnd w="lg" len="lg"/>
+            <a:tailEnd type="triangle"/>
+          </a:ln>
+        </p:spPr>
+        <p:style>
+          <a:lnRef idx="1">
+            <a:schemeClr val="accent1"/>
+          </a:lnRef>
+          <a:fillRef idx="0">
+            <a:schemeClr val="accent1"/>
+          </a:fillRef>
+          <a:effectRef idx="0">
+            <a:schemeClr val="accent1"/>
+          </a:effectRef>
+          <a:fontRef idx="minor">
+            <a:schemeClr val="tx1"/>
+          </a:fontRef>
+        </p:style>
+      </p:cxnSp>
+      <p:grpSp>
+        <p:nvGrpSpPr>
+          <p:cNvPr id="166" name="그룹 165"/>
+          <p:cNvGrpSpPr/>
+          <p:nvPr/>
+        </p:nvGrpSpPr>
+        <p:grpSpPr>
+          <a:xfrm rot="15907832">
+            <a:off x="6032441" y="5630440"/>
+            <a:ext cx="465295" cy="429840"/>
+            <a:chOff x="5764817" y="2081712"/>
+            <a:chExt cx="465295" cy="429840"/>
+          </a:xfrm>
+        </p:grpSpPr>
+        <p:sp>
+          <p:nvSpPr>
+            <p:cNvPr id="167" name="타원 166"/>
+            <p:cNvSpPr/>
+            <p:nvPr/>
+          </p:nvSpPr>
+          <p:spPr>
+            <a:xfrm>
+              <a:off x="5764817" y="2081712"/>
+              <a:ext cx="254984" cy="254984"/>
+            </a:xfrm>
+            <a:prstGeom prst="ellipse">
+              <a:avLst/>
+            </a:prstGeom>
+            <a:noFill/>
+            <a:ln w="38100">
+              <a:solidFill>
+                <a:schemeClr val="accent1"/>
+              </a:solidFill>
+            </a:ln>
+          </p:spPr>
+          <p:style>
+            <a:lnRef idx="2">
+              <a:schemeClr val="accent1">
+                <a:shade val="50000"/>
+              </a:schemeClr>
+            </a:lnRef>
+            <a:fillRef idx="1">
+              <a:schemeClr val="accent1"/>
+            </a:fillRef>
+            <a:effectRef idx="0">
+              <a:schemeClr val="accent1"/>
+            </a:effectRef>
+            <a:fontRef idx="minor">
+              <a:schemeClr val="lt1"/>
+            </a:fontRef>
+          </p:style>
+          <p:txBody>
+            <a:bodyPr rtlCol="0" anchor="ctr"/>
+            <a:lstStyle/>
+            <a:p>
+              <a:pPr algn="ctr"/>
+              <a:endParaRPr lang="ko-KR" altLang="en-US"/>
+            </a:p>
+          </p:txBody>
+        </p:sp>
+        <p:cxnSp>
+          <p:nvCxnSpPr>
+            <p:cNvPr id="168" name="직선 연결선 167"/>
+            <p:cNvCxnSpPr>
+              <a:endCxn id="167" idx="5"/>
+            </p:cNvCxnSpPr>
+            <p:nvPr/>
+          </p:nvCxnSpPr>
+          <p:spPr>
+            <a:xfrm flipH="1" flipV="1">
+              <a:off x="5982459" y="2299354"/>
+              <a:ext cx="247653" cy="212198"/>
+            </a:xfrm>
+            <a:prstGeom prst="line">
+              <a:avLst/>
+            </a:prstGeom>
+            <a:ln w="38100">
+              <a:headEnd type="stealth" w="lg" len="lg"/>
+            </a:ln>
+          </p:spPr>
+          <p:style>
+            <a:lnRef idx="1">
+              <a:schemeClr val="accent1"/>
+            </a:lnRef>
+            <a:fillRef idx="0">
+              <a:schemeClr val="accent1"/>
+            </a:fillRef>
+            <a:effectRef idx="0">
+              <a:schemeClr val="accent1"/>
+            </a:effectRef>
+            <a:fontRef idx="minor">
+              <a:schemeClr val="tx1"/>
+            </a:fontRef>
+          </p:style>
+        </p:cxnSp>
+      </p:grpSp>
+      <p:sp>
+        <p:nvSpPr>
+          <p:cNvPr id="169" name="TextBox 168"/>
+          <p:cNvSpPr txBox="1"/>
+          <p:nvPr/>
+        </p:nvSpPr>
+        <p:spPr>
+          <a:xfrm rot="18636243">
+            <a:off x="5026127" y="5566161"/>
+            <a:ext cx="2065042" cy="261610"/>
+          </a:xfrm>
+          <a:prstGeom prst="rect">
+            <a:avLst/>
+          </a:prstGeom>
+          <a:noFill/>
+        </p:spPr>
+        <p:txBody>
+          <a:bodyPr wrap="square" rtlCol="0">
+            <a:spAutoFit/>
+          </a:bodyPr>
+          <a:lstStyle/>
+          <a:p>
+            <a:r>
+              <a:rPr lang="ko-KR" altLang="en-US" sz="1100" dirty="0"/>
+              <a:t>강의평가 질문 리스트 정보</a:t>
+            </a:r>
+            <a:endParaRPr lang="ko-KR" altLang="en-US" sz="1600" dirty="0"/>
+          </a:p>
+        </p:txBody>
+      </p:sp>
+      <p:grpSp>
+        <p:nvGrpSpPr>
+          <p:cNvPr id="170" name="그룹 169"/>
+          <p:cNvGrpSpPr/>
+          <p:nvPr/>
+        </p:nvGrpSpPr>
+        <p:grpSpPr>
+          <a:xfrm rot="3861689">
+            <a:off x="7144920" y="6652882"/>
+            <a:ext cx="465295" cy="429840"/>
+            <a:chOff x="5764817" y="2081712"/>
+            <a:chExt cx="465295" cy="429840"/>
+          </a:xfrm>
+        </p:grpSpPr>
+        <p:sp>
+          <p:nvSpPr>
+            <p:cNvPr id="171" name="타원 170"/>
+            <p:cNvSpPr/>
+            <p:nvPr/>
+          </p:nvSpPr>
+          <p:spPr>
+            <a:xfrm>
+              <a:off x="5764817" y="2081712"/>
+              <a:ext cx="254984" cy="254984"/>
+            </a:xfrm>
+            <a:prstGeom prst="ellipse">
+              <a:avLst/>
+            </a:prstGeom>
+            <a:noFill/>
+            <a:ln w="38100">
+              <a:solidFill>
+                <a:schemeClr val="accent1"/>
+              </a:solidFill>
+            </a:ln>
+          </p:spPr>
+          <p:style>
+            <a:lnRef idx="2">
+              <a:schemeClr val="accent1">
+                <a:shade val="50000"/>
+              </a:schemeClr>
+            </a:lnRef>
+            <a:fillRef idx="1">
+              <a:schemeClr val="accent1"/>
+            </a:fillRef>
+            <a:effectRef idx="0">
+              <a:schemeClr val="accent1"/>
+            </a:effectRef>
+            <a:fontRef idx="minor">
+              <a:schemeClr val="lt1"/>
+            </a:fontRef>
+          </p:style>
+          <p:txBody>
+            <a:bodyPr rtlCol="0" anchor="ctr"/>
+            <a:lstStyle/>
+            <a:p>
+              <a:pPr algn="ctr"/>
+              <a:endParaRPr lang="ko-KR" altLang="en-US"/>
+            </a:p>
+          </p:txBody>
+        </p:sp>
+        <p:cxnSp>
+          <p:nvCxnSpPr>
+            <p:cNvPr id="172" name="직선 연결선 171"/>
+            <p:cNvCxnSpPr>
+              <a:endCxn id="171" idx="5"/>
+            </p:cNvCxnSpPr>
+            <p:nvPr/>
+          </p:nvCxnSpPr>
+          <p:spPr>
+            <a:xfrm flipH="1" flipV="1">
+              <a:off x="5982459" y="2299354"/>
+              <a:ext cx="247653" cy="212198"/>
+            </a:xfrm>
+            <a:prstGeom prst="line">
+              <a:avLst/>
+            </a:prstGeom>
+            <a:ln w="38100">
+              <a:headEnd type="stealth" w="lg" len="lg"/>
+            </a:ln>
+          </p:spPr>
+          <p:style>
+            <a:lnRef idx="1">
+              <a:schemeClr val="accent1"/>
+            </a:lnRef>
+            <a:fillRef idx="0">
+              <a:schemeClr val="accent1"/>
+            </a:fillRef>
+            <a:effectRef idx="0">
+              <a:schemeClr val="accent1"/>
+            </a:effectRef>
+            <a:fontRef idx="minor">
+              <a:schemeClr val="tx1"/>
+            </a:fontRef>
+          </p:style>
+        </p:cxnSp>
+      </p:grpSp>
+      <p:sp>
+        <p:nvSpPr>
+          <p:cNvPr id="173" name="TextBox 172"/>
+          <p:cNvSpPr txBox="1"/>
+          <p:nvPr/>
+        </p:nvSpPr>
+        <p:spPr>
+          <a:xfrm rot="16966098">
+            <a:off x="6181889" y="6639111"/>
+            <a:ext cx="1885453" cy="261610"/>
+          </a:xfrm>
+          <a:prstGeom prst="rect">
+            <a:avLst/>
+          </a:prstGeom>
+          <a:noFill/>
+        </p:spPr>
+        <p:txBody>
+          <a:bodyPr wrap="none" rtlCol="0">
+            <a:spAutoFit/>
+          </a:bodyPr>
+          <a:lstStyle/>
+          <a:p>
+            <a:r>
+              <a:rPr lang="ko-KR" altLang="en-US" sz="1100" dirty="0"/>
+              <a:t>강의평가 질문 리스트 정보</a:t>
+            </a:r>
+            <a:endParaRPr lang="ko-KR" altLang="en-US" sz="1600" dirty="0"/>
+          </a:p>
+        </p:txBody>
+      </p:sp>
+      <p:grpSp>
+        <p:nvGrpSpPr>
+          <p:cNvPr id="174" name="그룹 173"/>
+          <p:cNvGrpSpPr/>
+          <p:nvPr/>
+        </p:nvGrpSpPr>
+        <p:grpSpPr>
+          <a:xfrm rot="14100084">
+            <a:off x="7723848" y="6533858"/>
+            <a:ext cx="465295" cy="429840"/>
+            <a:chOff x="5764817" y="2081712"/>
+            <a:chExt cx="465295" cy="429840"/>
+          </a:xfrm>
+        </p:grpSpPr>
+        <p:sp>
+          <p:nvSpPr>
+            <p:cNvPr id="175" name="타원 174"/>
+            <p:cNvSpPr/>
+            <p:nvPr/>
+          </p:nvSpPr>
+          <p:spPr>
+            <a:xfrm>
+              <a:off x="5764817" y="2081712"/>
+              <a:ext cx="254984" cy="254984"/>
+            </a:xfrm>
+            <a:prstGeom prst="ellipse">
+              <a:avLst/>
+            </a:prstGeom>
+            <a:solidFill>
+              <a:schemeClr val="accent1"/>
+            </a:solidFill>
+            <a:ln w="38100">
+              <a:solidFill>
+                <a:schemeClr val="accent1"/>
+              </a:solidFill>
+            </a:ln>
+          </p:spPr>
+          <p:style>
+            <a:lnRef idx="2">
+              <a:schemeClr val="accent1">
+                <a:shade val="50000"/>
+              </a:schemeClr>
+            </a:lnRef>
+            <a:fillRef idx="1">
+              <a:schemeClr val="accent1"/>
+            </a:fillRef>
+            <a:effectRef idx="0">
+              <a:schemeClr val="accent1"/>
+            </a:effectRef>
+            <a:fontRef idx="minor">
+              <a:schemeClr val="lt1"/>
+            </a:fontRef>
+          </p:style>
+          <p:txBody>
+            <a:bodyPr rtlCol="0" anchor="ctr"/>
+            <a:lstStyle/>
+            <a:p>
+              <a:pPr algn="ctr"/>
+              <a:endParaRPr lang="ko-KR" altLang="en-US"/>
+            </a:p>
+          </p:txBody>
+        </p:sp>
+        <p:cxnSp>
+          <p:nvCxnSpPr>
+            <p:cNvPr id="176" name="직선 연결선 175"/>
+            <p:cNvCxnSpPr>
+              <a:endCxn id="175" idx="5"/>
+            </p:cNvCxnSpPr>
+            <p:nvPr/>
+          </p:nvCxnSpPr>
+          <p:spPr>
+            <a:xfrm flipH="1" flipV="1">
+              <a:off x="5982459" y="2299354"/>
+              <a:ext cx="247653" cy="212198"/>
+            </a:xfrm>
+            <a:prstGeom prst="line">
+              <a:avLst/>
+            </a:prstGeom>
+            <a:ln w="38100">
+              <a:headEnd type="stealth" w="lg" len="lg"/>
+            </a:ln>
+          </p:spPr>
+          <p:style>
+            <a:lnRef idx="1">
+              <a:schemeClr val="accent1"/>
+            </a:lnRef>
+            <a:fillRef idx="0">
+              <a:schemeClr val="accent1"/>
+            </a:fillRef>
+            <a:effectRef idx="0">
+              <a:schemeClr val="accent1"/>
+            </a:effectRef>
+            <a:fontRef idx="minor">
+              <a:schemeClr val="tx1"/>
+            </a:fontRef>
+          </p:style>
+        </p:cxnSp>
+      </p:grpSp>
+      <p:sp>
+        <p:nvSpPr>
+          <p:cNvPr id="177" name="TextBox 176"/>
+          <p:cNvSpPr txBox="1"/>
+          <p:nvPr/>
+        </p:nvSpPr>
+        <p:spPr>
+          <a:xfrm rot="5735757">
+            <a:off x="7614075" y="6580589"/>
+            <a:ext cx="1462260" cy="430887"/>
+          </a:xfrm>
+          <a:prstGeom prst="rect">
+            <a:avLst/>
+          </a:prstGeom>
+          <a:noFill/>
+        </p:spPr>
+        <p:txBody>
+          <a:bodyPr wrap="none" rtlCol="0">
+            <a:spAutoFit/>
+          </a:bodyPr>
+          <a:lstStyle/>
+          <a:p>
+            <a:pPr algn="ctr"/>
+            <a:r>
+              <a:rPr lang="ko-KR" altLang="en-US" sz="1100" dirty="0"/>
+              <a:t>강의 평가 질문 수정</a:t>
+            </a:r>
+            <a:endParaRPr lang="en-US" altLang="ko-KR" sz="1100" dirty="0"/>
+          </a:p>
+          <a:p>
+            <a:pPr algn="ctr"/>
+            <a:r>
+              <a:rPr lang="ko-KR" altLang="en-US" sz="1100" dirty="0"/>
+              <a:t> 성공 여부</a:t>
+            </a:r>
+            <a:endParaRPr lang="ko-KR" altLang="en-US" sz="1600" dirty="0"/>
+          </a:p>
+        </p:txBody>
+      </p:sp>
+      <p:sp>
+        <p:nvSpPr>
+          <p:cNvPr id="178" name="직사각형 177"/>
+          <p:cNvSpPr/>
+          <p:nvPr/>
+        </p:nvSpPr>
+        <p:spPr>
+          <a:xfrm>
+            <a:off x="4186173" y="7983376"/>
+            <a:ext cx="1556992" cy="726131"/>
+          </a:xfrm>
+          <a:prstGeom prst="rect">
+            <a:avLst/>
+          </a:prstGeom>
+          <a:noFill/>
+          <a:ln w="31750">
+            <a:solidFill>
+              <a:schemeClr val="accent1">
+                <a:shade val="50000"/>
+              </a:schemeClr>
+            </a:solidFill>
+          </a:ln>
+        </p:spPr>
+        <p:style>
+          <a:lnRef idx="2">
+            <a:schemeClr val="accent1">
+              <a:shade val="50000"/>
+            </a:schemeClr>
+          </a:lnRef>
+          <a:fillRef idx="1">
+            <a:schemeClr val="accent1"/>
+          </a:fillRef>
+          <a:effectRef idx="0">
+            <a:schemeClr val="accent1"/>
+          </a:effectRef>
+          <a:fontRef idx="minor">
+            <a:schemeClr val="lt1"/>
+          </a:fontRef>
+        </p:style>
+        <p:txBody>
+          <a:bodyPr rtlCol="0" anchor="ctr"/>
+          <a:lstStyle/>
+          <a:p>
+            <a:pPr algn="ctr"/>
+            <a:r>
+              <a:rPr lang="ko-KR" altLang="en-US" sz="1100" dirty="0">
+                <a:solidFill>
+                  <a:sysClr val="windowText" lastClr="000000"/>
+                </a:solidFill>
+              </a:rPr>
+              <a:t>강의 평가 질문 정보</a:t>
+            </a:r>
+            <a:endParaRPr lang="en-US" altLang="ko-KR" sz="1100" dirty="0">
+              <a:solidFill>
+                <a:sysClr val="windowText" lastClr="000000"/>
+              </a:solidFill>
+            </a:endParaRPr>
+          </a:p>
+          <a:p>
+            <a:pPr algn="ctr"/>
+            <a:r>
+              <a:rPr lang="ko-KR" altLang="en-US" sz="1100" dirty="0">
+                <a:solidFill>
+                  <a:sysClr val="windowText" lastClr="000000"/>
+                </a:solidFill>
+              </a:rPr>
+              <a:t>읽음</a:t>
+            </a:r>
+          </a:p>
+        </p:txBody>
+      </p:sp>
+      <p:sp>
+        <p:nvSpPr>
+          <p:cNvPr id="179" name="직사각형 178"/>
+          <p:cNvSpPr/>
+          <p:nvPr/>
+        </p:nvSpPr>
+        <p:spPr>
+          <a:xfrm>
+            <a:off x="9351360" y="7895963"/>
+            <a:ext cx="1556992" cy="726131"/>
+          </a:xfrm>
+          <a:prstGeom prst="rect">
+            <a:avLst/>
+          </a:prstGeom>
+          <a:noFill/>
+          <a:ln w="31750">
+            <a:solidFill>
+              <a:schemeClr val="accent1">
+                <a:shade val="50000"/>
+              </a:schemeClr>
+            </a:solidFill>
+          </a:ln>
+        </p:spPr>
+        <p:style>
+          <a:lnRef idx="2">
+            <a:schemeClr val="accent1">
+              <a:shade val="50000"/>
+            </a:schemeClr>
+          </a:lnRef>
+          <a:fillRef idx="1">
+            <a:schemeClr val="accent1"/>
+          </a:fillRef>
+          <a:effectRef idx="0">
+            <a:schemeClr val="accent1"/>
+          </a:effectRef>
+          <a:fontRef idx="minor">
+            <a:schemeClr val="lt1"/>
+          </a:fontRef>
+        </p:style>
+        <p:txBody>
+          <a:bodyPr rtlCol="0" anchor="ctr"/>
+          <a:lstStyle/>
+          <a:p>
+            <a:pPr algn="ctr"/>
+            <a:r>
+              <a:rPr lang="ko-KR" altLang="en-US" sz="1100" dirty="0">
+                <a:solidFill>
+                  <a:sysClr val="windowText" lastClr="000000"/>
+                </a:solidFill>
+              </a:rPr>
+              <a:t>강의 평가 질문 정보</a:t>
+            </a:r>
+            <a:endParaRPr lang="en-US" altLang="ko-KR" sz="1100" dirty="0">
+              <a:solidFill>
+                <a:sysClr val="windowText" lastClr="000000"/>
+              </a:solidFill>
+            </a:endParaRPr>
+          </a:p>
+          <a:p>
+            <a:pPr algn="ctr"/>
+            <a:r>
+              <a:rPr lang="ko-KR" altLang="en-US" sz="1100" dirty="0">
+                <a:solidFill>
+                  <a:sysClr val="windowText" lastClr="000000"/>
+                </a:solidFill>
+              </a:rPr>
+              <a:t>저장</a:t>
+            </a:r>
+          </a:p>
+        </p:txBody>
+      </p:sp>
+      <p:grpSp>
+        <p:nvGrpSpPr>
+          <p:cNvPr id="180" name="그룹 179"/>
+          <p:cNvGrpSpPr/>
+          <p:nvPr/>
+        </p:nvGrpSpPr>
+        <p:grpSpPr>
+          <a:xfrm rot="1205072">
+            <a:off x="9172209" y="5886525"/>
+            <a:ext cx="465295" cy="429840"/>
+            <a:chOff x="5764817" y="2081712"/>
+            <a:chExt cx="465295" cy="429840"/>
+          </a:xfrm>
+        </p:grpSpPr>
+        <p:sp>
+          <p:nvSpPr>
+            <p:cNvPr id="181" name="타원 180"/>
+            <p:cNvSpPr/>
+            <p:nvPr/>
+          </p:nvSpPr>
+          <p:spPr>
+            <a:xfrm>
+              <a:off x="5764817" y="2081712"/>
+              <a:ext cx="254984" cy="254984"/>
+            </a:xfrm>
+            <a:prstGeom prst="ellipse">
+              <a:avLst/>
+            </a:prstGeom>
+            <a:noFill/>
+            <a:ln w="38100">
+              <a:solidFill>
+                <a:schemeClr val="accent1"/>
+              </a:solidFill>
+            </a:ln>
+          </p:spPr>
+          <p:style>
+            <a:lnRef idx="2">
+              <a:schemeClr val="accent1">
+                <a:shade val="50000"/>
+              </a:schemeClr>
+            </a:lnRef>
+            <a:fillRef idx="1">
+              <a:schemeClr val="accent1"/>
+            </a:fillRef>
+            <a:effectRef idx="0">
+              <a:schemeClr val="accent1"/>
+            </a:effectRef>
+            <a:fontRef idx="minor">
+              <a:schemeClr val="lt1"/>
+            </a:fontRef>
+          </p:style>
+          <p:txBody>
+            <a:bodyPr rtlCol="0" anchor="ctr"/>
+            <a:lstStyle/>
+            <a:p>
+              <a:pPr algn="ctr"/>
+              <a:endParaRPr lang="ko-KR" altLang="en-US"/>
+            </a:p>
+          </p:txBody>
+        </p:sp>
+        <p:cxnSp>
+          <p:nvCxnSpPr>
+            <p:cNvPr id="182" name="직선 연결선 181"/>
+            <p:cNvCxnSpPr>
+              <a:endCxn id="181" idx="5"/>
+            </p:cNvCxnSpPr>
+            <p:nvPr/>
+          </p:nvCxnSpPr>
+          <p:spPr>
+            <a:xfrm flipH="1" flipV="1">
+              <a:off x="5982459" y="2299354"/>
+              <a:ext cx="247653" cy="212198"/>
+            </a:xfrm>
+            <a:prstGeom prst="line">
+              <a:avLst/>
+            </a:prstGeom>
+            <a:ln w="38100">
+              <a:headEnd type="stealth" w="lg" len="lg"/>
+            </a:ln>
+          </p:spPr>
+          <p:style>
+            <a:lnRef idx="1">
+              <a:schemeClr val="accent1"/>
+            </a:lnRef>
+            <a:fillRef idx="0">
+              <a:schemeClr val="accent1"/>
+            </a:fillRef>
+            <a:effectRef idx="0">
+              <a:schemeClr val="accent1"/>
+            </a:effectRef>
+            <a:fontRef idx="minor">
+              <a:schemeClr val="tx1"/>
+            </a:fontRef>
+          </p:style>
+        </p:cxnSp>
+      </p:grpSp>
+      <p:sp>
+        <p:nvSpPr>
+          <p:cNvPr id="183" name="TextBox 182"/>
+          <p:cNvSpPr txBox="1"/>
+          <p:nvPr/>
+        </p:nvSpPr>
+        <p:spPr>
+          <a:xfrm rot="3560223">
+            <a:off x="9111825" y="5661411"/>
+            <a:ext cx="1221809" cy="430887"/>
+          </a:xfrm>
+          <a:prstGeom prst="rect">
+            <a:avLst/>
+          </a:prstGeom>
+          <a:noFill/>
+        </p:spPr>
+        <p:txBody>
+          <a:bodyPr wrap="none" rtlCol="0">
+            <a:spAutoFit/>
+          </a:bodyPr>
+          <a:lstStyle/>
+          <a:p>
+            <a:pPr algn="ctr"/>
+            <a:r>
+              <a:rPr lang="ko-KR" altLang="en-US" sz="1100" dirty="0"/>
+              <a:t>수정된 강의평가</a:t>
+            </a:r>
+            <a:endParaRPr lang="en-US" altLang="ko-KR" sz="1100" dirty="0"/>
+          </a:p>
+          <a:p>
+            <a:pPr algn="ctr"/>
+            <a:r>
+              <a:rPr lang="ko-KR" altLang="en-US" sz="1100" dirty="0"/>
+              <a:t>질문 정보</a:t>
+            </a:r>
+            <a:endParaRPr lang="ko-KR" altLang="en-US" sz="1600" dirty="0"/>
+          </a:p>
+        </p:txBody>
+      </p:sp>
+      <p:cxnSp>
+        <p:nvCxnSpPr>
+          <p:cNvPr id="184" name="직선 화살표 연결선 183"/>
+          <p:cNvCxnSpPr/>
+          <p:nvPr/>
+        </p:nvCxnSpPr>
+        <p:spPr>
+          <a:xfrm>
+            <a:off x="8363718" y="4055194"/>
+            <a:ext cx="1299783" cy="3807508"/>
+          </a:xfrm>
+          <a:prstGeom prst="straightConnector1">
+            <a:avLst/>
+          </a:prstGeom>
+          <a:ln w="38100">
+            <a:headEnd w="lg" len="lg"/>
+            <a:tailEnd type="triangle"/>
+          </a:ln>
+        </p:spPr>
+        <p:style>
+          <a:lnRef idx="1">
+            <a:schemeClr val="accent1"/>
+          </a:lnRef>
+          <a:fillRef idx="0">
+            <a:schemeClr val="accent1"/>
+          </a:fillRef>
+          <a:effectRef idx="0">
+            <a:schemeClr val="accent1"/>
+          </a:effectRef>
+          <a:fontRef idx="minor">
+            <a:schemeClr val="tx1"/>
+          </a:fontRef>
+        </p:style>
+      </p:cxnSp>
     </p:spTree>
     <p:extLst>
       <p:ext uri="{BB962C8B-B14F-4D97-AF65-F5344CB8AC3E}">
